--- a/Termin_7/folien/UebungModellierung#7.pptx
+++ b/Termin_7/folien/UebungModellierung#7.pptx
@@ -5,37 +5,41 @@
     <p:sldMasterId id="2147483648" r:id="rId1"/>
   </p:sldMasterIdLst>
   <p:notesMasterIdLst>
-    <p:notesMasterId r:id="rId13"/>
+    <p:notesMasterId r:id="rId17"/>
   </p:notesMasterIdLst>
   <p:handoutMasterIdLst>
-    <p:handoutMasterId r:id="rId14"/>
+    <p:handoutMasterId r:id="rId18"/>
   </p:handoutMasterIdLst>
   <p:sldIdLst>
     <p:sldId id="892" r:id="rId2"/>
     <p:sldId id="966" r:id="rId3"/>
     <p:sldId id="979" r:id="rId4"/>
-    <p:sldId id="988" r:id="rId5"/>
-    <p:sldId id="989" r:id="rId6"/>
-    <p:sldId id="980" r:id="rId7"/>
-    <p:sldId id="982" r:id="rId8"/>
-    <p:sldId id="990" r:id="rId9"/>
-    <p:sldId id="991" r:id="rId10"/>
-    <p:sldId id="992" r:id="rId11"/>
-    <p:sldId id="993" r:id="rId12"/>
+    <p:sldId id="994" r:id="rId5"/>
+    <p:sldId id="995" r:id="rId6"/>
+    <p:sldId id="988" r:id="rId7"/>
+    <p:sldId id="989" r:id="rId8"/>
+    <p:sldId id="980" r:id="rId9"/>
+    <p:sldId id="982" r:id="rId10"/>
+    <p:sldId id="990" r:id="rId11"/>
+    <p:sldId id="991" r:id="rId12"/>
+    <p:sldId id="992" r:id="rId13"/>
+    <p:sldId id="993" r:id="rId14"/>
+    <p:sldId id="996" r:id="rId15"/>
+    <p:sldId id="997" r:id="rId16"/>
   </p:sldIdLst>
   <p:sldSz cx="9144000" cy="6858000" type="screen4x3"/>
   <p:notesSz cx="7099300" cy="9601200"/>
   <p:embeddedFontLst>
     <p:embeddedFont>
       <p:font typeface="Calibri" pitchFamily="34" charset="0"/>
-      <p:regular r:id="rId15"/>
-      <p:bold r:id="rId16"/>
-      <p:italic r:id="rId17"/>
-      <p:boldItalic r:id="rId18"/>
+      <p:regular r:id="rId19"/>
+      <p:bold r:id="rId20"/>
+      <p:italic r:id="rId21"/>
+      <p:boldItalic r:id="rId22"/>
     </p:embeddedFont>
     <p:embeddedFont>
       <p:font typeface="MV Boli" pitchFamily="2" charset="0"/>
-      <p:regular r:id="rId19"/>
+      <p:regular r:id="rId23"/>
     </p:embeddedFont>
   </p:embeddedFontLst>
   <p:defaultTextStyle>
@@ -397,7 +401,7 @@
     </p:spTree>
     <p:extLst>
       <p:ext uri="{BB962C8B-B14F-4D97-AF65-F5344CB8AC3E}">
-        <p14:creationId xmlns:p14="http://schemas.microsoft.com/office/powerpoint/2010/main" xmlns="" val="1882660213"/>
+        <p14:creationId xmlns="" xmlns:p14="http://schemas.microsoft.com/office/powerpoint/2010/main" val="1882660213"/>
       </p:ext>
     </p:extLst>
   </p:cSld>
@@ -736,7 +740,7 @@
     </p:spTree>
     <p:extLst>
       <p:ext uri="{BB962C8B-B14F-4D97-AF65-F5344CB8AC3E}">
-        <p14:creationId xmlns:p14="http://schemas.microsoft.com/office/powerpoint/2010/main" xmlns="" val="2781074432"/>
+        <p14:creationId xmlns="" xmlns:p14="http://schemas.microsoft.com/office/powerpoint/2010/main" val="2781074432"/>
       </p:ext>
     </p:extLst>
   </p:cSld>
@@ -1185,6 +1189,414 @@
 </p:notes>
 </file>
 
+<file path=ppt/notesSlides/notesSlide12.xml><?xml version="1.0" encoding="utf-8"?>
+<p:notes xmlns:a="http://schemas.openxmlformats.org/drawingml/2006/main" xmlns:r="http://schemas.openxmlformats.org/officeDocument/2006/relationships" xmlns:p="http://schemas.openxmlformats.org/presentationml/2006/main">
+  <p:cSld>
+    <p:spTree>
+      <p:nvGrpSpPr>
+        <p:cNvPr id="1" name=""/>
+        <p:cNvGrpSpPr/>
+        <p:nvPr/>
+      </p:nvGrpSpPr>
+      <p:grpSpPr>
+        <a:xfrm>
+          <a:off x="0" y="0"/>
+          <a:ext cx="0" cy="0"/>
+          <a:chOff x="0" y="0"/>
+          <a:chExt cx="0" cy="0"/>
+        </a:xfrm>
+      </p:grpSpPr>
+      <p:sp>
+        <p:nvSpPr>
+          <p:cNvPr id="54274" name="Rectangle 7"/>
+          <p:cNvSpPr>
+            <a:spLocks noGrp="1" noChangeArrowheads="1"/>
+          </p:cNvSpPr>
+          <p:nvPr>
+            <p:ph type="sldNum" sz="quarter" idx="5"/>
+          </p:nvPr>
+        </p:nvSpPr>
+        <p:spPr/>
+        <p:txBody>
+          <a:bodyPr/>
+          <a:lstStyle/>
+          <a:p>
+            <a:pPr>
+              <a:defRPr/>
+            </a:pPr>
+            <a:fld id="{10FECC1A-FDCF-43AB-8611-DC3836B8FF46}" type="slidenum">
+              <a:rPr lang="de-DE" smtClean="0"/>
+              <a:pPr>
+                <a:defRPr/>
+              </a:pPr>
+              <a:t>12</a:t>
+            </a:fld>
+            <a:endParaRPr lang="de-DE" smtClean="0"/>
+          </a:p>
+        </p:txBody>
+      </p:sp>
+      <p:sp>
+        <p:nvSpPr>
+          <p:cNvPr id="28675" name="Rectangle 2"/>
+          <p:cNvSpPr>
+            <a:spLocks noGrp="1" noRot="1" noChangeAspect="1" noChangeArrowheads="1" noTextEdit="1"/>
+          </p:cNvSpPr>
+          <p:nvPr>
+            <p:ph type="sldImg"/>
+          </p:nvPr>
+        </p:nvSpPr>
+        <p:spPr>
+          <a:xfrm>
+            <a:off x="1152525" y="720725"/>
+            <a:ext cx="4799013" cy="3598863"/>
+          </a:xfrm>
+          <a:ln/>
+        </p:spPr>
+      </p:sp>
+      <p:sp>
+        <p:nvSpPr>
+          <p:cNvPr id="28676" name="Rectangle 3"/>
+          <p:cNvSpPr>
+            <a:spLocks noGrp="1" noChangeArrowheads="1"/>
+          </p:cNvSpPr>
+          <p:nvPr>
+            <p:ph type="body" idx="1"/>
+          </p:nvPr>
+        </p:nvSpPr>
+        <p:spPr>
+          <a:xfrm>
+            <a:off x="946150" y="4559300"/>
+            <a:ext cx="5207000" cy="4321175"/>
+          </a:xfrm>
+          <a:noFill/>
+          <a:ln/>
+        </p:spPr>
+        <p:txBody>
+          <a:bodyPr/>
+          <a:lstStyle/>
+          <a:p>
+            <a:pPr eaLnBrk="1" hangingPunct="1"/>
+            <a:r>
+              <a:rPr lang="en-US" dirty="0" smtClean="0"/>
+              <a:t>This is the main motivation…</a:t>
+            </a:r>
+          </a:p>
+        </p:txBody>
+      </p:sp>
+    </p:spTree>
+  </p:cSld>
+  <p:clrMapOvr>
+    <a:masterClrMapping/>
+  </p:clrMapOvr>
+</p:notes>
+</file>
+
+<file path=ppt/notesSlides/notesSlide13.xml><?xml version="1.0" encoding="utf-8"?>
+<p:notes xmlns:a="http://schemas.openxmlformats.org/drawingml/2006/main" xmlns:r="http://schemas.openxmlformats.org/officeDocument/2006/relationships" xmlns:p="http://schemas.openxmlformats.org/presentationml/2006/main">
+  <p:cSld>
+    <p:spTree>
+      <p:nvGrpSpPr>
+        <p:cNvPr id="1" name=""/>
+        <p:cNvGrpSpPr/>
+        <p:nvPr/>
+      </p:nvGrpSpPr>
+      <p:grpSpPr>
+        <a:xfrm>
+          <a:off x="0" y="0"/>
+          <a:ext cx="0" cy="0"/>
+          <a:chOff x="0" y="0"/>
+          <a:chExt cx="0" cy="0"/>
+        </a:xfrm>
+      </p:grpSpPr>
+      <p:sp>
+        <p:nvSpPr>
+          <p:cNvPr id="54274" name="Rectangle 7"/>
+          <p:cNvSpPr>
+            <a:spLocks noGrp="1" noChangeArrowheads="1"/>
+          </p:cNvSpPr>
+          <p:nvPr>
+            <p:ph type="sldNum" sz="quarter" idx="5"/>
+          </p:nvPr>
+        </p:nvSpPr>
+        <p:spPr/>
+        <p:txBody>
+          <a:bodyPr/>
+          <a:lstStyle/>
+          <a:p>
+            <a:pPr>
+              <a:defRPr/>
+            </a:pPr>
+            <a:fld id="{10FECC1A-FDCF-43AB-8611-DC3836B8FF46}" type="slidenum">
+              <a:rPr lang="de-DE" smtClean="0"/>
+              <a:pPr>
+                <a:defRPr/>
+              </a:pPr>
+              <a:t>13</a:t>
+            </a:fld>
+            <a:endParaRPr lang="de-DE" smtClean="0"/>
+          </a:p>
+        </p:txBody>
+      </p:sp>
+      <p:sp>
+        <p:nvSpPr>
+          <p:cNvPr id="28675" name="Rectangle 2"/>
+          <p:cNvSpPr>
+            <a:spLocks noGrp="1" noRot="1" noChangeAspect="1" noChangeArrowheads="1" noTextEdit="1"/>
+          </p:cNvSpPr>
+          <p:nvPr>
+            <p:ph type="sldImg"/>
+          </p:nvPr>
+        </p:nvSpPr>
+        <p:spPr>
+          <a:xfrm>
+            <a:off x="1152525" y="720725"/>
+            <a:ext cx="4799013" cy="3598863"/>
+          </a:xfrm>
+          <a:ln/>
+        </p:spPr>
+      </p:sp>
+      <p:sp>
+        <p:nvSpPr>
+          <p:cNvPr id="28676" name="Rectangle 3"/>
+          <p:cNvSpPr>
+            <a:spLocks noGrp="1" noChangeArrowheads="1"/>
+          </p:cNvSpPr>
+          <p:nvPr>
+            <p:ph type="body" idx="1"/>
+          </p:nvPr>
+        </p:nvSpPr>
+        <p:spPr>
+          <a:xfrm>
+            <a:off x="946150" y="4559300"/>
+            <a:ext cx="5207000" cy="4321175"/>
+          </a:xfrm>
+          <a:noFill/>
+          <a:ln/>
+        </p:spPr>
+        <p:txBody>
+          <a:bodyPr/>
+          <a:lstStyle/>
+          <a:p>
+            <a:pPr eaLnBrk="1" hangingPunct="1"/>
+            <a:r>
+              <a:rPr lang="en-US" dirty="0" smtClean="0"/>
+              <a:t>This is the main motivation…</a:t>
+            </a:r>
+          </a:p>
+        </p:txBody>
+      </p:sp>
+    </p:spTree>
+  </p:cSld>
+  <p:clrMapOvr>
+    <a:masterClrMapping/>
+  </p:clrMapOvr>
+</p:notes>
+</file>
+
+<file path=ppt/notesSlides/notesSlide14.xml><?xml version="1.0" encoding="utf-8"?>
+<p:notes xmlns:a="http://schemas.openxmlformats.org/drawingml/2006/main" xmlns:r="http://schemas.openxmlformats.org/officeDocument/2006/relationships" xmlns:p="http://schemas.openxmlformats.org/presentationml/2006/main">
+  <p:cSld>
+    <p:spTree>
+      <p:nvGrpSpPr>
+        <p:cNvPr id="1" name=""/>
+        <p:cNvGrpSpPr/>
+        <p:nvPr/>
+      </p:nvGrpSpPr>
+      <p:grpSpPr>
+        <a:xfrm>
+          <a:off x="0" y="0"/>
+          <a:ext cx="0" cy="0"/>
+          <a:chOff x="0" y="0"/>
+          <a:chExt cx="0" cy="0"/>
+        </a:xfrm>
+      </p:grpSpPr>
+      <p:sp>
+        <p:nvSpPr>
+          <p:cNvPr id="54274" name="Rectangle 7"/>
+          <p:cNvSpPr>
+            <a:spLocks noGrp="1" noChangeArrowheads="1"/>
+          </p:cNvSpPr>
+          <p:nvPr>
+            <p:ph type="sldNum" sz="quarter" idx="5"/>
+          </p:nvPr>
+        </p:nvSpPr>
+        <p:spPr/>
+        <p:txBody>
+          <a:bodyPr/>
+          <a:lstStyle/>
+          <a:p>
+            <a:pPr>
+              <a:defRPr/>
+            </a:pPr>
+            <a:fld id="{10FECC1A-FDCF-43AB-8611-DC3836B8FF46}" type="slidenum">
+              <a:rPr lang="de-DE" smtClean="0"/>
+              <a:pPr>
+                <a:defRPr/>
+              </a:pPr>
+              <a:t>14</a:t>
+            </a:fld>
+            <a:endParaRPr lang="de-DE" smtClean="0"/>
+          </a:p>
+        </p:txBody>
+      </p:sp>
+      <p:sp>
+        <p:nvSpPr>
+          <p:cNvPr id="28675" name="Rectangle 2"/>
+          <p:cNvSpPr>
+            <a:spLocks noGrp="1" noRot="1" noChangeAspect="1" noChangeArrowheads="1" noTextEdit="1"/>
+          </p:cNvSpPr>
+          <p:nvPr>
+            <p:ph type="sldImg"/>
+          </p:nvPr>
+        </p:nvSpPr>
+        <p:spPr>
+          <a:xfrm>
+            <a:off x="1152525" y="720725"/>
+            <a:ext cx="4799013" cy="3598863"/>
+          </a:xfrm>
+          <a:ln/>
+        </p:spPr>
+      </p:sp>
+      <p:sp>
+        <p:nvSpPr>
+          <p:cNvPr id="28676" name="Rectangle 3"/>
+          <p:cNvSpPr>
+            <a:spLocks noGrp="1" noChangeArrowheads="1"/>
+          </p:cNvSpPr>
+          <p:nvPr>
+            <p:ph type="body" idx="1"/>
+          </p:nvPr>
+        </p:nvSpPr>
+        <p:spPr>
+          <a:xfrm>
+            <a:off x="946150" y="4559300"/>
+            <a:ext cx="5207000" cy="4321175"/>
+          </a:xfrm>
+          <a:noFill/>
+          <a:ln/>
+        </p:spPr>
+        <p:txBody>
+          <a:bodyPr/>
+          <a:lstStyle/>
+          <a:p>
+            <a:pPr eaLnBrk="1" hangingPunct="1"/>
+            <a:r>
+              <a:rPr lang="en-US" dirty="0" smtClean="0"/>
+              <a:t>This is the main motivation…</a:t>
+            </a:r>
+          </a:p>
+        </p:txBody>
+      </p:sp>
+    </p:spTree>
+  </p:cSld>
+  <p:clrMapOvr>
+    <a:masterClrMapping/>
+  </p:clrMapOvr>
+</p:notes>
+</file>
+
+<file path=ppt/notesSlides/notesSlide15.xml><?xml version="1.0" encoding="utf-8"?>
+<p:notes xmlns:a="http://schemas.openxmlformats.org/drawingml/2006/main" xmlns:r="http://schemas.openxmlformats.org/officeDocument/2006/relationships" xmlns:p="http://schemas.openxmlformats.org/presentationml/2006/main">
+  <p:cSld>
+    <p:spTree>
+      <p:nvGrpSpPr>
+        <p:cNvPr id="1" name=""/>
+        <p:cNvGrpSpPr/>
+        <p:nvPr/>
+      </p:nvGrpSpPr>
+      <p:grpSpPr>
+        <a:xfrm>
+          <a:off x="0" y="0"/>
+          <a:ext cx="0" cy="0"/>
+          <a:chOff x="0" y="0"/>
+          <a:chExt cx="0" cy="0"/>
+        </a:xfrm>
+      </p:grpSpPr>
+      <p:sp>
+        <p:nvSpPr>
+          <p:cNvPr id="54274" name="Rectangle 7"/>
+          <p:cNvSpPr>
+            <a:spLocks noGrp="1" noChangeArrowheads="1"/>
+          </p:cNvSpPr>
+          <p:nvPr>
+            <p:ph type="sldNum" sz="quarter" idx="5"/>
+          </p:nvPr>
+        </p:nvSpPr>
+        <p:spPr/>
+        <p:txBody>
+          <a:bodyPr/>
+          <a:lstStyle/>
+          <a:p>
+            <a:pPr>
+              <a:defRPr/>
+            </a:pPr>
+            <a:fld id="{10FECC1A-FDCF-43AB-8611-DC3836B8FF46}" type="slidenum">
+              <a:rPr lang="de-DE" smtClean="0"/>
+              <a:pPr>
+                <a:defRPr/>
+              </a:pPr>
+              <a:t>15</a:t>
+            </a:fld>
+            <a:endParaRPr lang="de-DE" smtClean="0"/>
+          </a:p>
+        </p:txBody>
+      </p:sp>
+      <p:sp>
+        <p:nvSpPr>
+          <p:cNvPr id="28675" name="Rectangle 2"/>
+          <p:cNvSpPr>
+            <a:spLocks noGrp="1" noRot="1" noChangeAspect="1" noChangeArrowheads="1" noTextEdit="1"/>
+          </p:cNvSpPr>
+          <p:nvPr>
+            <p:ph type="sldImg"/>
+          </p:nvPr>
+        </p:nvSpPr>
+        <p:spPr>
+          <a:xfrm>
+            <a:off x="1152525" y="720725"/>
+            <a:ext cx="4799013" cy="3598863"/>
+          </a:xfrm>
+          <a:ln/>
+        </p:spPr>
+      </p:sp>
+      <p:sp>
+        <p:nvSpPr>
+          <p:cNvPr id="28676" name="Rectangle 3"/>
+          <p:cNvSpPr>
+            <a:spLocks noGrp="1" noChangeArrowheads="1"/>
+          </p:cNvSpPr>
+          <p:nvPr>
+            <p:ph type="body" idx="1"/>
+          </p:nvPr>
+        </p:nvSpPr>
+        <p:spPr>
+          <a:xfrm>
+            <a:off x="946150" y="4559300"/>
+            <a:ext cx="5207000" cy="4321175"/>
+          </a:xfrm>
+          <a:noFill/>
+          <a:ln/>
+        </p:spPr>
+        <p:txBody>
+          <a:bodyPr/>
+          <a:lstStyle/>
+          <a:p>
+            <a:pPr eaLnBrk="1" hangingPunct="1"/>
+            <a:r>
+              <a:rPr lang="en-US" dirty="0" smtClean="0"/>
+              <a:t>This is the main motivation…</a:t>
+            </a:r>
+          </a:p>
+        </p:txBody>
+      </p:sp>
+    </p:spTree>
+  </p:cSld>
+  <p:clrMapOvr>
+    <a:masterClrMapping/>
+  </p:clrMapOvr>
+</p:notes>
+</file>
+
 <file path=ppt/notesSlides/notesSlide2.xml><?xml version="1.0" encoding="utf-8"?>
 <p:notes xmlns:a="http://schemas.openxmlformats.org/drawingml/2006/main" xmlns:r="http://schemas.openxmlformats.org/officeDocument/2006/relationships" xmlns:p="http://schemas.openxmlformats.org/presentationml/2006/main">
   <p:cSld>
@@ -3902,7 +4314,7 @@
                 <a:latin typeface="Calibri" pitchFamily="34" charset="0"/>
                 <a:cs typeface="+mn-cs"/>
               </a:rPr>
-              <a:t>Seminar „Einführung in die Modellierung“, Wintersemester 2016/17                 #</a:t>
+              <a:t>Seminar „Einführung in die Modellierung“                                                          #</a:t>
             </a:r>
             <a:fld id="{19621714-58BB-457A-826B-841F6E217726}" type="slidenum">
               <a:rPr lang="de-DE" noProof="0" smtClean="0">
@@ -4429,7 +4841,7 @@
               <a:rPr lang="de-DE" sz="3600" dirty="0" smtClean="0">
                 <a:latin typeface="Calibri" pitchFamily="34" charset="0"/>
               </a:rPr>
-              <a:t>Wintersemester 2016/17</a:t>
+              <a:t>Wintersemester 2017/18</a:t>
             </a:r>
           </a:p>
           <a:p>
@@ -4916,6 +5328,1645 @@
               <a:rPr lang="de-DE" sz="2800" dirty="0" smtClean="0">
                 <a:latin typeface="Calibri" pitchFamily="34" charset="0"/>
               </a:rPr>
+              <a:t>Modellkalibrierung </a:t>
+            </a:r>
+            <a:endParaRPr lang="de-DE" sz="2800" dirty="0">
+              <a:latin typeface="Calibri" pitchFamily="34" charset="0"/>
+            </a:endParaRPr>
+          </a:p>
+        </p:txBody>
+      </p:sp>
+      <p:sp>
+        <p:nvSpPr>
+          <p:cNvPr id="23" name="Textfeld 22"/>
+          <p:cNvSpPr txBox="1"/>
+          <p:nvPr/>
+        </p:nvSpPr>
+        <p:spPr>
+          <a:xfrm>
+            <a:off x="250825" y="1484784"/>
+            <a:ext cx="6049367" cy="400110"/>
+          </a:xfrm>
+          <a:prstGeom prst="rect">
+            <a:avLst/>
+          </a:prstGeom>
+          <a:noFill/>
+        </p:spPr>
+        <p:txBody>
+          <a:bodyPr wrap="square" rtlCol="0">
+            <a:spAutoFit/>
+          </a:bodyPr>
+          <a:lstStyle/>
+          <a:p>
+            <a:pPr>
+              <a:spcAft>
+                <a:spcPts val="600"/>
+              </a:spcAft>
+            </a:pPr>
+            <a:r>
+              <a:rPr lang="de-DE" sz="2000" b="1" dirty="0" smtClean="0">
+                <a:latin typeface="Calibri" pitchFamily="34" charset="0"/>
+              </a:rPr>
+              <a:t>Maße für Übereinstimmung / Fehler / Güte</a:t>
+            </a:r>
+          </a:p>
+        </p:txBody>
+      </p:sp>
+      <p:sp>
+        <p:nvSpPr>
+          <p:cNvPr id="29" name="Textfeld 28"/>
+          <p:cNvSpPr txBox="1"/>
+          <p:nvPr/>
+        </p:nvSpPr>
+        <p:spPr>
+          <a:xfrm>
+            <a:off x="250825" y="1916833"/>
+            <a:ext cx="7634288" cy="784830"/>
+          </a:xfrm>
+          <a:prstGeom prst="rect">
+            <a:avLst/>
+          </a:prstGeom>
+          <a:noFill/>
+        </p:spPr>
+        <p:txBody>
+          <a:bodyPr wrap="square" rtlCol="0">
+            <a:spAutoFit/>
+          </a:bodyPr>
+          <a:lstStyle/>
+          <a:p>
+            <a:pPr marL="273050" indent="-273050">
+              <a:spcAft>
+                <a:spcPts val="600"/>
+              </a:spcAft>
+              <a:buFont typeface="Wingdings" pitchFamily="2" charset="2"/>
+              <a:buChar char="§"/>
+              <a:tabLst>
+                <a:tab pos="273050" algn="l"/>
+              </a:tabLst>
+            </a:pPr>
+            <a:r>
+              <a:rPr lang="de-DE" sz="2000" dirty="0" smtClean="0">
+                <a:latin typeface="Calibri" pitchFamily="34" charset="0"/>
+              </a:rPr>
+              <a:t>unendliche Vielfalt</a:t>
+            </a:r>
+          </a:p>
+          <a:p>
+            <a:pPr marL="273050" indent="-273050">
+              <a:spcAft>
+                <a:spcPts val="600"/>
+              </a:spcAft>
+              <a:buFont typeface="Wingdings" pitchFamily="2" charset="2"/>
+              <a:buChar char="§"/>
+              <a:tabLst>
+                <a:tab pos="273050" algn="l"/>
+              </a:tabLst>
+            </a:pPr>
+            <a:r>
+              <a:rPr lang="de-DE" sz="2000" dirty="0" smtClean="0">
+                <a:latin typeface="Calibri" pitchFamily="34" charset="0"/>
+              </a:rPr>
+              <a:t>objektives Maß für </a:t>
+            </a:r>
+            <a:r>
+              <a:rPr lang="de-DE" sz="2000" b="1" dirty="0" smtClean="0">
+                <a:latin typeface="Calibri" pitchFamily="34" charset="0"/>
+              </a:rPr>
+              <a:t>Deine</a:t>
+            </a:r>
+            <a:r>
+              <a:rPr lang="de-DE" sz="2000" dirty="0" smtClean="0">
+                <a:latin typeface="Calibri" pitchFamily="34" charset="0"/>
+              </a:rPr>
+              <a:t> Anforderung an das Modell</a:t>
+            </a:r>
+          </a:p>
+        </p:txBody>
+      </p:sp>
+      <p:sp>
+        <p:nvSpPr>
+          <p:cNvPr id="15" name="Textfeld 14"/>
+          <p:cNvSpPr txBox="1"/>
+          <p:nvPr/>
+        </p:nvSpPr>
+        <p:spPr>
+          <a:xfrm>
+            <a:off x="251520" y="2924944"/>
+            <a:ext cx="6049367" cy="400110"/>
+          </a:xfrm>
+          <a:prstGeom prst="rect">
+            <a:avLst/>
+          </a:prstGeom>
+          <a:noFill/>
+        </p:spPr>
+        <p:txBody>
+          <a:bodyPr wrap="square" rtlCol="0">
+            <a:spAutoFit/>
+          </a:bodyPr>
+          <a:lstStyle/>
+          <a:p>
+            <a:pPr>
+              <a:spcAft>
+                <a:spcPts val="600"/>
+              </a:spcAft>
+            </a:pPr>
+            <a:r>
+              <a:rPr lang="de-DE" sz="2000" b="1" dirty="0" smtClean="0">
+                <a:latin typeface="Calibri" pitchFamily="34" charset="0"/>
+              </a:rPr>
+              <a:t>Beispiele (in R-Schreibweise) </a:t>
+            </a:r>
+          </a:p>
+        </p:txBody>
+      </p:sp>
+      <p:sp>
+        <p:nvSpPr>
+          <p:cNvPr id="16" name="Textfeld 15"/>
+          <p:cNvSpPr txBox="1"/>
+          <p:nvPr/>
+        </p:nvSpPr>
+        <p:spPr>
+          <a:xfrm>
+            <a:off x="251520" y="3356993"/>
+            <a:ext cx="7634288" cy="784830"/>
+          </a:xfrm>
+          <a:prstGeom prst="rect">
+            <a:avLst/>
+          </a:prstGeom>
+          <a:noFill/>
+        </p:spPr>
+        <p:txBody>
+          <a:bodyPr wrap="square" rtlCol="0">
+            <a:spAutoFit/>
+          </a:bodyPr>
+          <a:lstStyle/>
+          <a:p>
+            <a:pPr marL="273050" indent="-273050">
+              <a:spcAft>
+                <a:spcPts val="600"/>
+              </a:spcAft>
+              <a:buFont typeface="Wingdings" pitchFamily="2" charset="2"/>
+              <a:buChar char="§"/>
+              <a:tabLst>
+                <a:tab pos="273050" algn="l"/>
+              </a:tabLst>
+            </a:pPr>
+            <a:r>
+              <a:rPr lang="de-DE" sz="2000" dirty="0" smtClean="0">
+                <a:latin typeface="Calibri" pitchFamily="34" charset="0"/>
+              </a:rPr>
+              <a:t> </a:t>
+            </a:r>
+            <a:r>
+              <a:rPr lang="de-DE" sz="1800" dirty="0" err="1" smtClean="0">
+                <a:latin typeface="Courier New" pitchFamily="49" charset="0"/>
+                <a:cs typeface="Courier New" pitchFamily="49" charset="0"/>
+              </a:rPr>
+              <a:t>obs</a:t>
+            </a:r>
+            <a:r>
+              <a:rPr lang="de-DE" sz="2000" dirty="0" smtClean="0">
+                <a:latin typeface="Calibri" pitchFamily="34" charset="0"/>
+              </a:rPr>
+              <a:t> sei ein Vektor mit Beobachtungen</a:t>
+            </a:r>
+          </a:p>
+          <a:p>
+            <a:pPr marL="273050" indent="-273050">
+              <a:spcAft>
+                <a:spcPts val="600"/>
+              </a:spcAft>
+              <a:buFont typeface="Wingdings" pitchFamily="2" charset="2"/>
+              <a:buChar char="§"/>
+              <a:tabLst>
+                <a:tab pos="273050" algn="l"/>
+              </a:tabLst>
+            </a:pPr>
+            <a:r>
+              <a:rPr lang="de-DE" sz="2000" dirty="0" smtClean="0">
+                <a:latin typeface="Calibri" pitchFamily="34" charset="0"/>
+              </a:rPr>
+              <a:t> </a:t>
+            </a:r>
+            <a:r>
+              <a:rPr lang="de-DE" sz="1800" dirty="0" err="1" smtClean="0">
+                <a:latin typeface="Courier New" pitchFamily="49" charset="0"/>
+                <a:cs typeface="Courier New" pitchFamily="49" charset="0"/>
+              </a:rPr>
+              <a:t>sim</a:t>
+            </a:r>
+            <a:r>
+              <a:rPr lang="de-DE" sz="2000" dirty="0" smtClean="0">
+                <a:latin typeface="Calibri" pitchFamily="34" charset="0"/>
+              </a:rPr>
+              <a:t> sei ein Vektor mit Simulationsergebnissen</a:t>
+            </a:r>
+          </a:p>
+        </p:txBody>
+      </p:sp>
+      <p:sp>
+        <p:nvSpPr>
+          <p:cNvPr id="26" name="Rechteck 25"/>
+          <p:cNvSpPr/>
+          <p:nvPr/>
+        </p:nvSpPr>
+        <p:spPr bwMode="auto">
+          <a:xfrm>
+            <a:off x="0" y="4292600"/>
+            <a:ext cx="9144000" cy="1944688"/>
+          </a:xfrm>
+          <a:prstGeom prst="rect">
+            <a:avLst/>
+          </a:prstGeom>
+          <a:solidFill>
+            <a:schemeClr val="accent6">
+              <a:lumMod val="20000"/>
+              <a:lumOff val="80000"/>
+            </a:schemeClr>
+          </a:solidFill>
+          <a:ln w="19050" cap="flat" cmpd="sng" algn="ctr">
+            <a:noFill/>
+            <a:prstDash val="solid"/>
+            <a:round/>
+            <a:headEnd type="none" w="med" len="med"/>
+            <a:tailEnd type="none" w="med" len="med"/>
+          </a:ln>
+          <a:effectLst/>
+        </p:spPr>
+        <p:txBody>
+          <a:bodyPr vert="horz" wrap="square" lIns="91440" tIns="45720" rIns="91440" bIns="45720" numCol="1" rtlCol="0" anchor="t" anchorCtr="0" compatLnSpc="1">
+            <a:prstTxWarp prst="textNoShape">
+              <a:avLst/>
+            </a:prstTxWarp>
+          </a:bodyPr>
+          <a:lstStyle/>
+          <a:p>
+            <a:pPr marL="0" marR="0" indent="0" algn="l" defTabSz="914400" rtl="0" eaLnBrk="1" fontAlgn="base" latinLnBrk="0" hangingPunct="1">
+              <a:lnSpc>
+                <a:spcPct val="100000"/>
+              </a:lnSpc>
+              <a:spcBef>
+                <a:spcPct val="0"/>
+              </a:spcBef>
+              <a:spcAft>
+                <a:spcPct val="0"/>
+              </a:spcAft>
+              <a:buClrTx/>
+              <a:buSzTx/>
+              <a:buFontTx/>
+              <a:buNone/>
+              <a:tabLst/>
+            </a:pPr>
+            <a:endParaRPr kumimoji="0" lang="de-DE" sz="1600" b="0" i="0" u="none" strike="noStrike" cap="none" normalizeH="0" baseline="0" smtClean="0">
+              <a:ln>
+                <a:noFill/>
+              </a:ln>
+              <a:solidFill>
+                <a:schemeClr val="tx1"/>
+              </a:solidFill>
+              <a:effectLst/>
+              <a:latin typeface="Arial" charset="0"/>
+            </a:endParaRPr>
+          </a:p>
+        </p:txBody>
+      </p:sp>
+      <p:sp>
+        <p:nvSpPr>
+          <p:cNvPr id="18" name="Textfeld 17"/>
+          <p:cNvSpPr txBox="1"/>
+          <p:nvPr/>
+        </p:nvSpPr>
+        <p:spPr>
+          <a:xfrm>
+            <a:off x="225425" y="4814044"/>
+            <a:ext cx="8893175" cy="400110"/>
+          </a:xfrm>
+          <a:prstGeom prst="rect">
+            <a:avLst/>
+          </a:prstGeom>
+          <a:noFill/>
+        </p:spPr>
+        <p:txBody>
+          <a:bodyPr wrap="square" rtlCol="0">
+            <a:spAutoFit/>
+          </a:bodyPr>
+          <a:lstStyle/>
+          <a:p>
+            <a:pPr>
+              <a:spcAft>
+                <a:spcPts val="600"/>
+              </a:spcAft>
+              <a:tabLst>
+                <a:tab pos="2781300" algn="l"/>
+              </a:tabLst>
+            </a:pPr>
+            <a:r>
+              <a:rPr lang="de-DE" sz="2000" dirty="0" smtClean="0">
+                <a:latin typeface="Calibri" pitchFamily="34" charset="0"/>
+              </a:rPr>
+              <a:t>Root </a:t>
+            </a:r>
+            <a:r>
+              <a:rPr lang="de-DE" sz="2000" dirty="0" err="1" smtClean="0">
+                <a:latin typeface="Calibri" pitchFamily="34" charset="0"/>
+              </a:rPr>
+              <a:t>Mean</a:t>
+            </a:r>
+            <a:r>
+              <a:rPr lang="de-DE" sz="2000" dirty="0" smtClean="0">
+                <a:latin typeface="Calibri" pitchFamily="34" charset="0"/>
+              </a:rPr>
+              <a:t> </a:t>
+            </a:r>
+            <a:r>
+              <a:rPr lang="de-DE" sz="2000" dirty="0" err="1" smtClean="0">
+                <a:latin typeface="Calibri" pitchFamily="34" charset="0"/>
+              </a:rPr>
+              <a:t>Squared</a:t>
+            </a:r>
+            <a:r>
+              <a:rPr lang="de-DE" sz="2000" dirty="0" smtClean="0">
+                <a:latin typeface="Calibri" pitchFamily="34" charset="0"/>
+              </a:rPr>
+              <a:t> Error 	</a:t>
+            </a:r>
+            <a:r>
+              <a:rPr lang="de-DE" sz="2000" dirty="0" smtClean="0">
+                <a:latin typeface="Courier New" pitchFamily="49" charset="0"/>
+                <a:cs typeface="Courier New" pitchFamily="49" charset="0"/>
+              </a:rPr>
+              <a:t>RMSE = </a:t>
+            </a:r>
+            <a:r>
+              <a:rPr lang="de-DE" sz="2000" dirty="0" err="1" smtClean="0">
+                <a:solidFill>
+                  <a:srgbClr val="3366FF"/>
+                </a:solidFill>
+                <a:latin typeface="Courier New" pitchFamily="49" charset="0"/>
+                <a:cs typeface="Courier New" pitchFamily="49" charset="0"/>
+              </a:rPr>
+              <a:t>sqrt</a:t>
+            </a:r>
+            <a:r>
+              <a:rPr lang="de-DE" sz="2000" dirty="0" smtClean="0">
+                <a:latin typeface="Courier New" pitchFamily="49" charset="0"/>
+                <a:cs typeface="Courier New" pitchFamily="49" charset="0"/>
+              </a:rPr>
+              <a:t>( </a:t>
+            </a:r>
+            <a:r>
+              <a:rPr lang="de-DE" sz="2000" dirty="0" err="1" smtClean="0">
+                <a:solidFill>
+                  <a:srgbClr val="3366FF"/>
+                </a:solidFill>
+                <a:latin typeface="Courier New" pitchFamily="49" charset="0"/>
+                <a:cs typeface="Courier New" pitchFamily="49" charset="0"/>
+              </a:rPr>
+              <a:t>mean</a:t>
+            </a:r>
+            <a:r>
+              <a:rPr lang="de-DE" sz="2000" dirty="0" smtClean="0">
+                <a:latin typeface="Courier New" pitchFamily="49" charset="0"/>
+                <a:cs typeface="Courier New" pitchFamily="49" charset="0"/>
+              </a:rPr>
+              <a:t>((</a:t>
+            </a:r>
+            <a:r>
+              <a:rPr lang="de-DE" sz="2000" dirty="0" err="1" smtClean="0">
+                <a:latin typeface="Courier New" pitchFamily="49" charset="0"/>
+                <a:cs typeface="Courier New" pitchFamily="49" charset="0"/>
+              </a:rPr>
+              <a:t>obs</a:t>
+            </a:r>
+            <a:r>
+              <a:rPr lang="de-DE" sz="2000" dirty="0" smtClean="0">
+                <a:latin typeface="Courier New" pitchFamily="49" charset="0"/>
+                <a:cs typeface="Courier New" pitchFamily="49" charset="0"/>
+              </a:rPr>
+              <a:t> – </a:t>
+            </a:r>
+            <a:r>
+              <a:rPr lang="de-DE" sz="2000" dirty="0" err="1" smtClean="0">
+                <a:latin typeface="Courier New" pitchFamily="49" charset="0"/>
+                <a:cs typeface="Courier New" pitchFamily="49" charset="0"/>
+              </a:rPr>
+              <a:t>sim</a:t>
+            </a:r>
+            <a:r>
+              <a:rPr lang="de-DE" sz="2000" dirty="0" smtClean="0">
+                <a:latin typeface="Courier New" pitchFamily="49" charset="0"/>
+                <a:cs typeface="Courier New" pitchFamily="49" charset="0"/>
+              </a:rPr>
+              <a:t>)^2)  )</a:t>
+            </a:r>
+          </a:p>
+        </p:txBody>
+      </p:sp>
+      <p:sp>
+        <p:nvSpPr>
+          <p:cNvPr id="20" name="Textfeld 19"/>
+          <p:cNvSpPr txBox="1"/>
+          <p:nvPr/>
+        </p:nvSpPr>
+        <p:spPr>
+          <a:xfrm>
+            <a:off x="226120" y="4365104"/>
+            <a:ext cx="8892480" cy="400110"/>
+          </a:xfrm>
+          <a:prstGeom prst="rect">
+            <a:avLst/>
+          </a:prstGeom>
+          <a:noFill/>
+        </p:spPr>
+        <p:txBody>
+          <a:bodyPr wrap="square" rtlCol="0">
+            <a:spAutoFit/>
+          </a:bodyPr>
+          <a:lstStyle/>
+          <a:p>
+            <a:pPr>
+              <a:spcAft>
+                <a:spcPts val="600"/>
+              </a:spcAft>
+              <a:tabLst>
+                <a:tab pos="2781300" algn="l"/>
+              </a:tabLst>
+            </a:pPr>
+            <a:r>
+              <a:rPr lang="de-DE" sz="2000" dirty="0" err="1" smtClean="0">
+                <a:latin typeface="Calibri" pitchFamily="34" charset="0"/>
+              </a:rPr>
+              <a:t>Sum</a:t>
+            </a:r>
+            <a:r>
+              <a:rPr lang="de-DE" sz="2000" dirty="0" smtClean="0">
+                <a:latin typeface="Calibri" pitchFamily="34" charset="0"/>
+              </a:rPr>
+              <a:t> </a:t>
+            </a:r>
+            <a:r>
+              <a:rPr lang="de-DE" sz="2000" dirty="0" err="1" smtClean="0">
+                <a:latin typeface="Calibri" pitchFamily="34" charset="0"/>
+              </a:rPr>
+              <a:t>of</a:t>
+            </a:r>
+            <a:r>
+              <a:rPr lang="de-DE" sz="2000" dirty="0" smtClean="0">
+                <a:latin typeface="Calibri" pitchFamily="34" charset="0"/>
+              </a:rPr>
+              <a:t> </a:t>
+            </a:r>
+            <a:r>
+              <a:rPr lang="de-DE" sz="2000" dirty="0" err="1" smtClean="0">
+                <a:latin typeface="Calibri" pitchFamily="34" charset="0"/>
+              </a:rPr>
+              <a:t>Squared</a:t>
+            </a:r>
+            <a:r>
+              <a:rPr lang="de-DE" sz="2000" dirty="0" smtClean="0">
+                <a:latin typeface="Calibri" pitchFamily="34" charset="0"/>
+              </a:rPr>
+              <a:t> Errors	</a:t>
+            </a:r>
+            <a:r>
+              <a:rPr lang="de-DE" sz="2000" dirty="0" smtClean="0">
+                <a:latin typeface="Courier New" pitchFamily="49" charset="0"/>
+                <a:cs typeface="Courier New" pitchFamily="49" charset="0"/>
+              </a:rPr>
+              <a:t>SSE = </a:t>
+            </a:r>
+            <a:r>
+              <a:rPr lang="de-DE" sz="2000" dirty="0" err="1" smtClean="0">
+                <a:solidFill>
+                  <a:srgbClr val="3366FF"/>
+                </a:solidFill>
+                <a:latin typeface="Courier New" pitchFamily="49" charset="0"/>
+                <a:cs typeface="Courier New" pitchFamily="49" charset="0"/>
+              </a:rPr>
+              <a:t>sum</a:t>
+            </a:r>
+            <a:r>
+              <a:rPr lang="de-DE" sz="2000" dirty="0" smtClean="0">
+                <a:latin typeface="Courier New" pitchFamily="49" charset="0"/>
+                <a:cs typeface="Courier New" pitchFamily="49" charset="0"/>
+              </a:rPr>
+              <a:t>((</a:t>
+            </a:r>
+            <a:r>
+              <a:rPr lang="de-DE" sz="2000" dirty="0" err="1" smtClean="0">
+                <a:latin typeface="Courier New" pitchFamily="49" charset="0"/>
+                <a:cs typeface="Courier New" pitchFamily="49" charset="0"/>
+              </a:rPr>
+              <a:t>obs</a:t>
+            </a:r>
+            <a:r>
+              <a:rPr lang="de-DE" sz="2000" dirty="0" smtClean="0">
+                <a:latin typeface="Courier New" pitchFamily="49" charset="0"/>
+                <a:cs typeface="Courier New" pitchFamily="49" charset="0"/>
+              </a:rPr>
+              <a:t> – </a:t>
+            </a:r>
+            <a:r>
+              <a:rPr lang="de-DE" sz="2000" dirty="0" err="1" smtClean="0">
+                <a:latin typeface="Courier New" pitchFamily="49" charset="0"/>
+                <a:cs typeface="Courier New" pitchFamily="49" charset="0"/>
+              </a:rPr>
+              <a:t>sim</a:t>
+            </a:r>
+            <a:r>
+              <a:rPr lang="de-DE" sz="2000" dirty="0" smtClean="0">
+                <a:latin typeface="Courier New" pitchFamily="49" charset="0"/>
+                <a:cs typeface="Courier New" pitchFamily="49" charset="0"/>
+              </a:rPr>
+              <a:t>)^2) </a:t>
+            </a:r>
+          </a:p>
+        </p:txBody>
+      </p:sp>
+      <p:sp>
+        <p:nvSpPr>
+          <p:cNvPr id="22" name="Textfeld 21"/>
+          <p:cNvSpPr txBox="1"/>
+          <p:nvPr/>
+        </p:nvSpPr>
+        <p:spPr>
+          <a:xfrm>
+            <a:off x="225425" y="5258792"/>
+            <a:ext cx="9217719" cy="400110"/>
+          </a:xfrm>
+          <a:prstGeom prst="rect">
+            <a:avLst/>
+          </a:prstGeom>
+          <a:noFill/>
+        </p:spPr>
+        <p:txBody>
+          <a:bodyPr wrap="square" rtlCol="0">
+            <a:spAutoFit/>
+          </a:bodyPr>
+          <a:lstStyle/>
+          <a:p>
+            <a:pPr>
+              <a:spcAft>
+                <a:spcPts val="600"/>
+              </a:spcAft>
+              <a:tabLst>
+                <a:tab pos="2781300" algn="l"/>
+              </a:tabLst>
+            </a:pPr>
+            <a:r>
+              <a:rPr lang="de-DE" sz="2000" dirty="0" smtClean="0">
+                <a:latin typeface="Calibri" pitchFamily="34" charset="0"/>
+              </a:rPr>
+              <a:t>Nash-</a:t>
+            </a:r>
+            <a:r>
+              <a:rPr lang="de-DE" sz="2000" dirty="0" err="1" smtClean="0">
+                <a:latin typeface="Calibri" pitchFamily="34" charset="0"/>
+              </a:rPr>
+              <a:t>Sutcliffe</a:t>
+            </a:r>
+            <a:r>
+              <a:rPr lang="de-DE" sz="2000" dirty="0" smtClean="0">
+                <a:latin typeface="Calibri" pitchFamily="34" charset="0"/>
+              </a:rPr>
+              <a:t> Effizienz	</a:t>
+            </a:r>
+            <a:r>
+              <a:rPr lang="de-DE" sz="2000" dirty="0" smtClean="0">
+                <a:latin typeface="Courier New" pitchFamily="49" charset="0"/>
+                <a:cs typeface="Courier New" pitchFamily="49" charset="0"/>
+              </a:rPr>
+              <a:t>NSE = 1 - SSE / </a:t>
+            </a:r>
+            <a:r>
+              <a:rPr lang="de-DE" sz="2000" dirty="0" err="1" smtClean="0">
+                <a:solidFill>
+                  <a:srgbClr val="3366FF"/>
+                </a:solidFill>
+                <a:latin typeface="Courier New" pitchFamily="49" charset="0"/>
+                <a:cs typeface="Courier New" pitchFamily="49" charset="0"/>
+              </a:rPr>
+              <a:t>sum</a:t>
+            </a:r>
+            <a:r>
+              <a:rPr lang="de-DE" sz="2000" dirty="0" smtClean="0">
+                <a:latin typeface="Courier New" pitchFamily="49" charset="0"/>
+                <a:cs typeface="Courier New" pitchFamily="49" charset="0"/>
+              </a:rPr>
+              <a:t>((</a:t>
+            </a:r>
+            <a:r>
+              <a:rPr lang="de-DE" sz="2000" dirty="0" err="1" smtClean="0">
+                <a:latin typeface="Courier New" pitchFamily="49" charset="0"/>
+                <a:cs typeface="Courier New" pitchFamily="49" charset="0"/>
+              </a:rPr>
+              <a:t>obs</a:t>
+            </a:r>
+            <a:r>
+              <a:rPr lang="de-DE" sz="2000" dirty="0" smtClean="0">
+                <a:latin typeface="Courier New" pitchFamily="49" charset="0"/>
+                <a:cs typeface="Courier New" pitchFamily="49" charset="0"/>
+              </a:rPr>
+              <a:t> – </a:t>
+            </a:r>
+            <a:r>
+              <a:rPr lang="de-DE" sz="2000" dirty="0" err="1" smtClean="0">
+                <a:solidFill>
+                  <a:srgbClr val="3366FF"/>
+                </a:solidFill>
+                <a:latin typeface="Courier New" pitchFamily="49" charset="0"/>
+                <a:cs typeface="Courier New" pitchFamily="49" charset="0"/>
+              </a:rPr>
+              <a:t>mean</a:t>
+            </a:r>
+            <a:r>
+              <a:rPr lang="de-DE" sz="2000" dirty="0" smtClean="0">
+                <a:latin typeface="Courier New" pitchFamily="49" charset="0"/>
+                <a:cs typeface="Courier New" pitchFamily="49" charset="0"/>
+              </a:rPr>
+              <a:t>(</a:t>
+            </a:r>
+            <a:r>
+              <a:rPr lang="de-DE" sz="2000" dirty="0" err="1" smtClean="0">
+                <a:latin typeface="Courier New" pitchFamily="49" charset="0"/>
+                <a:cs typeface="Courier New" pitchFamily="49" charset="0"/>
+              </a:rPr>
+              <a:t>obs</a:t>
+            </a:r>
+            <a:r>
+              <a:rPr lang="de-DE" sz="2000" dirty="0" smtClean="0">
+                <a:latin typeface="Courier New" pitchFamily="49" charset="0"/>
+                <a:cs typeface="Courier New" pitchFamily="49" charset="0"/>
+              </a:rPr>
+              <a:t>))^2) </a:t>
+            </a:r>
+          </a:p>
+        </p:txBody>
+      </p:sp>
+      <p:sp>
+        <p:nvSpPr>
+          <p:cNvPr id="25" name="Textfeld 24"/>
+          <p:cNvSpPr txBox="1"/>
+          <p:nvPr/>
+        </p:nvSpPr>
+        <p:spPr>
+          <a:xfrm>
+            <a:off x="226120" y="5678140"/>
+            <a:ext cx="8892480" cy="400110"/>
+          </a:xfrm>
+          <a:prstGeom prst="rect">
+            <a:avLst/>
+          </a:prstGeom>
+          <a:noFill/>
+        </p:spPr>
+        <p:txBody>
+          <a:bodyPr wrap="square" rtlCol="0">
+            <a:spAutoFit/>
+          </a:bodyPr>
+          <a:lstStyle/>
+          <a:p>
+            <a:pPr>
+              <a:spcAft>
+                <a:spcPts val="600"/>
+              </a:spcAft>
+              <a:tabLst>
+                <a:tab pos="2781300" algn="l"/>
+              </a:tabLst>
+            </a:pPr>
+            <a:r>
+              <a:rPr lang="de-DE" sz="2000" dirty="0" err="1" smtClean="0">
+                <a:latin typeface="Calibri" pitchFamily="34" charset="0"/>
+              </a:rPr>
+              <a:t>Mean</a:t>
+            </a:r>
+            <a:r>
+              <a:rPr lang="de-DE" sz="2000" dirty="0" smtClean="0">
+                <a:latin typeface="Calibri" pitchFamily="34" charset="0"/>
+              </a:rPr>
+              <a:t> Error	</a:t>
+            </a:r>
+            <a:r>
+              <a:rPr lang="de-DE" sz="2000" dirty="0" smtClean="0">
+                <a:latin typeface="Courier New" pitchFamily="49" charset="0"/>
+                <a:cs typeface="Courier New" pitchFamily="49" charset="0"/>
+              </a:rPr>
+              <a:t>ME = </a:t>
+            </a:r>
+            <a:r>
+              <a:rPr lang="de-DE" sz="2000" dirty="0" err="1" smtClean="0">
+                <a:solidFill>
+                  <a:srgbClr val="3366FF"/>
+                </a:solidFill>
+                <a:latin typeface="Courier New" pitchFamily="49" charset="0"/>
+                <a:cs typeface="Courier New" pitchFamily="49" charset="0"/>
+              </a:rPr>
+              <a:t>mean</a:t>
+            </a:r>
+            <a:r>
+              <a:rPr lang="de-DE" sz="2000" dirty="0" smtClean="0">
+                <a:latin typeface="Courier New" pitchFamily="49" charset="0"/>
+                <a:cs typeface="Courier New" pitchFamily="49" charset="0"/>
+              </a:rPr>
+              <a:t>((</a:t>
+            </a:r>
+            <a:r>
+              <a:rPr lang="de-DE" sz="2000" dirty="0" err="1" smtClean="0">
+                <a:latin typeface="Courier New" pitchFamily="49" charset="0"/>
+                <a:cs typeface="Courier New" pitchFamily="49" charset="0"/>
+              </a:rPr>
+              <a:t>obs-sim</a:t>
+            </a:r>
+            <a:r>
+              <a:rPr lang="de-DE" sz="2000" dirty="0" smtClean="0">
+                <a:latin typeface="Courier New" pitchFamily="49" charset="0"/>
+                <a:cs typeface="Courier New" pitchFamily="49" charset="0"/>
+              </a:rPr>
+              <a:t>))</a:t>
+            </a:r>
+            <a:r>
+              <a:rPr lang="de-DE" sz="2000" dirty="0" smtClean="0">
+                <a:latin typeface="Calibri" pitchFamily="34" charset="0"/>
+              </a:rPr>
+              <a:t> </a:t>
+            </a:r>
+          </a:p>
+        </p:txBody>
+      </p:sp>
+    </p:spTree>
+  </p:cSld>
+  <p:clrMapOvr>
+    <a:masterClrMapping/>
+  </p:clrMapOvr>
+  <p:transition>
+    <p:zoom/>
+  </p:transition>
+  <p:timing>
+    <p:tnLst>
+      <p:par>
+        <p:cTn id="1" dur="indefinite" restart="never" nodeType="tmRoot">
+          <p:childTnLst>
+            <p:seq concurrent="1" nextAc="seek">
+              <p:cTn id="2" dur="indefinite" nodeType="mainSeq">
+                <p:childTnLst>
+                  <p:par>
+                    <p:cTn id="3" fill="hold">
+                      <p:stCondLst>
+                        <p:cond delay="indefinite"/>
+                      </p:stCondLst>
+                      <p:childTnLst>
+                        <p:par>
+                          <p:cTn id="4" fill="hold">
+                            <p:stCondLst>
+                              <p:cond delay="0"/>
+                            </p:stCondLst>
+                            <p:childTnLst>
+                              <p:par>
+                                <p:cTn id="5" presetID="22" presetClass="entr" presetSubtype="8" fill="hold" grpId="0" nodeType="clickEffect">
+                                  <p:stCondLst>
+                                    <p:cond delay="0"/>
+                                  </p:stCondLst>
+                                  <p:childTnLst>
+                                    <p:set>
+                                      <p:cBhvr>
+                                        <p:cTn id="6" dur="1" fill="hold">
+                                          <p:stCondLst>
+                                            <p:cond delay="0"/>
+                                          </p:stCondLst>
+                                        </p:cTn>
+                                        <p:tgtEl>
+                                          <p:spTgt spid="15"/>
+                                        </p:tgtEl>
+                                        <p:attrNameLst>
+                                          <p:attrName>style.visibility</p:attrName>
+                                        </p:attrNameLst>
+                                      </p:cBhvr>
+                                      <p:to>
+                                        <p:strVal val="visible"/>
+                                      </p:to>
+                                    </p:set>
+                                    <p:animEffect transition="in" filter="wipe(left)">
+                                      <p:cBhvr>
+                                        <p:cTn id="7" dur="500"/>
+                                        <p:tgtEl>
+                                          <p:spTgt spid="15"/>
+                                        </p:tgtEl>
+                                      </p:cBhvr>
+                                    </p:animEffect>
+                                  </p:childTnLst>
+                                </p:cTn>
+                              </p:par>
+                            </p:childTnLst>
+                          </p:cTn>
+                        </p:par>
+                      </p:childTnLst>
+                    </p:cTn>
+                  </p:par>
+                  <p:par>
+                    <p:cTn id="8" fill="hold">
+                      <p:stCondLst>
+                        <p:cond delay="indefinite"/>
+                      </p:stCondLst>
+                      <p:childTnLst>
+                        <p:par>
+                          <p:cTn id="9" fill="hold">
+                            <p:stCondLst>
+                              <p:cond delay="0"/>
+                            </p:stCondLst>
+                            <p:childTnLst>
+                              <p:par>
+                                <p:cTn id="10" presetID="22" presetClass="entr" presetSubtype="1" fill="hold" grpId="0" nodeType="clickEffect">
+                                  <p:stCondLst>
+                                    <p:cond delay="0"/>
+                                  </p:stCondLst>
+                                  <p:childTnLst>
+                                    <p:set>
+                                      <p:cBhvr>
+                                        <p:cTn id="11" dur="1" fill="hold">
+                                          <p:stCondLst>
+                                            <p:cond delay="0"/>
+                                          </p:stCondLst>
+                                        </p:cTn>
+                                        <p:tgtEl>
+                                          <p:spTgt spid="16"/>
+                                        </p:tgtEl>
+                                        <p:attrNameLst>
+                                          <p:attrName>style.visibility</p:attrName>
+                                        </p:attrNameLst>
+                                      </p:cBhvr>
+                                      <p:to>
+                                        <p:strVal val="visible"/>
+                                      </p:to>
+                                    </p:set>
+                                    <p:animEffect transition="in" filter="wipe(up)">
+                                      <p:cBhvr>
+                                        <p:cTn id="12" dur="500"/>
+                                        <p:tgtEl>
+                                          <p:spTgt spid="16"/>
+                                        </p:tgtEl>
+                                      </p:cBhvr>
+                                    </p:animEffect>
+                                  </p:childTnLst>
+                                </p:cTn>
+                              </p:par>
+                            </p:childTnLst>
+                          </p:cTn>
+                        </p:par>
+                      </p:childTnLst>
+                    </p:cTn>
+                  </p:par>
+                  <p:par>
+                    <p:cTn id="13" fill="hold">
+                      <p:stCondLst>
+                        <p:cond delay="indefinite"/>
+                      </p:stCondLst>
+                      <p:childTnLst>
+                        <p:par>
+                          <p:cTn id="14" fill="hold">
+                            <p:stCondLst>
+                              <p:cond delay="0"/>
+                            </p:stCondLst>
+                            <p:childTnLst>
+                              <p:par>
+                                <p:cTn id="15" presetID="9" presetClass="entr" presetSubtype="0" fill="hold" grpId="0" nodeType="clickEffect">
+                                  <p:stCondLst>
+                                    <p:cond delay="0"/>
+                                  </p:stCondLst>
+                                  <p:childTnLst>
+                                    <p:set>
+                                      <p:cBhvr>
+                                        <p:cTn id="16" dur="1" fill="hold">
+                                          <p:stCondLst>
+                                            <p:cond delay="0"/>
+                                          </p:stCondLst>
+                                        </p:cTn>
+                                        <p:tgtEl>
+                                          <p:spTgt spid="26"/>
+                                        </p:tgtEl>
+                                        <p:attrNameLst>
+                                          <p:attrName>style.visibility</p:attrName>
+                                        </p:attrNameLst>
+                                      </p:cBhvr>
+                                      <p:to>
+                                        <p:strVal val="visible"/>
+                                      </p:to>
+                                    </p:set>
+                                    <p:animEffect transition="in" filter="dissolve">
+                                      <p:cBhvr>
+                                        <p:cTn id="17" dur="500"/>
+                                        <p:tgtEl>
+                                          <p:spTgt spid="26"/>
+                                        </p:tgtEl>
+                                      </p:cBhvr>
+                                    </p:animEffect>
+                                  </p:childTnLst>
+                                </p:cTn>
+                              </p:par>
+                              <p:par>
+                                <p:cTn id="18" presetID="9" presetClass="entr" presetSubtype="0" fill="hold" grpId="0" nodeType="withEffect">
+                                  <p:stCondLst>
+                                    <p:cond delay="0"/>
+                                  </p:stCondLst>
+                                  <p:childTnLst>
+                                    <p:set>
+                                      <p:cBhvr>
+                                        <p:cTn id="19" dur="1" fill="hold">
+                                          <p:stCondLst>
+                                            <p:cond delay="0"/>
+                                          </p:stCondLst>
+                                        </p:cTn>
+                                        <p:tgtEl>
+                                          <p:spTgt spid="20"/>
+                                        </p:tgtEl>
+                                        <p:attrNameLst>
+                                          <p:attrName>style.visibility</p:attrName>
+                                        </p:attrNameLst>
+                                      </p:cBhvr>
+                                      <p:to>
+                                        <p:strVal val="visible"/>
+                                      </p:to>
+                                    </p:set>
+                                    <p:animEffect transition="in" filter="dissolve">
+                                      <p:cBhvr>
+                                        <p:cTn id="20" dur="500"/>
+                                        <p:tgtEl>
+                                          <p:spTgt spid="20"/>
+                                        </p:tgtEl>
+                                      </p:cBhvr>
+                                    </p:animEffect>
+                                  </p:childTnLst>
+                                </p:cTn>
+                              </p:par>
+                              <p:par>
+                                <p:cTn id="21" presetID="9" presetClass="entr" presetSubtype="0" fill="hold" grpId="0" nodeType="withEffect">
+                                  <p:stCondLst>
+                                    <p:cond delay="0"/>
+                                  </p:stCondLst>
+                                  <p:childTnLst>
+                                    <p:set>
+                                      <p:cBhvr>
+                                        <p:cTn id="22" dur="1" fill="hold">
+                                          <p:stCondLst>
+                                            <p:cond delay="0"/>
+                                          </p:stCondLst>
+                                        </p:cTn>
+                                        <p:tgtEl>
+                                          <p:spTgt spid="18"/>
+                                        </p:tgtEl>
+                                        <p:attrNameLst>
+                                          <p:attrName>style.visibility</p:attrName>
+                                        </p:attrNameLst>
+                                      </p:cBhvr>
+                                      <p:to>
+                                        <p:strVal val="visible"/>
+                                      </p:to>
+                                    </p:set>
+                                    <p:animEffect transition="in" filter="dissolve">
+                                      <p:cBhvr>
+                                        <p:cTn id="23" dur="500"/>
+                                        <p:tgtEl>
+                                          <p:spTgt spid="18"/>
+                                        </p:tgtEl>
+                                      </p:cBhvr>
+                                    </p:animEffect>
+                                  </p:childTnLst>
+                                </p:cTn>
+                              </p:par>
+                              <p:par>
+                                <p:cTn id="24" presetID="9" presetClass="entr" presetSubtype="0" fill="hold" grpId="0" nodeType="withEffect">
+                                  <p:stCondLst>
+                                    <p:cond delay="0"/>
+                                  </p:stCondLst>
+                                  <p:childTnLst>
+                                    <p:set>
+                                      <p:cBhvr>
+                                        <p:cTn id="25" dur="1" fill="hold">
+                                          <p:stCondLst>
+                                            <p:cond delay="0"/>
+                                          </p:stCondLst>
+                                        </p:cTn>
+                                        <p:tgtEl>
+                                          <p:spTgt spid="22"/>
+                                        </p:tgtEl>
+                                        <p:attrNameLst>
+                                          <p:attrName>style.visibility</p:attrName>
+                                        </p:attrNameLst>
+                                      </p:cBhvr>
+                                      <p:to>
+                                        <p:strVal val="visible"/>
+                                      </p:to>
+                                    </p:set>
+                                    <p:animEffect transition="in" filter="dissolve">
+                                      <p:cBhvr>
+                                        <p:cTn id="26" dur="500"/>
+                                        <p:tgtEl>
+                                          <p:spTgt spid="22"/>
+                                        </p:tgtEl>
+                                      </p:cBhvr>
+                                    </p:animEffect>
+                                  </p:childTnLst>
+                                </p:cTn>
+                              </p:par>
+                              <p:par>
+                                <p:cTn id="27" presetID="9" presetClass="entr" presetSubtype="0" fill="hold" grpId="0" nodeType="withEffect">
+                                  <p:stCondLst>
+                                    <p:cond delay="0"/>
+                                  </p:stCondLst>
+                                  <p:childTnLst>
+                                    <p:set>
+                                      <p:cBhvr>
+                                        <p:cTn id="28" dur="1" fill="hold">
+                                          <p:stCondLst>
+                                            <p:cond delay="0"/>
+                                          </p:stCondLst>
+                                        </p:cTn>
+                                        <p:tgtEl>
+                                          <p:spTgt spid="25"/>
+                                        </p:tgtEl>
+                                        <p:attrNameLst>
+                                          <p:attrName>style.visibility</p:attrName>
+                                        </p:attrNameLst>
+                                      </p:cBhvr>
+                                      <p:to>
+                                        <p:strVal val="visible"/>
+                                      </p:to>
+                                    </p:set>
+                                    <p:animEffect transition="in" filter="dissolve">
+                                      <p:cBhvr>
+                                        <p:cTn id="29" dur="500"/>
+                                        <p:tgtEl>
+                                          <p:spTgt spid="25"/>
+                                        </p:tgtEl>
+                                      </p:cBhvr>
+                                    </p:animEffect>
+                                  </p:childTnLst>
+                                </p:cTn>
+                              </p:par>
+                            </p:childTnLst>
+                          </p:cTn>
+                        </p:par>
+                      </p:childTnLst>
+                    </p:cTn>
+                  </p:par>
+                </p:childTnLst>
+              </p:cTn>
+              <p:prevCondLst>
+                <p:cond evt="onPrev" delay="0">
+                  <p:tgtEl>
+                    <p:sldTgt/>
+                  </p:tgtEl>
+                </p:cond>
+              </p:prevCondLst>
+              <p:nextCondLst>
+                <p:cond evt="onNext" delay="0">
+                  <p:tgtEl>
+                    <p:sldTgt/>
+                  </p:tgtEl>
+                </p:cond>
+              </p:nextCondLst>
+            </p:seq>
+          </p:childTnLst>
+        </p:cTn>
+      </p:par>
+    </p:tnLst>
+    <p:bldLst>
+      <p:bldP spid="15" grpId="0"/>
+      <p:bldP spid="16" grpId="0"/>
+      <p:bldP spid="26" grpId="0" animBg="1"/>
+      <p:bldP spid="18" grpId="0"/>
+      <p:bldP spid="20" grpId="0"/>
+      <p:bldP spid="22" grpId="0"/>
+      <p:bldP spid="25" grpId="0"/>
+    </p:bldLst>
+  </p:timing>
+</p:sld>
+</file>
+
+<file path=ppt/slides/slide11.xml><?xml version="1.0" encoding="utf-8"?>
+<p:sld xmlns:a="http://schemas.openxmlformats.org/drawingml/2006/main" xmlns:r="http://schemas.openxmlformats.org/officeDocument/2006/relationships" xmlns:p="http://schemas.openxmlformats.org/presentationml/2006/main">
+  <p:cSld>
+    <p:spTree>
+      <p:nvGrpSpPr>
+        <p:cNvPr id="1" name=""/>
+        <p:cNvGrpSpPr/>
+        <p:nvPr/>
+      </p:nvGrpSpPr>
+      <p:grpSpPr>
+        <a:xfrm>
+          <a:off x="0" y="0"/>
+          <a:ext cx="0" cy="0"/>
+          <a:chOff x="0" y="0"/>
+          <a:chExt cx="0" cy="0"/>
+        </a:xfrm>
+      </p:grpSpPr>
+      <p:sp>
+        <p:nvSpPr>
+          <p:cNvPr id="13" name="Textfeld 12"/>
+          <p:cNvSpPr txBox="1"/>
+          <p:nvPr/>
+        </p:nvSpPr>
+        <p:spPr>
+          <a:xfrm>
+            <a:off x="1" y="-21515"/>
+            <a:ext cx="9108504" cy="476250"/>
+          </a:xfrm>
+          <a:prstGeom prst="rect">
+            <a:avLst/>
+          </a:prstGeom>
+          <a:noFill/>
+          <a:effectLst/>
+        </p:spPr>
+        <p:txBody>
+          <a:bodyPr wrap="square" lIns="0" rIns="0" rtlCol="0">
+            <a:noAutofit/>
+          </a:bodyPr>
+          <a:lstStyle/>
+          <a:p>
+            <a:pPr algn="ctr">
+              <a:spcAft>
+                <a:spcPts val="0"/>
+              </a:spcAft>
+              <a:defRPr/>
+            </a:pPr>
+            <a:r>
+              <a:rPr lang="de-DE" sz="2800" dirty="0" smtClean="0">
+                <a:solidFill>
+                  <a:schemeClr val="bg1">
+                    <a:lumMod val="85000"/>
+                  </a:schemeClr>
+                </a:solidFill>
+                <a:latin typeface="Calibri" pitchFamily="34" charset="0"/>
+              </a:rPr>
+              <a:t>Kalibrierung und Validierung</a:t>
+            </a:r>
+          </a:p>
+        </p:txBody>
+      </p:sp>
+      <p:sp>
+        <p:nvSpPr>
+          <p:cNvPr id="10" name="Textfeld 9"/>
+          <p:cNvSpPr txBox="1"/>
+          <p:nvPr/>
+        </p:nvSpPr>
+        <p:spPr>
+          <a:xfrm>
+            <a:off x="250825" y="765175"/>
+            <a:ext cx="4896544" cy="523220"/>
+          </a:xfrm>
+          <a:prstGeom prst="rect">
+            <a:avLst/>
+          </a:prstGeom>
+          <a:noFill/>
+        </p:spPr>
+        <p:txBody>
+          <a:bodyPr wrap="square" rtlCol="0">
+            <a:spAutoFit/>
+          </a:bodyPr>
+          <a:lstStyle/>
+          <a:p>
+            <a:r>
+              <a:rPr lang="de-DE" sz="2800" dirty="0" smtClean="0">
+                <a:latin typeface="Calibri" pitchFamily="34" charset="0"/>
+              </a:rPr>
+              <a:t>Modellkalibrierung </a:t>
+            </a:r>
+            <a:endParaRPr lang="de-DE" sz="2800" dirty="0">
+              <a:latin typeface="Calibri" pitchFamily="34" charset="0"/>
+            </a:endParaRPr>
+          </a:p>
+        </p:txBody>
+      </p:sp>
+      <p:sp>
+        <p:nvSpPr>
+          <p:cNvPr id="23" name="Textfeld 22"/>
+          <p:cNvSpPr txBox="1"/>
+          <p:nvPr/>
+        </p:nvSpPr>
+        <p:spPr>
+          <a:xfrm>
+            <a:off x="250825" y="1484784"/>
+            <a:ext cx="6049367" cy="400110"/>
+          </a:xfrm>
+          <a:prstGeom prst="rect">
+            <a:avLst/>
+          </a:prstGeom>
+          <a:noFill/>
+        </p:spPr>
+        <p:txBody>
+          <a:bodyPr wrap="square" rtlCol="0">
+            <a:spAutoFit/>
+          </a:bodyPr>
+          <a:lstStyle/>
+          <a:p>
+            <a:pPr>
+              <a:spcAft>
+                <a:spcPts val="600"/>
+              </a:spcAft>
+            </a:pPr>
+            <a:r>
+              <a:rPr lang="de-DE" sz="2000" b="1" dirty="0" smtClean="0">
+                <a:latin typeface="Calibri" pitchFamily="34" charset="0"/>
+              </a:rPr>
+              <a:t>Suchverfahren und -algorithmen</a:t>
+            </a:r>
+          </a:p>
+        </p:txBody>
+      </p:sp>
+      <p:sp>
+        <p:nvSpPr>
+          <p:cNvPr id="29" name="Textfeld 28"/>
+          <p:cNvSpPr txBox="1"/>
+          <p:nvPr/>
+        </p:nvSpPr>
+        <p:spPr>
+          <a:xfrm>
+            <a:off x="250825" y="1916833"/>
+            <a:ext cx="7634288" cy="1169551"/>
+          </a:xfrm>
+          <a:prstGeom prst="rect">
+            <a:avLst/>
+          </a:prstGeom>
+          <a:noFill/>
+        </p:spPr>
+        <p:txBody>
+          <a:bodyPr wrap="square" rtlCol="0">
+            <a:spAutoFit/>
+          </a:bodyPr>
+          <a:lstStyle/>
+          <a:p>
+            <a:pPr marL="273050" indent="-273050">
+              <a:spcAft>
+                <a:spcPts val="600"/>
+              </a:spcAft>
+              <a:buFont typeface="Wingdings" pitchFamily="2" charset="2"/>
+              <a:buChar char="§"/>
+              <a:tabLst>
+                <a:tab pos="273050" algn="l"/>
+              </a:tabLst>
+            </a:pPr>
+            <a:r>
+              <a:rPr lang="de-DE" sz="2000" dirty="0" smtClean="0">
+                <a:latin typeface="Calibri" pitchFamily="34" charset="0"/>
+              </a:rPr>
+              <a:t>Ausprobieren</a:t>
+            </a:r>
+          </a:p>
+          <a:p>
+            <a:pPr marL="273050" indent="-273050">
+              <a:spcAft>
+                <a:spcPts val="600"/>
+              </a:spcAft>
+              <a:buFont typeface="Wingdings" pitchFamily="2" charset="2"/>
+              <a:buChar char="§"/>
+              <a:tabLst>
+                <a:tab pos="273050" algn="l"/>
+              </a:tabLst>
+            </a:pPr>
+            <a:r>
+              <a:rPr lang="de-DE" sz="2000" dirty="0" smtClean="0">
+                <a:latin typeface="Calibri" pitchFamily="34" charset="0"/>
+              </a:rPr>
+              <a:t>Rohe Gewalt (</a:t>
+            </a:r>
+            <a:r>
+              <a:rPr lang="de-DE" sz="2000" dirty="0" err="1" smtClean="0">
+                <a:latin typeface="Calibri" pitchFamily="34" charset="0"/>
+              </a:rPr>
+              <a:t>Brute</a:t>
+            </a:r>
+            <a:r>
+              <a:rPr lang="de-DE" sz="2000" dirty="0" smtClean="0">
+                <a:latin typeface="Calibri" pitchFamily="34" charset="0"/>
+              </a:rPr>
+              <a:t> Force)</a:t>
+            </a:r>
+          </a:p>
+          <a:p>
+            <a:pPr marL="273050" indent="-273050">
+              <a:spcAft>
+                <a:spcPts val="600"/>
+              </a:spcAft>
+              <a:buFont typeface="Wingdings" pitchFamily="2" charset="2"/>
+              <a:buChar char="§"/>
+              <a:tabLst>
+                <a:tab pos="273050" algn="l"/>
+              </a:tabLst>
+            </a:pPr>
+            <a:r>
+              <a:rPr lang="de-DE" sz="2000" dirty="0" smtClean="0">
+                <a:latin typeface="Calibri" pitchFamily="34" charset="0"/>
+              </a:rPr>
+              <a:t>„Intelligente“ Suchalgorithmen</a:t>
+            </a:r>
+          </a:p>
+        </p:txBody>
+      </p:sp>
+      <p:grpSp>
+        <p:nvGrpSpPr>
+          <p:cNvPr id="31" name="Gruppieren 30"/>
+          <p:cNvGrpSpPr/>
+          <p:nvPr/>
+        </p:nvGrpSpPr>
+        <p:grpSpPr>
+          <a:xfrm>
+            <a:off x="251271" y="2204864"/>
+            <a:ext cx="8849867" cy="3585145"/>
+            <a:chOff x="251271" y="2508151"/>
+            <a:chExt cx="8849867" cy="3585145"/>
+          </a:xfrm>
+        </p:grpSpPr>
+        <p:pic>
+          <p:nvPicPr>
+            <p:cNvPr id="38914" name="Picture 2" descr="http://perpetual-wonder.com/blog/wp-content/uploads/2015/03/optimize.bmp"/>
+            <p:cNvPicPr>
+              <a:picLocks noChangeAspect="1" noChangeArrowheads="1"/>
+            </p:cNvPicPr>
+            <p:nvPr/>
+          </p:nvPicPr>
+          <p:blipFill>
+            <a:blip r:embed="rId3" cstate="print"/>
+            <a:srcRect t="8930"/>
+            <a:stretch>
+              <a:fillRect/>
+            </a:stretch>
+          </p:blipFill>
+          <p:spPr bwMode="auto">
+            <a:xfrm>
+              <a:off x="3995738" y="2508151"/>
+              <a:ext cx="5105400" cy="3513137"/>
+            </a:xfrm>
+            <a:prstGeom prst="rect">
+              <a:avLst/>
+            </a:prstGeom>
+            <a:noFill/>
+          </p:spPr>
+        </p:pic>
+        <p:sp>
+          <p:nvSpPr>
+            <p:cNvPr id="19" name="Textfeld 18"/>
+            <p:cNvSpPr txBox="1"/>
+            <p:nvPr/>
+          </p:nvSpPr>
+          <p:spPr>
+            <a:xfrm rot="1514436">
+              <a:off x="4503081" y="5501848"/>
+              <a:ext cx="1584863" cy="369332"/>
+            </a:xfrm>
+            <a:prstGeom prst="rect">
+              <a:avLst/>
+            </a:prstGeom>
+            <a:solidFill>
+              <a:schemeClr val="bg1"/>
+            </a:solidFill>
+          </p:spPr>
+          <p:txBody>
+            <a:bodyPr wrap="square" rtlCol="0">
+              <a:spAutoFit/>
+            </a:bodyPr>
+            <a:lstStyle/>
+            <a:p>
+              <a:pPr algn="ctr"/>
+              <a:r>
+                <a:rPr lang="de-DE" sz="1800" b="1" dirty="0" smtClean="0">
+                  <a:latin typeface="Calibri" pitchFamily="34" charset="0"/>
+                  <a:cs typeface="Courier New" pitchFamily="49" charset="0"/>
+                </a:rPr>
+                <a:t>Parameter a</a:t>
+              </a:r>
+              <a:endParaRPr lang="de-DE" sz="1800" b="1" dirty="0">
+                <a:latin typeface="Calibri" pitchFamily="34" charset="0"/>
+                <a:cs typeface="Courier New" pitchFamily="49" charset="0"/>
+              </a:endParaRPr>
+            </a:p>
+          </p:txBody>
+        </p:sp>
+        <p:sp>
+          <p:nvSpPr>
+            <p:cNvPr id="21" name="Textfeld 20"/>
+            <p:cNvSpPr txBox="1"/>
+            <p:nvPr/>
+          </p:nvSpPr>
+          <p:spPr>
+            <a:xfrm rot="20640000">
+              <a:off x="7256412" y="5592153"/>
+              <a:ext cx="1548297" cy="369332"/>
+            </a:xfrm>
+            <a:prstGeom prst="rect">
+              <a:avLst/>
+            </a:prstGeom>
+            <a:solidFill>
+              <a:schemeClr val="bg1"/>
+            </a:solidFill>
+          </p:spPr>
+          <p:txBody>
+            <a:bodyPr wrap="square" rtlCol="0">
+              <a:spAutoFit/>
+            </a:bodyPr>
+            <a:lstStyle/>
+            <a:p>
+              <a:pPr algn="ctr"/>
+              <a:r>
+                <a:rPr lang="de-DE" sz="1800" b="1" dirty="0" smtClean="0">
+                  <a:latin typeface="Calibri" pitchFamily="34" charset="0"/>
+                  <a:cs typeface="Courier New" pitchFamily="49" charset="0"/>
+                </a:rPr>
+                <a:t>Parameter b</a:t>
+              </a:r>
+              <a:endParaRPr lang="de-DE" sz="1800" b="1" dirty="0">
+                <a:latin typeface="Calibri" pitchFamily="34" charset="0"/>
+                <a:cs typeface="Courier New" pitchFamily="49" charset="0"/>
+              </a:endParaRPr>
+            </a:p>
+          </p:txBody>
+        </p:sp>
+        <p:sp>
+          <p:nvSpPr>
+            <p:cNvPr id="28" name="Textfeld 27"/>
+            <p:cNvSpPr txBox="1"/>
+            <p:nvPr/>
+          </p:nvSpPr>
+          <p:spPr>
+            <a:xfrm>
+              <a:off x="4351338" y="2789238"/>
+              <a:ext cx="1657127" cy="369332"/>
+            </a:xfrm>
+            <a:prstGeom prst="rect">
+              <a:avLst/>
+            </a:prstGeom>
+            <a:noFill/>
+          </p:spPr>
+          <p:txBody>
+            <a:bodyPr wrap="square" rtlCol="0">
+              <a:spAutoFit/>
+            </a:bodyPr>
+            <a:lstStyle/>
+            <a:p>
+              <a:pPr algn="ctr"/>
+              <a:r>
+                <a:rPr lang="de-DE" sz="1800" b="1" dirty="0" smtClean="0">
+                  <a:latin typeface="Calibri" pitchFamily="34" charset="0"/>
+                  <a:cs typeface="Courier New" pitchFamily="49" charset="0"/>
+                </a:rPr>
+                <a:t>Fehlermaß</a:t>
+              </a:r>
+              <a:endParaRPr lang="de-DE" sz="1800" b="1" dirty="0">
+                <a:latin typeface="Calibri" pitchFamily="34" charset="0"/>
+                <a:cs typeface="Courier New" pitchFamily="49" charset="0"/>
+              </a:endParaRPr>
+            </a:p>
+          </p:txBody>
+        </p:sp>
+        <p:sp>
+          <p:nvSpPr>
+            <p:cNvPr id="30" name="Textfeld 29"/>
+            <p:cNvSpPr txBox="1"/>
+            <p:nvPr/>
+          </p:nvSpPr>
+          <p:spPr>
+            <a:xfrm>
+              <a:off x="251271" y="5446965"/>
+              <a:ext cx="4176713" cy="646331"/>
+            </a:xfrm>
+            <a:prstGeom prst="rect">
+              <a:avLst/>
+            </a:prstGeom>
+            <a:noFill/>
+          </p:spPr>
+          <p:txBody>
+            <a:bodyPr wrap="square" rtlCol="0">
+              <a:spAutoFit/>
+            </a:bodyPr>
+            <a:lstStyle/>
+            <a:p>
+              <a:pPr algn="r"/>
+              <a:r>
+                <a:rPr lang="de-DE" sz="1800" dirty="0" smtClean="0">
+                  <a:solidFill>
+                    <a:schemeClr val="tx1">
+                      <a:lumMod val="50000"/>
+                      <a:lumOff val="50000"/>
+                    </a:schemeClr>
+                  </a:solidFill>
+                  <a:latin typeface="Calibri" pitchFamily="34" charset="0"/>
+                </a:rPr>
+                <a:t>Beispielhafte Oberfläche einer Zielfunktion mit zwei Modellparametern a und b</a:t>
+              </a:r>
+              <a:endParaRPr lang="de-DE" sz="1800" dirty="0">
+                <a:solidFill>
+                  <a:schemeClr val="tx1">
+                    <a:lumMod val="50000"/>
+                    <a:lumOff val="50000"/>
+                  </a:schemeClr>
+                </a:solidFill>
+                <a:latin typeface="Calibri" pitchFamily="34" charset="0"/>
+              </a:endParaRPr>
+            </a:p>
+          </p:txBody>
+        </p:sp>
+      </p:grpSp>
+    </p:spTree>
+  </p:cSld>
+  <p:clrMapOvr>
+    <a:masterClrMapping/>
+  </p:clrMapOvr>
+  <p:transition>
+    <p:zoom/>
+  </p:transition>
+  <p:timing>
+    <p:tnLst>
+      <p:par>
+        <p:cTn id="1" dur="indefinite" restart="never" nodeType="tmRoot"/>
+      </p:par>
+    </p:tnLst>
+  </p:timing>
+</p:sld>
+</file>
+
+<file path=ppt/slides/slide12.xml><?xml version="1.0" encoding="utf-8"?>
+<p:sld xmlns:a="http://schemas.openxmlformats.org/drawingml/2006/main" xmlns:r="http://schemas.openxmlformats.org/officeDocument/2006/relationships" xmlns:p="http://schemas.openxmlformats.org/presentationml/2006/main">
+  <p:cSld>
+    <p:spTree>
+      <p:nvGrpSpPr>
+        <p:cNvPr id="1" name=""/>
+        <p:cNvGrpSpPr/>
+        <p:nvPr/>
+      </p:nvGrpSpPr>
+      <p:grpSpPr>
+        <a:xfrm>
+          <a:off x="0" y="0"/>
+          <a:ext cx="0" cy="0"/>
+          <a:chOff x="0" y="0"/>
+          <a:chExt cx="0" cy="0"/>
+        </a:xfrm>
+      </p:grpSpPr>
+      <p:sp>
+        <p:nvSpPr>
+          <p:cNvPr id="13" name="Textfeld 12"/>
+          <p:cNvSpPr txBox="1"/>
+          <p:nvPr/>
+        </p:nvSpPr>
+        <p:spPr>
+          <a:xfrm>
+            <a:off x="1" y="-21515"/>
+            <a:ext cx="9108504" cy="476250"/>
+          </a:xfrm>
+          <a:prstGeom prst="rect">
+            <a:avLst/>
+          </a:prstGeom>
+          <a:noFill/>
+          <a:effectLst/>
+        </p:spPr>
+        <p:txBody>
+          <a:bodyPr wrap="square" lIns="0" rIns="0" rtlCol="0">
+            <a:noAutofit/>
+          </a:bodyPr>
+          <a:lstStyle/>
+          <a:p>
+            <a:pPr algn="ctr">
+              <a:spcAft>
+                <a:spcPts val="0"/>
+              </a:spcAft>
+              <a:defRPr/>
+            </a:pPr>
+            <a:r>
+              <a:rPr lang="de-DE" sz="2800" dirty="0" smtClean="0">
+                <a:solidFill>
+                  <a:schemeClr val="bg1">
+                    <a:lumMod val="85000"/>
+                  </a:schemeClr>
+                </a:solidFill>
+                <a:latin typeface="Calibri" pitchFamily="34" charset="0"/>
+              </a:rPr>
+              <a:t>Kalibrierung und Validierung</a:t>
+            </a:r>
+          </a:p>
+        </p:txBody>
+      </p:sp>
+      <p:sp>
+        <p:nvSpPr>
+          <p:cNvPr id="10" name="Textfeld 9"/>
+          <p:cNvSpPr txBox="1"/>
+          <p:nvPr/>
+        </p:nvSpPr>
+        <p:spPr>
+          <a:xfrm>
+            <a:off x="250825" y="765175"/>
+            <a:ext cx="4896544" cy="523220"/>
+          </a:xfrm>
+          <a:prstGeom prst="rect">
+            <a:avLst/>
+          </a:prstGeom>
+          <a:noFill/>
+        </p:spPr>
+        <p:txBody>
+          <a:bodyPr wrap="square" rtlCol="0">
+            <a:spAutoFit/>
+          </a:bodyPr>
+          <a:lstStyle/>
+          <a:p>
+            <a:r>
+              <a:rPr lang="de-DE" sz="2800" dirty="0" smtClean="0">
+                <a:latin typeface="Calibri" pitchFamily="34" charset="0"/>
+              </a:rPr>
               <a:t>Modellvalidierung </a:t>
             </a:r>
             <a:endParaRPr lang="de-DE" sz="2800" dirty="0">
@@ -4964,19 +7015,7 @@
                 <a:rPr lang="en-US" sz="2000" dirty="0" smtClean="0">
                   <a:latin typeface="Calibri" pitchFamily="34" charset="0"/>
                 </a:rPr>
-                <a:t>“With </a:t>
-              </a:r>
-              <a:r>
-                <a:rPr lang="en-US" sz="2000" dirty="0" smtClean="0">
-                  <a:latin typeface="Calibri" pitchFamily="34" charset="0"/>
-                </a:rPr>
-                <a:t>four parameters I can fit an </a:t>
-              </a:r>
-              <a:r>
-                <a:rPr lang="en-US" sz="2000" dirty="0" smtClean="0">
-                  <a:latin typeface="Calibri" pitchFamily="34" charset="0"/>
-                </a:rPr>
-                <a:t>elephant,</a:t>
+                <a:t>“With four parameters I can fit an elephant,</a:t>
               </a:r>
             </a:p>
             <a:p>
@@ -5466,7 +7505,7 @@
 </p:sld>
 </file>
 
-<file path=ppt/slides/slide11.xml><?xml version="1.0" encoding="utf-8"?>
+<file path=ppt/slides/slide13.xml><?xml version="1.0" encoding="utf-8"?>
 <p:sld xmlns:a="http://schemas.openxmlformats.org/drawingml/2006/main" xmlns:r="http://schemas.openxmlformats.org/officeDocument/2006/relationships" xmlns:p="http://schemas.openxmlformats.org/presentationml/2006/main">
   <p:cSld>
     <p:spTree>
@@ -6996,79 +9035,7 @@
                 </a:solidFill>
                 <a:latin typeface="Calibri" pitchFamily="34" charset="0"/>
               </a:rPr>
-              <a:t>Finde</a:t>
-            </a:r>
-            <a:r>
-              <a:rPr lang="en-GB" sz="2000" smtClean="0">
-                <a:solidFill>
-                  <a:schemeClr val="tx1">
-                    <a:lumMod val="50000"/>
-                    <a:lumOff val="50000"/>
-                  </a:schemeClr>
-                </a:solidFill>
-                <a:latin typeface="Calibri" pitchFamily="34" charset="0"/>
-              </a:rPr>
-              <a:t> die beste Kombination von </a:t>
-            </a:r>
-            <a:r>
-              <a:rPr lang="en-GB" sz="2000" smtClean="0">
-                <a:solidFill>
-                  <a:schemeClr val="tx1">
-                    <a:lumMod val="50000"/>
-                    <a:lumOff val="50000"/>
-                  </a:schemeClr>
-                </a:solidFill>
-                <a:latin typeface="Calibri" pitchFamily="34" charset="0"/>
-              </a:rPr>
-              <a:t>a</a:t>
-            </a:r>
-            <a:r>
-              <a:rPr lang="en-GB" sz="2000" smtClean="0">
-                <a:solidFill>
-                  <a:schemeClr val="tx1">
-                    <a:lumMod val="50000"/>
-                    <a:lumOff val="50000"/>
-                  </a:schemeClr>
-                </a:solidFill>
-                <a:latin typeface="Calibri" pitchFamily="34" charset="0"/>
-              </a:rPr>
-              <a:t>, </a:t>
-            </a:r>
-            <a:r>
-              <a:rPr lang="en-GB" sz="2000" smtClean="0">
-                <a:solidFill>
-                  <a:schemeClr val="tx1">
-                    <a:lumMod val="50000"/>
-                    <a:lumOff val="50000"/>
-                  </a:schemeClr>
-                </a:solidFill>
-                <a:latin typeface="Calibri" pitchFamily="34" charset="0"/>
-              </a:rPr>
-              <a:t>b</a:t>
-            </a:r>
-            <a:r>
-              <a:rPr lang="en-GB" sz="2000" smtClean="0">
-                <a:solidFill>
-                  <a:schemeClr val="tx1">
-                    <a:lumMod val="50000"/>
-                    <a:lumOff val="50000"/>
-                  </a:schemeClr>
-                </a:solidFill>
-                <a:latin typeface="Calibri" pitchFamily="34" charset="0"/>
-              </a:rPr>
-              <a:t>, c und </a:t>
-            </a:r>
-            <a:r>
-              <a:rPr lang="en-GB" sz="2000" smtClean="0">
-                <a:solidFill>
-                  <a:schemeClr val="tx1">
-                    <a:lumMod val="50000"/>
-                    <a:lumOff val="50000"/>
-                  </a:schemeClr>
-                </a:solidFill>
-                <a:latin typeface="Calibri" pitchFamily="34" charset="0"/>
-              </a:rPr>
-              <a:t>d</a:t>
+              <a:t>Finde die beste Kombination von a, b, c und d</a:t>
             </a:r>
             <a:endParaRPr lang="en-GB" sz="2000">
               <a:solidFill>
@@ -7239,31 +9206,7 @@
                 </a:solidFill>
                 <a:latin typeface="Calibri" pitchFamily="34" charset="0"/>
               </a:rPr>
-              <a:t>Überprüfe</a:t>
-            </a:r>
-            <a:r>
-              <a:rPr lang="en-GB" sz="2000" smtClean="0">
-                <a:solidFill>
-                  <a:schemeClr val="tx1">
-                    <a:lumMod val="50000"/>
-                    <a:lumOff val="50000"/>
-                  </a:schemeClr>
-                </a:solidFill>
-                <a:latin typeface="Calibri" pitchFamily="34" charset="0"/>
-              </a:rPr>
-              <a:t> die Modellgüte anhand der restlichen </a:t>
-            </a:r>
-            <a:r>
-              <a:rPr lang="en-GB" sz="2000" smtClean="0">
-                <a:solidFill>
-                  <a:schemeClr val="tx1">
-                    <a:lumMod val="50000"/>
-                    <a:lumOff val="50000"/>
-                  </a:schemeClr>
-                </a:solidFill>
-                <a:latin typeface="Calibri" pitchFamily="34" charset="0"/>
-              </a:rPr>
-              <a:t>Beobachtungen</a:t>
+              <a:t>Überprüfe die Modellgüte anhand der restlichen Beobachtungen</a:t>
             </a:r>
             <a:endParaRPr lang="en-GB" sz="2000">
               <a:solidFill>
@@ -8507,6 +10450,1206 @@
 </p:sld>
 </file>
 
+<file path=ppt/slides/slide14.xml><?xml version="1.0" encoding="utf-8"?>
+<p:sld xmlns:a="http://schemas.openxmlformats.org/drawingml/2006/main" xmlns:r="http://schemas.openxmlformats.org/officeDocument/2006/relationships" xmlns:p="http://schemas.openxmlformats.org/presentationml/2006/main">
+  <p:cSld>
+    <p:spTree>
+      <p:nvGrpSpPr>
+        <p:cNvPr id="1" name=""/>
+        <p:cNvGrpSpPr/>
+        <p:nvPr/>
+      </p:nvGrpSpPr>
+      <p:grpSpPr>
+        <a:xfrm>
+          <a:off x="0" y="0"/>
+          <a:ext cx="0" cy="0"/>
+          <a:chOff x="0" y="0"/>
+          <a:chExt cx="0" cy="0"/>
+        </a:xfrm>
+      </p:grpSpPr>
+      <p:pic>
+        <p:nvPicPr>
+          <p:cNvPr id="112648" name="Picture 8"/>
+          <p:cNvPicPr>
+            <a:picLocks noChangeAspect="1" noChangeArrowheads="1"/>
+          </p:cNvPicPr>
+          <p:nvPr/>
+        </p:nvPicPr>
+        <p:blipFill>
+          <a:blip r:embed="rId3" cstate="print"/>
+          <a:srcRect/>
+          <a:stretch>
+            <a:fillRect/>
+          </a:stretch>
+        </p:blipFill>
+        <p:spPr bwMode="auto">
+          <a:xfrm>
+            <a:off x="34925" y="1124744"/>
+            <a:ext cx="9101167" cy="5112568"/>
+          </a:xfrm>
+          <a:prstGeom prst="rect">
+            <a:avLst/>
+          </a:prstGeom>
+          <a:noFill/>
+          <a:ln w="9525">
+            <a:noFill/>
+            <a:miter lim="800000"/>
+            <a:headEnd/>
+            <a:tailEnd/>
+          </a:ln>
+        </p:spPr>
+      </p:pic>
+      <p:sp>
+        <p:nvSpPr>
+          <p:cNvPr id="13" name="Textfeld 12"/>
+          <p:cNvSpPr txBox="1"/>
+          <p:nvPr/>
+        </p:nvSpPr>
+        <p:spPr>
+          <a:xfrm>
+            <a:off x="1" y="-21515"/>
+            <a:ext cx="9108504" cy="476250"/>
+          </a:xfrm>
+          <a:prstGeom prst="rect">
+            <a:avLst/>
+          </a:prstGeom>
+          <a:noFill/>
+          <a:effectLst/>
+        </p:spPr>
+        <p:txBody>
+          <a:bodyPr wrap="square" lIns="0" rIns="0" rtlCol="0">
+            <a:noAutofit/>
+          </a:bodyPr>
+          <a:lstStyle/>
+          <a:p>
+            <a:pPr algn="ctr">
+              <a:spcAft>
+                <a:spcPts val="0"/>
+              </a:spcAft>
+              <a:defRPr/>
+            </a:pPr>
+            <a:r>
+              <a:rPr lang="de-DE" sz="2800" dirty="0" smtClean="0">
+                <a:solidFill>
+                  <a:schemeClr val="bg1">
+                    <a:lumMod val="85000"/>
+                  </a:schemeClr>
+                </a:solidFill>
+                <a:latin typeface="Calibri" pitchFamily="34" charset="0"/>
+              </a:rPr>
+              <a:t>MOPEX</a:t>
+            </a:r>
+          </a:p>
+        </p:txBody>
+      </p:sp>
+      <p:sp>
+        <p:nvSpPr>
+          <p:cNvPr id="28" name="Textfeld 27"/>
+          <p:cNvSpPr txBox="1"/>
+          <p:nvPr/>
+        </p:nvSpPr>
+        <p:spPr>
+          <a:xfrm>
+            <a:off x="395288" y="765175"/>
+            <a:ext cx="8209037" cy="523220"/>
+          </a:xfrm>
+          <a:prstGeom prst="rect">
+            <a:avLst/>
+          </a:prstGeom>
+          <a:noFill/>
+        </p:spPr>
+        <p:txBody>
+          <a:bodyPr wrap="square" rtlCol="0">
+            <a:spAutoFit/>
+          </a:bodyPr>
+          <a:lstStyle/>
+          <a:p>
+            <a:r>
+              <a:rPr lang="de-DE" sz="2800" dirty="0" smtClean="0">
+                <a:latin typeface="Calibri" pitchFamily="34" charset="0"/>
+              </a:rPr>
+              <a:t>MOPEX: </a:t>
+            </a:r>
+            <a:r>
+              <a:rPr lang="de-DE" sz="2800" b="1" dirty="0" err="1" smtClean="0">
+                <a:latin typeface="Calibri" pitchFamily="34" charset="0"/>
+              </a:rPr>
+              <a:t>MO</a:t>
+            </a:r>
+            <a:r>
+              <a:rPr lang="de-DE" sz="2800" dirty="0" err="1" smtClean="0">
+                <a:latin typeface="Calibri" pitchFamily="34" charset="0"/>
+              </a:rPr>
+              <a:t>del</a:t>
+            </a:r>
+            <a:r>
+              <a:rPr lang="de-DE" sz="2800" dirty="0" smtClean="0">
+                <a:latin typeface="Calibri" pitchFamily="34" charset="0"/>
+              </a:rPr>
+              <a:t> </a:t>
+            </a:r>
+            <a:r>
+              <a:rPr lang="de-DE" sz="2800" b="1" dirty="0" smtClean="0">
+                <a:latin typeface="Calibri" pitchFamily="34" charset="0"/>
+              </a:rPr>
+              <a:t>P</a:t>
+            </a:r>
+            <a:r>
+              <a:rPr lang="de-DE" sz="2800" dirty="0" smtClean="0">
+                <a:latin typeface="Calibri" pitchFamily="34" charset="0"/>
+              </a:rPr>
+              <a:t>arameter </a:t>
+            </a:r>
+            <a:r>
+              <a:rPr lang="de-DE" sz="2800" b="1" dirty="0" err="1" smtClean="0">
+                <a:latin typeface="Calibri" pitchFamily="34" charset="0"/>
+              </a:rPr>
+              <a:t>E</a:t>
+            </a:r>
+            <a:r>
+              <a:rPr lang="de-DE" sz="2800" dirty="0" err="1" smtClean="0">
+                <a:latin typeface="Calibri" pitchFamily="34" charset="0"/>
+              </a:rPr>
+              <a:t>stimation</a:t>
+            </a:r>
+            <a:r>
+              <a:rPr lang="de-DE" sz="2800" dirty="0" smtClean="0">
+                <a:latin typeface="Calibri" pitchFamily="34" charset="0"/>
+              </a:rPr>
+              <a:t> </a:t>
+            </a:r>
+            <a:r>
+              <a:rPr lang="de-DE" sz="2800" dirty="0" err="1" smtClean="0">
+                <a:latin typeface="Calibri" pitchFamily="34" charset="0"/>
+              </a:rPr>
+              <a:t>E</a:t>
+            </a:r>
+            <a:r>
+              <a:rPr lang="de-DE" sz="2800" b="1" dirty="0" err="1" smtClean="0">
+                <a:latin typeface="Calibri" pitchFamily="34" charset="0"/>
+              </a:rPr>
+              <a:t>X</a:t>
+            </a:r>
+            <a:r>
+              <a:rPr lang="de-DE" sz="2800" dirty="0" err="1" smtClean="0">
+                <a:latin typeface="Calibri" pitchFamily="34" charset="0"/>
+              </a:rPr>
+              <a:t>periment</a:t>
+            </a:r>
+            <a:endParaRPr lang="de-DE" sz="2800" dirty="0">
+              <a:latin typeface="Calibri" pitchFamily="34" charset="0"/>
+            </a:endParaRPr>
+          </a:p>
+        </p:txBody>
+      </p:sp>
+      <p:sp>
+        <p:nvSpPr>
+          <p:cNvPr id="36" name="Textfeld 35"/>
+          <p:cNvSpPr txBox="1"/>
+          <p:nvPr/>
+        </p:nvSpPr>
+        <p:spPr>
+          <a:xfrm>
+            <a:off x="395288" y="1484313"/>
+            <a:ext cx="8569325" cy="1800493"/>
+          </a:xfrm>
+          <a:prstGeom prst="rect">
+            <a:avLst/>
+          </a:prstGeom>
+          <a:solidFill>
+            <a:srgbClr val="FFFFFF">
+              <a:alpha val="50196"/>
+            </a:srgbClr>
+          </a:solidFill>
+        </p:spPr>
+        <p:txBody>
+          <a:bodyPr wrap="square" rtlCol="0">
+            <a:spAutoFit/>
+          </a:bodyPr>
+          <a:lstStyle/>
+          <a:p>
+            <a:pPr marL="355600" indent="-355600">
+              <a:spcAft>
+                <a:spcPts val="600"/>
+              </a:spcAft>
+              <a:buFont typeface="Wingdings" pitchFamily="2" charset="2"/>
+              <a:buChar char="§"/>
+            </a:pPr>
+            <a:r>
+              <a:rPr lang="de-DE" sz="2400" dirty="0" smtClean="0">
+                <a:latin typeface="Calibri" pitchFamily="34" charset="0"/>
+              </a:rPr>
+              <a:t>homogener Datensatz für 431 Einzugsgebiete in den USA</a:t>
+            </a:r>
+          </a:p>
+          <a:p>
+            <a:pPr marL="355600" indent="-355600">
+              <a:spcAft>
+                <a:spcPts val="600"/>
+              </a:spcAft>
+              <a:buFont typeface="Wingdings" pitchFamily="2" charset="2"/>
+              <a:buChar char="§"/>
+            </a:pPr>
+            <a:r>
+              <a:rPr lang="de-DE" sz="2400" dirty="0" smtClean="0">
+                <a:latin typeface="Calibri" pitchFamily="34" charset="0"/>
+              </a:rPr>
+              <a:t>Abflusszeitreihen</a:t>
+            </a:r>
+          </a:p>
+          <a:p>
+            <a:pPr marL="355600" indent="-355600">
+              <a:spcAft>
+                <a:spcPts val="600"/>
+              </a:spcAft>
+              <a:buFont typeface="Wingdings" pitchFamily="2" charset="2"/>
+              <a:buChar char="§"/>
+            </a:pPr>
+            <a:r>
+              <a:rPr lang="de-DE" sz="2400" dirty="0" smtClean="0">
+                <a:latin typeface="Calibri" pitchFamily="34" charset="0"/>
+              </a:rPr>
+              <a:t>Gebietsmittelwerte für Niederschlag, PET, </a:t>
+            </a:r>
+            <a:r>
+              <a:rPr lang="de-DE" sz="2400" dirty="0" err="1" smtClean="0">
+                <a:latin typeface="Calibri" pitchFamily="34" charset="0"/>
+              </a:rPr>
+              <a:t>T</a:t>
+            </a:r>
+            <a:r>
+              <a:rPr lang="de-DE" sz="2400" baseline="-25000" dirty="0" err="1" smtClean="0">
+                <a:latin typeface="Calibri" pitchFamily="34" charset="0"/>
+              </a:rPr>
+              <a:t>min</a:t>
+            </a:r>
+            <a:r>
+              <a:rPr lang="de-DE" sz="2400" dirty="0" smtClean="0">
+                <a:latin typeface="Calibri" pitchFamily="34" charset="0"/>
+              </a:rPr>
+              <a:t>, </a:t>
+            </a:r>
+            <a:r>
+              <a:rPr lang="de-DE" sz="2400" dirty="0" err="1" smtClean="0">
+                <a:latin typeface="Calibri" pitchFamily="34" charset="0"/>
+              </a:rPr>
+              <a:t>T</a:t>
+            </a:r>
+            <a:r>
+              <a:rPr lang="de-DE" sz="2400" baseline="-25000" dirty="0" err="1" smtClean="0">
+                <a:latin typeface="Calibri" pitchFamily="34" charset="0"/>
+              </a:rPr>
+              <a:t>max</a:t>
+            </a:r>
+            <a:endParaRPr lang="de-DE" sz="2400" baseline="-25000" dirty="0" smtClean="0">
+              <a:latin typeface="Calibri" pitchFamily="34" charset="0"/>
+            </a:endParaRPr>
+          </a:p>
+          <a:p>
+            <a:pPr marL="355600" indent="-355600">
+              <a:spcAft>
+                <a:spcPts val="600"/>
+              </a:spcAft>
+              <a:buFont typeface="Wingdings" pitchFamily="2" charset="2"/>
+              <a:buChar char="§"/>
+            </a:pPr>
+            <a:r>
+              <a:rPr lang="de-DE" sz="2400" dirty="0" smtClean="0">
+                <a:latin typeface="Calibri" pitchFamily="34" charset="0"/>
+              </a:rPr>
+              <a:t>tägliche Auflösung (für diesen Kurs: Monatsmittelwerte)</a:t>
+            </a:r>
+          </a:p>
+        </p:txBody>
+      </p:sp>
+      <p:grpSp>
+        <p:nvGrpSpPr>
+          <p:cNvPr id="2" name="Gruppieren 10"/>
+          <p:cNvGrpSpPr/>
+          <p:nvPr/>
+        </p:nvGrpSpPr>
+        <p:grpSpPr>
+          <a:xfrm>
+            <a:off x="0" y="3717032"/>
+            <a:ext cx="9144000" cy="1080120"/>
+            <a:chOff x="0" y="3717032"/>
+            <a:chExt cx="9144000" cy="1080120"/>
+          </a:xfrm>
+        </p:grpSpPr>
+        <p:sp>
+          <p:nvSpPr>
+            <p:cNvPr id="43" name="Textfeld 42"/>
+            <p:cNvSpPr txBox="1"/>
+            <p:nvPr/>
+          </p:nvSpPr>
+          <p:spPr>
+            <a:xfrm>
+              <a:off x="0" y="4243154"/>
+              <a:ext cx="9144000" cy="553998"/>
+            </a:xfrm>
+            <a:prstGeom prst="rect">
+              <a:avLst/>
+            </a:prstGeom>
+            <a:solidFill>
+              <a:srgbClr val="FFFFFF">
+                <a:alpha val="50196"/>
+              </a:srgbClr>
+            </a:solidFill>
+          </p:spPr>
+          <p:txBody>
+            <a:bodyPr wrap="square" rtlCol="0">
+              <a:spAutoFit/>
+            </a:bodyPr>
+            <a:lstStyle/>
+            <a:p>
+              <a:pPr algn="ctr"/>
+              <a:r>
+                <a:rPr lang="de-DE" sz="3000" dirty="0" smtClean="0">
+                  <a:latin typeface="Calibri" pitchFamily="34" charset="0"/>
+                  <a:hlinkClick r:id="rId4"/>
+                </a:rPr>
+                <a:t>ftp://hydrology.nws.noaa.gov/pub/gcip/mopex/US_Data</a:t>
+              </a:r>
+              <a:r>
+                <a:rPr lang="de-DE" sz="3000" dirty="0" smtClean="0">
+                  <a:latin typeface="Calibri" pitchFamily="34" charset="0"/>
+                </a:rPr>
+                <a:t> </a:t>
+              </a:r>
+              <a:endParaRPr lang="de-DE" sz="3000" dirty="0">
+                <a:latin typeface="Calibri" pitchFamily="34" charset="0"/>
+              </a:endParaRPr>
+            </a:p>
+          </p:txBody>
+        </p:sp>
+        <p:sp>
+          <p:nvSpPr>
+            <p:cNvPr id="44" name="Textfeld 43"/>
+            <p:cNvSpPr txBox="1"/>
+            <p:nvPr/>
+          </p:nvSpPr>
+          <p:spPr>
+            <a:xfrm>
+              <a:off x="0" y="3717032"/>
+              <a:ext cx="9144000" cy="553998"/>
+            </a:xfrm>
+            <a:prstGeom prst="rect">
+              <a:avLst/>
+            </a:prstGeom>
+            <a:solidFill>
+              <a:srgbClr val="FFFFFF">
+                <a:alpha val="50196"/>
+              </a:srgbClr>
+            </a:solidFill>
+          </p:spPr>
+          <p:txBody>
+            <a:bodyPr wrap="square" rtlCol="0">
+              <a:spAutoFit/>
+            </a:bodyPr>
+            <a:lstStyle/>
+            <a:p>
+              <a:pPr algn="ctr"/>
+              <a:r>
+                <a:rPr lang="de-DE" sz="3000" dirty="0" smtClean="0">
+                  <a:latin typeface="Calibri" pitchFamily="34" charset="0"/>
+                </a:rPr>
+                <a:t>Download der Daten und Metadaten: </a:t>
+              </a:r>
+              <a:endParaRPr lang="de-DE" sz="3000" dirty="0">
+                <a:latin typeface="Calibri" pitchFamily="34" charset="0"/>
+              </a:endParaRPr>
+            </a:p>
+          </p:txBody>
+        </p:sp>
+      </p:grpSp>
+    </p:spTree>
+  </p:cSld>
+  <p:clrMapOvr>
+    <a:masterClrMapping/>
+  </p:clrMapOvr>
+  <p:transition>
+    <p:split/>
+  </p:transition>
+  <p:timing>
+    <p:tnLst>
+      <p:par>
+        <p:cTn id="1" dur="indefinite" restart="never" nodeType="tmRoot">
+          <p:childTnLst>
+            <p:seq concurrent="1" nextAc="seek">
+              <p:cTn id="2" dur="indefinite" nodeType="mainSeq">
+                <p:childTnLst>
+                  <p:par>
+                    <p:cTn id="3" fill="hold">
+                      <p:stCondLst>
+                        <p:cond delay="indefinite"/>
+                      </p:stCondLst>
+                      <p:childTnLst>
+                        <p:par>
+                          <p:cTn id="4" fill="hold">
+                            <p:stCondLst>
+                              <p:cond delay="0"/>
+                            </p:stCondLst>
+                            <p:childTnLst>
+                              <p:par>
+                                <p:cTn id="5" presetID="22" presetClass="entr" presetSubtype="1" fill="hold" grpId="0" nodeType="clickEffect">
+                                  <p:stCondLst>
+                                    <p:cond delay="0"/>
+                                  </p:stCondLst>
+                                  <p:childTnLst>
+                                    <p:set>
+                                      <p:cBhvr>
+                                        <p:cTn id="6" dur="1" fill="hold">
+                                          <p:stCondLst>
+                                            <p:cond delay="0"/>
+                                          </p:stCondLst>
+                                        </p:cTn>
+                                        <p:tgtEl>
+                                          <p:spTgt spid="36"/>
+                                        </p:tgtEl>
+                                        <p:attrNameLst>
+                                          <p:attrName>style.visibility</p:attrName>
+                                        </p:attrNameLst>
+                                      </p:cBhvr>
+                                      <p:to>
+                                        <p:strVal val="visible"/>
+                                      </p:to>
+                                    </p:set>
+                                    <p:animEffect transition="in" filter="wipe(up)">
+                                      <p:cBhvr>
+                                        <p:cTn id="7" dur="500"/>
+                                        <p:tgtEl>
+                                          <p:spTgt spid="36"/>
+                                        </p:tgtEl>
+                                      </p:cBhvr>
+                                    </p:animEffect>
+                                  </p:childTnLst>
+                                </p:cTn>
+                              </p:par>
+                            </p:childTnLst>
+                          </p:cTn>
+                        </p:par>
+                      </p:childTnLst>
+                    </p:cTn>
+                  </p:par>
+                  <p:par>
+                    <p:cTn id="8" fill="hold">
+                      <p:stCondLst>
+                        <p:cond delay="indefinite"/>
+                      </p:stCondLst>
+                      <p:childTnLst>
+                        <p:par>
+                          <p:cTn id="9" fill="hold">
+                            <p:stCondLst>
+                              <p:cond delay="0"/>
+                            </p:stCondLst>
+                            <p:childTnLst>
+                              <p:par>
+                                <p:cTn id="10" presetID="23" presetClass="entr" presetSubtype="288" fill="hold" nodeType="clickEffect">
+                                  <p:stCondLst>
+                                    <p:cond delay="0"/>
+                                  </p:stCondLst>
+                                  <p:childTnLst>
+                                    <p:set>
+                                      <p:cBhvr>
+                                        <p:cTn id="11" dur="1" fill="hold">
+                                          <p:stCondLst>
+                                            <p:cond delay="0"/>
+                                          </p:stCondLst>
+                                        </p:cTn>
+                                        <p:tgtEl>
+                                          <p:spTgt spid="2"/>
+                                        </p:tgtEl>
+                                        <p:attrNameLst>
+                                          <p:attrName>style.visibility</p:attrName>
+                                        </p:attrNameLst>
+                                      </p:cBhvr>
+                                      <p:to>
+                                        <p:strVal val="visible"/>
+                                      </p:to>
+                                    </p:set>
+                                    <p:anim calcmode="lin" valueType="num">
+                                      <p:cBhvr>
+                                        <p:cTn id="12" dur="500" fill="hold"/>
+                                        <p:tgtEl>
+                                          <p:spTgt spid="2"/>
+                                        </p:tgtEl>
+                                        <p:attrNameLst>
+                                          <p:attrName>ppt_w</p:attrName>
+                                        </p:attrNameLst>
+                                      </p:cBhvr>
+                                      <p:tavLst>
+                                        <p:tav tm="0">
+                                          <p:val>
+                                            <p:strVal val="4/3*#ppt_w"/>
+                                          </p:val>
+                                        </p:tav>
+                                        <p:tav tm="100000">
+                                          <p:val>
+                                            <p:strVal val="#ppt_w"/>
+                                          </p:val>
+                                        </p:tav>
+                                      </p:tavLst>
+                                    </p:anim>
+                                    <p:anim calcmode="lin" valueType="num">
+                                      <p:cBhvr>
+                                        <p:cTn id="13" dur="500" fill="hold"/>
+                                        <p:tgtEl>
+                                          <p:spTgt spid="2"/>
+                                        </p:tgtEl>
+                                        <p:attrNameLst>
+                                          <p:attrName>ppt_h</p:attrName>
+                                        </p:attrNameLst>
+                                      </p:cBhvr>
+                                      <p:tavLst>
+                                        <p:tav tm="0">
+                                          <p:val>
+                                            <p:strVal val="4/3*#ppt_h"/>
+                                          </p:val>
+                                        </p:tav>
+                                        <p:tav tm="100000">
+                                          <p:val>
+                                            <p:strVal val="#ppt_h"/>
+                                          </p:val>
+                                        </p:tav>
+                                      </p:tavLst>
+                                    </p:anim>
+                                  </p:childTnLst>
+                                </p:cTn>
+                              </p:par>
+                            </p:childTnLst>
+                          </p:cTn>
+                        </p:par>
+                      </p:childTnLst>
+                    </p:cTn>
+                  </p:par>
+                </p:childTnLst>
+              </p:cTn>
+              <p:prevCondLst>
+                <p:cond evt="onPrev" delay="0">
+                  <p:tgtEl>
+                    <p:sldTgt/>
+                  </p:tgtEl>
+                </p:cond>
+              </p:prevCondLst>
+              <p:nextCondLst>
+                <p:cond evt="onNext" delay="0">
+                  <p:tgtEl>
+                    <p:sldTgt/>
+                  </p:tgtEl>
+                </p:cond>
+              </p:nextCondLst>
+            </p:seq>
+          </p:childTnLst>
+        </p:cTn>
+      </p:par>
+    </p:tnLst>
+    <p:bldLst>
+      <p:bldP spid="36" grpId="0" animBg="1"/>
+    </p:bldLst>
+  </p:timing>
+</p:sld>
+</file>
+
+<file path=ppt/slides/slide15.xml><?xml version="1.0" encoding="utf-8"?>
+<p:sld xmlns:a="http://schemas.openxmlformats.org/drawingml/2006/main" xmlns:r="http://schemas.openxmlformats.org/officeDocument/2006/relationships" xmlns:p="http://schemas.openxmlformats.org/presentationml/2006/main">
+  <p:cSld>
+    <p:spTree>
+      <p:nvGrpSpPr>
+        <p:cNvPr id="1" name=""/>
+        <p:cNvGrpSpPr/>
+        <p:nvPr/>
+      </p:nvGrpSpPr>
+      <p:grpSpPr>
+        <a:xfrm>
+          <a:off x="0" y="0"/>
+          <a:ext cx="0" cy="0"/>
+          <a:chOff x="0" y="0"/>
+          <a:chExt cx="0" cy="0"/>
+        </a:xfrm>
+      </p:grpSpPr>
+      <p:pic>
+        <p:nvPicPr>
+          <p:cNvPr id="112648" name="Picture 8"/>
+          <p:cNvPicPr>
+            <a:picLocks noChangeAspect="1" noChangeArrowheads="1"/>
+          </p:cNvPicPr>
+          <p:nvPr/>
+        </p:nvPicPr>
+        <p:blipFill>
+          <a:blip r:embed="rId3" cstate="print"/>
+          <a:srcRect/>
+          <a:stretch>
+            <a:fillRect/>
+          </a:stretch>
+        </p:blipFill>
+        <p:spPr bwMode="auto">
+          <a:xfrm>
+            <a:off x="34925" y="1124744"/>
+            <a:ext cx="9101167" cy="5112568"/>
+          </a:xfrm>
+          <a:prstGeom prst="rect">
+            <a:avLst/>
+          </a:prstGeom>
+          <a:noFill/>
+          <a:ln w="9525">
+            <a:noFill/>
+            <a:miter lim="800000"/>
+            <a:headEnd/>
+            <a:tailEnd/>
+          </a:ln>
+        </p:spPr>
+      </p:pic>
+      <p:sp>
+        <p:nvSpPr>
+          <p:cNvPr id="11" name="Rechteck 10"/>
+          <p:cNvSpPr/>
+          <p:nvPr/>
+        </p:nvSpPr>
+        <p:spPr bwMode="auto">
+          <a:xfrm>
+            <a:off x="0" y="5157192"/>
+            <a:ext cx="7092280" cy="792088"/>
+          </a:xfrm>
+          <a:prstGeom prst="rect">
+            <a:avLst/>
+          </a:prstGeom>
+          <a:solidFill>
+            <a:srgbClr val="FFFFFF">
+              <a:alpha val="80000"/>
+            </a:srgbClr>
+          </a:solidFill>
+          <a:ln w="19050" cap="flat" cmpd="sng" algn="ctr">
+            <a:noFill/>
+            <a:prstDash val="solid"/>
+            <a:round/>
+            <a:headEnd type="none" w="med" len="med"/>
+            <a:tailEnd type="none" w="med" len="med"/>
+          </a:ln>
+          <a:effectLst/>
+        </p:spPr>
+        <p:txBody>
+          <a:bodyPr vert="horz" wrap="square" lIns="91440" tIns="45720" rIns="91440" bIns="45720" numCol="1" rtlCol="0" anchor="t" anchorCtr="0" compatLnSpc="1">
+            <a:prstTxWarp prst="textNoShape">
+              <a:avLst/>
+            </a:prstTxWarp>
+          </a:bodyPr>
+          <a:lstStyle/>
+          <a:p>
+            <a:pPr marL="0" marR="0" indent="0" algn="l" defTabSz="914400" rtl="0" eaLnBrk="1" fontAlgn="base" latinLnBrk="0" hangingPunct="1">
+              <a:lnSpc>
+                <a:spcPct val="100000"/>
+              </a:lnSpc>
+              <a:spcBef>
+                <a:spcPct val="0"/>
+              </a:spcBef>
+              <a:spcAft>
+                <a:spcPct val="0"/>
+              </a:spcAft>
+              <a:buClrTx/>
+              <a:buSzTx/>
+              <a:buFontTx/>
+              <a:buNone/>
+              <a:tabLst/>
+            </a:pPr>
+            <a:endParaRPr kumimoji="0" lang="de-DE" sz="1600" b="0" i="0" u="none" strike="noStrike" cap="none" normalizeH="0" baseline="0" smtClean="0">
+              <a:ln>
+                <a:noFill/>
+              </a:ln>
+              <a:solidFill>
+                <a:schemeClr val="tx1"/>
+              </a:solidFill>
+              <a:effectLst/>
+              <a:latin typeface="Arial" charset="0"/>
+            </a:endParaRPr>
+          </a:p>
+        </p:txBody>
+      </p:sp>
+      <p:sp>
+        <p:nvSpPr>
+          <p:cNvPr id="13" name="Textfeld 12"/>
+          <p:cNvSpPr txBox="1"/>
+          <p:nvPr/>
+        </p:nvSpPr>
+        <p:spPr>
+          <a:xfrm>
+            <a:off x="1" y="-21515"/>
+            <a:ext cx="9108504" cy="476250"/>
+          </a:xfrm>
+          <a:prstGeom prst="rect">
+            <a:avLst/>
+          </a:prstGeom>
+          <a:noFill/>
+          <a:effectLst/>
+        </p:spPr>
+        <p:txBody>
+          <a:bodyPr wrap="square" lIns="0" rIns="0" rtlCol="0">
+            <a:noAutofit/>
+          </a:bodyPr>
+          <a:lstStyle/>
+          <a:p>
+            <a:pPr algn="ctr">
+              <a:spcAft>
+                <a:spcPts val="0"/>
+              </a:spcAft>
+              <a:defRPr/>
+            </a:pPr>
+            <a:r>
+              <a:rPr lang="de-DE" sz="2800" dirty="0" smtClean="0">
+                <a:solidFill>
+                  <a:schemeClr val="bg1">
+                    <a:lumMod val="85000"/>
+                  </a:schemeClr>
+                </a:solidFill>
+                <a:latin typeface="Calibri" pitchFamily="34" charset="0"/>
+              </a:rPr>
+              <a:t>MOPEX</a:t>
+            </a:r>
+          </a:p>
+        </p:txBody>
+      </p:sp>
+      <p:sp>
+        <p:nvSpPr>
+          <p:cNvPr id="28" name="Textfeld 27"/>
+          <p:cNvSpPr txBox="1"/>
+          <p:nvPr/>
+        </p:nvSpPr>
+        <p:spPr>
+          <a:xfrm>
+            <a:off x="395288" y="765175"/>
+            <a:ext cx="8209037" cy="523220"/>
+          </a:xfrm>
+          <a:prstGeom prst="rect">
+            <a:avLst/>
+          </a:prstGeom>
+          <a:noFill/>
+        </p:spPr>
+        <p:txBody>
+          <a:bodyPr wrap="square" rtlCol="0">
+            <a:spAutoFit/>
+          </a:bodyPr>
+          <a:lstStyle/>
+          <a:p>
+            <a:r>
+              <a:rPr lang="de-DE" sz="2800" dirty="0" smtClean="0">
+                <a:latin typeface="Calibri" pitchFamily="34" charset="0"/>
+              </a:rPr>
+              <a:t>MOPEX: </a:t>
+            </a:r>
+            <a:r>
+              <a:rPr lang="de-DE" sz="2800" b="1" dirty="0" err="1" smtClean="0">
+                <a:latin typeface="Calibri" pitchFamily="34" charset="0"/>
+              </a:rPr>
+              <a:t>MO</a:t>
+            </a:r>
+            <a:r>
+              <a:rPr lang="de-DE" sz="2800" dirty="0" err="1" smtClean="0">
+                <a:latin typeface="Calibri" pitchFamily="34" charset="0"/>
+              </a:rPr>
+              <a:t>del</a:t>
+            </a:r>
+            <a:r>
+              <a:rPr lang="de-DE" sz="2800" dirty="0" smtClean="0">
+                <a:latin typeface="Calibri" pitchFamily="34" charset="0"/>
+              </a:rPr>
+              <a:t> </a:t>
+            </a:r>
+            <a:r>
+              <a:rPr lang="de-DE" sz="2800" b="1" dirty="0" smtClean="0">
+                <a:latin typeface="Calibri" pitchFamily="34" charset="0"/>
+              </a:rPr>
+              <a:t>P</a:t>
+            </a:r>
+            <a:r>
+              <a:rPr lang="de-DE" sz="2800" dirty="0" smtClean="0">
+                <a:latin typeface="Calibri" pitchFamily="34" charset="0"/>
+              </a:rPr>
+              <a:t>arameter </a:t>
+            </a:r>
+            <a:r>
+              <a:rPr lang="de-DE" sz="2800" b="1" dirty="0" err="1" smtClean="0">
+                <a:latin typeface="Calibri" pitchFamily="34" charset="0"/>
+              </a:rPr>
+              <a:t>E</a:t>
+            </a:r>
+            <a:r>
+              <a:rPr lang="de-DE" sz="2800" dirty="0" err="1" smtClean="0">
+                <a:latin typeface="Calibri" pitchFamily="34" charset="0"/>
+              </a:rPr>
+              <a:t>stimation</a:t>
+            </a:r>
+            <a:r>
+              <a:rPr lang="de-DE" sz="2800" dirty="0" smtClean="0">
+                <a:latin typeface="Calibri" pitchFamily="34" charset="0"/>
+              </a:rPr>
+              <a:t> </a:t>
+            </a:r>
+            <a:r>
+              <a:rPr lang="de-DE" sz="2800" dirty="0" err="1" smtClean="0">
+                <a:latin typeface="Calibri" pitchFamily="34" charset="0"/>
+              </a:rPr>
+              <a:t>E</a:t>
+            </a:r>
+            <a:r>
+              <a:rPr lang="de-DE" sz="2800" b="1" dirty="0" err="1" smtClean="0">
+                <a:latin typeface="Calibri" pitchFamily="34" charset="0"/>
+              </a:rPr>
+              <a:t>X</a:t>
+            </a:r>
+            <a:r>
+              <a:rPr lang="de-DE" sz="2800" dirty="0" err="1" smtClean="0">
+                <a:latin typeface="Calibri" pitchFamily="34" charset="0"/>
+              </a:rPr>
+              <a:t>periment</a:t>
+            </a:r>
+            <a:endParaRPr lang="de-DE" sz="2800" dirty="0">
+              <a:latin typeface="Calibri" pitchFamily="34" charset="0"/>
+            </a:endParaRPr>
+          </a:p>
+        </p:txBody>
+      </p:sp>
+      <p:sp>
+        <p:nvSpPr>
+          <p:cNvPr id="36" name="Textfeld 35"/>
+          <p:cNvSpPr txBox="1"/>
+          <p:nvPr/>
+        </p:nvSpPr>
+        <p:spPr>
+          <a:xfrm>
+            <a:off x="395288" y="1484313"/>
+            <a:ext cx="8569325" cy="1800493"/>
+          </a:xfrm>
+          <a:prstGeom prst="rect">
+            <a:avLst/>
+          </a:prstGeom>
+          <a:solidFill>
+            <a:srgbClr val="FFFFFF">
+              <a:alpha val="50196"/>
+            </a:srgbClr>
+          </a:solidFill>
+        </p:spPr>
+        <p:txBody>
+          <a:bodyPr wrap="square" rtlCol="0">
+            <a:spAutoFit/>
+          </a:bodyPr>
+          <a:lstStyle/>
+          <a:p>
+            <a:pPr marL="355600" indent="-355600">
+              <a:spcAft>
+                <a:spcPts val="600"/>
+              </a:spcAft>
+              <a:buFont typeface="Wingdings" pitchFamily="2" charset="2"/>
+              <a:buChar char="§"/>
+            </a:pPr>
+            <a:r>
+              <a:rPr lang="de-DE" sz="2400" dirty="0" smtClean="0">
+                <a:latin typeface="Calibri" pitchFamily="34" charset="0"/>
+              </a:rPr>
+              <a:t>homogener Datensatz für 431 Einzugsgebiete in den USA</a:t>
+            </a:r>
+          </a:p>
+          <a:p>
+            <a:pPr marL="355600" indent="-355600">
+              <a:spcAft>
+                <a:spcPts val="600"/>
+              </a:spcAft>
+              <a:buFont typeface="Wingdings" pitchFamily="2" charset="2"/>
+              <a:buChar char="§"/>
+            </a:pPr>
+            <a:r>
+              <a:rPr lang="de-DE" sz="2400" dirty="0" smtClean="0">
+                <a:latin typeface="Calibri" pitchFamily="34" charset="0"/>
+              </a:rPr>
+              <a:t>Abflusszeitreihen</a:t>
+            </a:r>
+          </a:p>
+          <a:p>
+            <a:pPr marL="355600" indent="-355600">
+              <a:spcAft>
+                <a:spcPts val="600"/>
+              </a:spcAft>
+              <a:buFont typeface="Wingdings" pitchFamily="2" charset="2"/>
+              <a:buChar char="§"/>
+            </a:pPr>
+            <a:r>
+              <a:rPr lang="de-DE" sz="2400" dirty="0" smtClean="0">
+                <a:latin typeface="Calibri" pitchFamily="34" charset="0"/>
+              </a:rPr>
+              <a:t>Gebietsmittelwerte für Niederschlag, PET, </a:t>
+            </a:r>
+            <a:r>
+              <a:rPr lang="de-DE" sz="2400" dirty="0" err="1" smtClean="0">
+                <a:latin typeface="Calibri" pitchFamily="34" charset="0"/>
+              </a:rPr>
+              <a:t>T</a:t>
+            </a:r>
+            <a:r>
+              <a:rPr lang="de-DE" sz="2400" baseline="-25000" dirty="0" err="1" smtClean="0">
+                <a:latin typeface="Calibri" pitchFamily="34" charset="0"/>
+              </a:rPr>
+              <a:t>min</a:t>
+            </a:r>
+            <a:r>
+              <a:rPr lang="de-DE" sz="2400" dirty="0" smtClean="0">
+                <a:latin typeface="Calibri" pitchFamily="34" charset="0"/>
+              </a:rPr>
+              <a:t>, </a:t>
+            </a:r>
+            <a:r>
+              <a:rPr lang="de-DE" sz="2400" dirty="0" err="1" smtClean="0">
+                <a:latin typeface="Calibri" pitchFamily="34" charset="0"/>
+              </a:rPr>
+              <a:t>T</a:t>
+            </a:r>
+            <a:r>
+              <a:rPr lang="de-DE" sz="2400" baseline="-25000" dirty="0" err="1" smtClean="0">
+                <a:latin typeface="Calibri" pitchFamily="34" charset="0"/>
+              </a:rPr>
+              <a:t>max</a:t>
+            </a:r>
+            <a:endParaRPr lang="de-DE" sz="2400" baseline="-25000" dirty="0" smtClean="0">
+              <a:latin typeface="Calibri" pitchFamily="34" charset="0"/>
+            </a:endParaRPr>
+          </a:p>
+          <a:p>
+            <a:pPr marL="355600" indent="-355600">
+              <a:spcAft>
+                <a:spcPts val="600"/>
+              </a:spcAft>
+              <a:buFont typeface="Wingdings" pitchFamily="2" charset="2"/>
+              <a:buChar char="§"/>
+            </a:pPr>
+            <a:r>
+              <a:rPr lang="de-DE" sz="2400" dirty="0" smtClean="0">
+                <a:latin typeface="Calibri" pitchFamily="34" charset="0"/>
+              </a:rPr>
+              <a:t>tägliche Auflösung (für diesen Kurs: Monatsmittelwerte)</a:t>
+            </a:r>
+          </a:p>
+        </p:txBody>
+      </p:sp>
+      <p:grpSp>
+        <p:nvGrpSpPr>
+          <p:cNvPr id="2" name="Gruppieren 10"/>
+          <p:cNvGrpSpPr/>
+          <p:nvPr/>
+        </p:nvGrpSpPr>
+        <p:grpSpPr>
+          <a:xfrm>
+            <a:off x="0" y="3717032"/>
+            <a:ext cx="9144000" cy="1080120"/>
+            <a:chOff x="0" y="3717032"/>
+            <a:chExt cx="9144000" cy="1080120"/>
+          </a:xfrm>
+        </p:grpSpPr>
+        <p:sp>
+          <p:nvSpPr>
+            <p:cNvPr id="43" name="Textfeld 42"/>
+            <p:cNvSpPr txBox="1"/>
+            <p:nvPr/>
+          </p:nvSpPr>
+          <p:spPr>
+            <a:xfrm>
+              <a:off x="0" y="4243154"/>
+              <a:ext cx="9144000" cy="553998"/>
+            </a:xfrm>
+            <a:prstGeom prst="rect">
+              <a:avLst/>
+            </a:prstGeom>
+            <a:solidFill>
+              <a:srgbClr val="FFFFFF">
+                <a:alpha val="50196"/>
+              </a:srgbClr>
+            </a:solidFill>
+          </p:spPr>
+          <p:txBody>
+            <a:bodyPr wrap="square" rtlCol="0">
+              <a:spAutoFit/>
+            </a:bodyPr>
+            <a:lstStyle/>
+            <a:p>
+              <a:pPr algn="ctr"/>
+              <a:r>
+                <a:rPr lang="de-DE" sz="3000" dirty="0" smtClean="0">
+                  <a:latin typeface="Calibri" pitchFamily="34" charset="0"/>
+                  <a:hlinkClick r:id="rId4"/>
+                </a:rPr>
+                <a:t>ftp://hydrology.nws.noaa.gov/pub/gcip/mopex/US_Data</a:t>
+              </a:r>
+              <a:r>
+                <a:rPr lang="de-DE" sz="3000" dirty="0" smtClean="0">
+                  <a:latin typeface="Calibri" pitchFamily="34" charset="0"/>
+                </a:rPr>
+                <a:t> </a:t>
+              </a:r>
+              <a:endParaRPr lang="de-DE" sz="3000" dirty="0">
+                <a:latin typeface="Calibri" pitchFamily="34" charset="0"/>
+              </a:endParaRPr>
+            </a:p>
+          </p:txBody>
+        </p:sp>
+        <p:sp>
+          <p:nvSpPr>
+            <p:cNvPr id="44" name="Textfeld 43"/>
+            <p:cNvSpPr txBox="1"/>
+            <p:nvPr/>
+          </p:nvSpPr>
+          <p:spPr>
+            <a:xfrm>
+              <a:off x="0" y="3717032"/>
+              <a:ext cx="9144000" cy="553998"/>
+            </a:xfrm>
+            <a:prstGeom prst="rect">
+              <a:avLst/>
+            </a:prstGeom>
+            <a:solidFill>
+              <a:srgbClr val="FFFFFF">
+                <a:alpha val="50196"/>
+              </a:srgbClr>
+            </a:solidFill>
+          </p:spPr>
+          <p:txBody>
+            <a:bodyPr wrap="square" rtlCol="0">
+              <a:spAutoFit/>
+            </a:bodyPr>
+            <a:lstStyle/>
+            <a:p>
+              <a:pPr algn="ctr"/>
+              <a:r>
+                <a:rPr lang="de-DE" sz="3000" dirty="0" smtClean="0">
+                  <a:latin typeface="Calibri" pitchFamily="34" charset="0"/>
+                </a:rPr>
+                <a:t>Download der Daten und Metadaten: </a:t>
+              </a:r>
+              <a:endParaRPr lang="de-DE" sz="3000" dirty="0">
+                <a:latin typeface="Calibri" pitchFamily="34" charset="0"/>
+              </a:endParaRPr>
+            </a:p>
+          </p:txBody>
+        </p:sp>
+      </p:grpSp>
+      <p:sp>
+        <p:nvSpPr>
+          <p:cNvPr id="9" name="Text Box 4"/>
+          <p:cNvSpPr txBox="1">
+            <a:spLocks noChangeArrowheads="1"/>
+          </p:cNvSpPr>
+          <p:nvPr/>
+        </p:nvSpPr>
+        <p:spPr bwMode="auto">
+          <a:xfrm>
+            <a:off x="1099577" y="5389324"/>
+            <a:ext cx="7864911" cy="369332"/>
+          </a:xfrm>
+          <a:prstGeom prst="rect">
+            <a:avLst/>
+          </a:prstGeom>
+          <a:noFill/>
+          <a:ln w="9525">
+            <a:noFill/>
+            <a:miter lim="800000"/>
+            <a:headEnd/>
+            <a:tailEnd/>
+          </a:ln>
+        </p:spPr>
+        <p:txBody>
+          <a:bodyPr wrap="square">
+            <a:spAutoFit/>
+          </a:bodyPr>
+          <a:lstStyle/>
+          <a:p>
+            <a:pPr>
+              <a:buClr>
+                <a:schemeClr val="bg2"/>
+              </a:buClr>
+            </a:pPr>
+            <a:r>
+              <a:rPr lang="de-DE" sz="1800" dirty="0" smtClean="0">
+                <a:latin typeface="Calibri" pitchFamily="34" charset="0"/>
+              </a:rPr>
+              <a:t>Bearbeite die Aufgaben in </a:t>
+            </a:r>
+            <a:r>
+              <a:rPr lang="de-DE" sz="1800" dirty="0" err="1" smtClean="0">
+                <a:latin typeface="Courier" pitchFamily="49" charset="0"/>
+              </a:rPr>
+              <a:t>diagnose.R</a:t>
+            </a:r>
+            <a:r>
+              <a:rPr lang="de-DE" sz="1800" dirty="0" smtClean="0">
+                <a:latin typeface="Courier" pitchFamily="49" charset="0"/>
+              </a:rPr>
+              <a:t> und </a:t>
+            </a:r>
+            <a:r>
+              <a:rPr lang="de-DE" sz="1800" dirty="0" err="1" smtClean="0">
+                <a:latin typeface="Courier" pitchFamily="49" charset="0"/>
+              </a:rPr>
+              <a:t>calval.R</a:t>
+            </a:r>
+            <a:r>
+              <a:rPr lang="de-DE" sz="1800" dirty="0" smtClean="0">
+                <a:latin typeface="Calibri" pitchFamily="34" charset="0"/>
+                <a:sym typeface="Symbol"/>
+              </a:rPr>
+              <a:t>.</a:t>
+            </a:r>
+            <a:endParaRPr lang="de-DE" sz="1800" baseline="-25000" dirty="0">
+              <a:latin typeface="Calibri" pitchFamily="34" charset="0"/>
+            </a:endParaRPr>
+          </a:p>
+        </p:txBody>
+      </p:sp>
+      <p:pic>
+        <p:nvPicPr>
+          <p:cNvPr id="10" name="Picture 8"/>
+          <p:cNvPicPr>
+            <a:picLocks noChangeAspect="1" noChangeArrowheads="1"/>
+          </p:cNvPicPr>
+          <p:nvPr/>
+        </p:nvPicPr>
+        <p:blipFill>
+          <a:blip r:embed="rId5" cstate="print"/>
+          <a:srcRect/>
+          <a:stretch>
+            <a:fillRect/>
+          </a:stretch>
+        </p:blipFill>
+        <p:spPr bwMode="auto">
+          <a:xfrm>
+            <a:off x="412367" y="5280000"/>
+            <a:ext cx="647476" cy="576064"/>
+          </a:xfrm>
+          <a:prstGeom prst="rect">
+            <a:avLst/>
+          </a:prstGeom>
+          <a:noFill/>
+          <a:ln w="9525">
+            <a:noFill/>
+            <a:miter lim="800000"/>
+            <a:headEnd/>
+            <a:tailEnd/>
+          </a:ln>
+          <a:effectLst/>
+        </p:spPr>
+      </p:pic>
+    </p:spTree>
+  </p:cSld>
+  <p:clrMapOvr>
+    <a:masterClrMapping/>
+  </p:clrMapOvr>
+  <p:transition>
+    <p:split/>
+  </p:transition>
+  <p:timing>
+    <p:tnLst>
+      <p:par>
+        <p:cTn id="1" dur="indefinite" restart="never" nodeType="tmRoot"/>
+      </p:par>
+    </p:tnLst>
+  </p:timing>
+</p:sld>
+</file>
+
 <file path=ppt/slides/slide2.xml><?xml version="1.0" encoding="utf-8"?>
 <p:sld xmlns:a="http://schemas.openxmlformats.org/drawingml/2006/main" xmlns:r="http://schemas.openxmlformats.org/officeDocument/2006/relationships" xmlns:p="http://schemas.openxmlformats.org/presentationml/2006/main" showMasterSp="0">
   <p:cSld>
@@ -8555,7 +11698,7 @@
               <a:rPr lang="de-DE" sz="3600" dirty="0" smtClean="0">
                 <a:latin typeface="Calibri" pitchFamily="34" charset="0"/>
               </a:rPr>
-              <a:t>Wintersemester 2016/17</a:t>
+              <a:t>Wintersemester 2017/18</a:t>
             </a:r>
           </a:p>
           <a:p>
@@ -9277,6 +12420,4288 @@
 </file>
 
 <file path=ppt/slides/slide4.xml><?xml version="1.0" encoding="utf-8"?>
+<p:sld xmlns:a="http://schemas.openxmlformats.org/drawingml/2006/main" xmlns:r="http://schemas.openxmlformats.org/officeDocument/2006/relationships" xmlns:p="http://schemas.openxmlformats.org/presentationml/2006/main">
+  <p:cSld>
+    <p:spTree>
+      <p:nvGrpSpPr>
+        <p:cNvPr id="1" name=""/>
+        <p:cNvGrpSpPr/>
+        <p:nvPr/>
+      </p:nvGrpSpPr>
+      <p:grpSpPr>
+        <a:xfrm>
+          <a:off x="0" y="0"/>
+          <a:ext cx="0" cy="0"/>
+          <a:chOff x="0" y="0"/>
+          <a:chExt cx="0" cy="0"/>
+        </a:xfrm>
+      </p:grpSpPr>
+      <p:sp>
+        <p:nvSpPr>
+          <p:cNvPr id="13" name="Textfeld 12"/>
+          <p:cNvSpPr txBox="1"/>
+          <p:nvPr/>
+        </p:nvSpPr>
+        <p:spPr>
+          <a:xfrm>
+            <a:off x="1" y="-21515"/>
+            <a:ext cx="9108504" cy="476250"/>
+          </a:xfrm>
+          <a:prstGeom prst="rect">
+            <a:avLst/>
+          </a:prstGeom>
+          <a:noFill/>
+          <a:effectLst/>
+        </p:spPr>
+        <p:txBody>
+          <a:bodyPr wrap="square" lIns="0" rIns="0" rtlCol="0">
+            <a:noAutofit/>
+          </a:bodyPr>
+          <a:lstStyle/>
+          <a:p>
+            <a:pPr algn="ctr">
+              <a:spcAft>
+                <a:spcPts val="0"/>
+              </a:spcAft>
+              <a:defRPr/>
+            </a:pPr>
+            <a:r>
+              <a:rPr lang="de-DE" sz="2800" dirty="0" smtClean="0">
+                <a:solidFill>
+                  <a:schemeClr val="bg1">
+                    <a:lumMod val="85000"/>
+                  </a:schemeClr>
+                </a:solidFill>
+                <a:latin typeface="Calibri" pitchFamily="34" charset="0"/>
+              </a:rPr>
+              <a:t>Rekapitulation: Das </a:t>
+            </a:r>
+            <a:r>
+              <a:rPr lang="de-DE" sz="2800" i="1" dirty="0" smtClean="0">
+                <a:solidFill>
+                  <a:schemeClr val="bg1">
+                    <a:lumMod val="85000"/>
+                  </a:schemeClr>
+                </a:solidFill>
+                <a:latin typeface="Calibri" pitchFamily="34" charset="0"/>
+              </a:rPr>
+              <a:t>abcd</a:t>
+            </a:r>
+            <a:r>
+              <a:rPr lang="de-DE" sz="2800" dirty="0" smtClean="0">
+                <a:solidFill>
+                  <a:schemeClr val="bg1">
+                    <a:lumMod val="85000"/>
+                  </a:schemeClr>
+                </a:solidFill>
+                <a:latin typeface="Calibri" pitchFamily="34" charset="0"/>
+              </a:rPr>
+              <a:t>-Modell </a:t>
+            </a:r>
+          </a:p>
+        </p:txBody>
+      </p:sp>
+      <p:sp>
+        <p:nvSpPr>
+          <p:cNvPr id="10" name="Textfeld 9"/>
+          <p:cNvSpPr txBox="1"/>
+          <p:nvPr/>
+        </p:nvSpPr>
+        <p:spPr>
+          <a:xfrm>
+            <a:off x="250825" y="765175"/>
+            <a:ext cx="4896544" cy="523220"/>
+          </a:xfrm>
+          <a:prstGeom prst="rect">
+            <a:avLst/>
+          </a:prstGeom>
+          <a:noFill/>
+        </p:spPr>
+        <p:txBody>
+          <a:bodyPr wrap="square" rtlCol="0">
+            <a:spAutoFit/>
+          </a:bodyPr>
+          <a:lstStyle/>
+          <a:p>
+            <a:r>
+              <a:rPr lang="de-DE" sz="2800" dirty="0" smtClean="0">
+                <a:latin typeface="Calibri" pitchFamily="34" charset="0"/>
+              </a:rPr>
+              <a:t>Eigenschaften des abcd-Modells </a:t>
+            </a:r>
+            <a:endParaRPr lang="de-DE" sz="2800" dirty="0">
+              <a:latin typeface="Calibri" pitchFamily="34" charset="0"/>
+            </a:endParaRPr>
+          </a:p>
+        </p:txBody>
+      </p:sp>
+      <p:grpSp>
+        <p:nvGrpSpPr>
+          <p:cNvPr id="2" name="Gruppieren 3"/>
+          <p:cNvGrpSpPr/>
+          <p:nvPr/>
+        </p:nvGrpSpPr>
+        <p:grpSpPr>
+          <a:xfrm>
+            <a:off x="5508104" y="1403544"/>
+            <a:ext cx="3672408" cy="2961560"/>
+            <a:chOff x="5364088" y="1403544"/>
+            <a:chExt cx="3672408" cy="2961560"/>
+          </a:xfrm>
+        </p:grpSpPr>
+        <p:sp>
+          <p:nvSpPr>
+            <p:cNvPr id="5" name="Pfeil nach rechts 4"/>
+            <p:cNvSpPr/>
+            <p:nvPr/>
+          </p:nvSpPr>
+          <p:spPr bwMode="auto">
+            <a:xfrm>
+              <a:off x="7236296" y="3788700"/>
+              <a:ext cx="864096" cy="288000"/>
+            </a:xfrm>
+            <a:prstGeom prst="rightArrow">
+              <a:avLst>
+                <a:gd name="adj1" fmla="val 94761"/>
+                <a:gd name="adj2" fmla="val 83623"/>
+              </a:avLst>
+            </a:prstGeom>
+            <a:solidFill>
+              <a:schemeClr val="bg1">
+                <a:lumMod val="65000"/>
+              </a:schemeClr>
+            </a:solidFill>
+            <a:ln w="19050" cap="flat" cmpd="sng" algn="ctr">
+              <a:noFill/>
+              <a:prstDash val="solid"/>
+              <a:round/>
+              <a:headEnd type="none" w="med" len="med"/>
+              <a:tailEnd type="none" w="med" len="med"/>
+            </a:ln>
+            <a:effectLst/>
+          </p:spPr>
+          <p:txBody>
+            <a:bodyPr vert="horz" wrap="square" lIns="91440" tIns="45720" rIns="91440" bIns="45720" numCol="1" rtlCol="0" anchor="t" anchorCtr="0" compatLnSpc="1">
+              <a:prstTxWarp prst="textNoShape">
+                <a:avLst/>
+              </a:prstTxWarp>
+            </a:bodyPr>
+            <a:lstStyle/>
+            <a:p>
+              <a:pPr marL="0" marR="0" indent="0" algn="l" defTabSz="914400" rtl="0" eaLnBrk="1" fontAlgn="base" latinLnBrk="0" hangingPunct="1">
+                <a:lnSpc>
+                  <a:spcPct val="100000"/>
+                </a:lnSpc>
+                <a:spcBef>
+                  <a:spcPct val="0"/>
+                </a:spcBef>
+                <a:spcAft>
+                  <a:spcPct val="0"/>
+                </a:spcAft>
+                <a:buClrTx/>
+                <a:buSzTx/>
+                <a:buFontTx/>
+                <a:buNone/>
+                <a:tabLst/>
+              </a:pPr>
+              <a:endParaRPr kumimoji="0" lang="de-DE" sz="1600" b="0" i="0" u="none" strike="noStrike" cap="none" normalizeH="0" baseline="0" smtClean="0">
+                <a:ln>
+                  <a:noFill/>
+                </a:ln>
+                <a:solidFill>
+                  <a:schemeClr val="tx1"/>
+                </a:solidFill>
+                <a:effectLst/>
+                <a:latin typeface="Arial" charset="0"/>
+              </a:endParaRPr>
+            </a:p>
+          </p:txBody>
+        </p:sp>
+        <p:sp>
+          <p:nvSpPr>
+            <p:cNvPr id="6" name="Pfeil nach unten 5"/>
+            <p:cNvSpPr/>
+            <p:nvPr/>
+          </p:nvSpPr>
+          <p:spPr bwMode="auto">
+            <a:xfrm>
+              <a:off x="6084243" y="3026632"/>
+              <a:ext cx="504056" cy="504056"/>
+            </a:xfrm>
+            <a:prstGeom prst="downArrow">
+              <a:avLst/>
+            </a:prstGeom>
+            <a:solidFill>
+              <a:schemeClr val="bg1">
+                <a:lumMod val="65000"/>
+              </a:schemeClr>
+            </a:solidFill>
+            <a:ln w="19050" cap="flat" cmpd="sng" algn="ctr">
+              <a:noFill/>
+              <a:prstDash val="solid"/>
+              <a:round/>
+              <a:headEnd type="none" w="med" len="med"/>
+              <a:tailEnd type="none" w="med" len="med"/>
+            </a:ln>
+            <a:effectLst/>
+          </p:spPr>
+          <p:txBody>
+            <a:bodyPr vert="horz" wrap="square" lIns="91440" tIns="45720" rIns="91440" bIns="45720" numCol="1" rtlCol="0" anchor="t" anchorCtr="0" compatLnSpc="1">
+              <a:prstTxWarp prst="textNoShape">
+                <a:avLst/>
+              </a:prstTxWarp>
+            </a:bodyPr>
+            <a:lstStyle/>
+            <a:p>
+              <a:pPr marL="0" marR="0" indent="0" algn="l" defTabSz="914400" rtl="0" eaLnBrk="1" fontAlgn="base" latinLnBrk="0" hangingPunct="1">
+                <a:lnSpc>
+                  <a:spcPct val="100000"/>
+                </a:lnSpc>
+                <a:spcBef>
+                  <a:spcPct val="0"/>
+                </a:spcBef>
+                <a:spcAft>
+                  <a:spcPct val="0"/>
+                </a:spcAft>
+                <a:buClrTx/>
+                <a:buSzTx/>
+                <a:buFontTx/>
+                <a:buNone/>
+                <a:tabLst/>
+              </a:pPr>
+              <a:endParaRPr kumimoji="0" lang="de-DE" sz="1600" b="0" i="0" u="none" strike="noStrike" cap="none" normalizeH="0" baseline="0" smtClean="0">
+                <a:ln>
+                  <a:noFill/>
+                </a:ln>
+                <a:solidFill>
+                  <a:schemeClr val="tx1"/>
+                </a:solidFill>
+                <a:effectLst/>
+                <a:latin typeface="Arial" charset="0"/>
+              </a:endParaRPr>
+            </a:p>
+          </p:txBody>
+        </p:sp>
+        <p:sp>
+          <p:nvSpPr>
+            <p:cNvPr id="7" name="Pfeil nach unten 6"/>
+            <p:cNvSpPr/>
+            <p:nvPr/>
+          </p:nvSpPr>
+          <p:spPr bwMode="auto">
+            <a:xfrm rot="10800000">
+              <a:off x="5436096" y="1415176"/>
+              <a:ext cx="504056" cy="716144"/>
+            </a:xfrm>
+            <a:prstGeom prst="downArrow">
+              <a:avLst/>
+            </a:prstGeom>
+            <a:solidFill>
+              <a:schemeClr val="bg1">
+                <a:lumMod val="65000"/>
+              </a:schemeClr>
+            </a:solidFill>
+            <a:ln w="19050" cap="flat" cmpd="sng" algn="ctr">
+              <a:noFill/>
+              <a:prstDash val="solid"/>
+              <a:round/>
+              <a:headEnd type="none" w="med" len="med"/>
+              <a:tailEnd type="none" w="med" len="med"/>
+            </a:ln>
+            <a:effectLst/>
+          </p:spPr>
+          <p:txBody>
+            <a:bodyPr vert="horz" wrap="square" lIns="91440" tIns="45720" rIns="91440" bIns="45720" numCol="1" rtlCol="0" anchor="t" anchorCtr="0" compatLnSpc="1">
+              <a:prstTxWarp prst="textNoShape">
+                <a:avLst/>
+              </a:prstTxWarp>
+            </a:bodyPr>
+            <a:lstStyle/>
+            <a:p>
+              <a:pPr marL="0" marR="0" indent="0" algn="l" defTabSz="914400" rtl="0" eaLnBrk="1" fontAlgn="base" latinLnBrk="0" hangingPunct="1">
+                <a:lnSpc>
+                  <a:spcPct val="100000"/>
+                </a:lnSpc>
+                <a:spcBef>
+                  <a:spcPct val="0"/>
+                </a:spcBef>
+                <a:spcAft>
+                  <a:spcPct val="0"/>
+                </a:spcAft>
+                <a:buClrTx/>
+                <a:buSzTx/>
+                <a:buFontTx/>
+                <a:buNone/>
+                <a:tabLst/>
+              </a:pPr>
+              <a:endParaRPr kumimoji="0" lang="de-DE" sz="1600" b="0" i="0" u="none" strike="noStrike" cap="none" normalizeH="0" baseline="0" smtClean="0">
+                <a:ln>
+                  <a:noFill/>
+                </a:ln>
+                <a:solidFill>
+                  <a:schemeClr val="tx1"/>
+                </a:solidFill>
+                <a:effectLst/>
+                <a:latin typeface="Arial" charset="0"/>
+              </a:endParaRPr>
+            </a:p>
+          </p:txBody>
+        </p:sp>
+        <p:sp>
+          <p:nvSpPr>
+            <p:cNvPr id="8" name="Rechteckiger Pfeil 7"/>
+            <p:cNvSpPr/>
+            <p:nvPr/>
+          </p:nvSpPr>
+          <p:spPr bwMode="auto">
+            <a:xfrm rot="5400000">
+              <a:off x="6777406" y="2955084"/>
+              <a:ext cx="1588111" cy="627301"/>
+            </a:xfrm>
+            <a:prstGeom prst="bentArrow">
+              <a:avLst>
+                <a:gd name="adj1" fmla="val 26910"/>
+                <a:gd name="adj2" fmla="val 19457"/>
+                <a:gd name="adj3" fmla="val 30433"/>
+                <a:gd name="adj4" fmla="val 20627"/>
+              </a:avLst>
+            </a:prstGeom>
+            <a:solidFill>
+              <a:schemeClr val="bg1">
+                <a:lumMod val="65000"/>
+              </a:schemeClr>
+            </a:solidFill>
+            <a:ln w="19050" cap="flat" cmpd="sng" algn="ctr">
+              <a:noFill/>
+              <a:prstDash val="solid"/>
+              <a:round/>
+              <a:headEnd type="none" w="med" len="med"/>
+              <a:tailEnd type="none" w="med" len="med"/>
+            </a:ln>
+            <a:effectLst/>
+          </p:spPr>
+          <p:txBody>
+            <a:bodyPr vert="horz" wrap="square" lIns="91440" tIns="45720" rIns="91440" bIns="45720" numCol="1" rtlCol="0" anchor="t" anchorCtr="0" compatLnSpc="1">
+              <a:prstTxWarp prst="textNoShape">
+                <a:avLst/>
+              </a:prstTxWarp>
+            </a:bodyPr>
+            <a:lstStyle/>
+            <a:p>
+              <a:pPr marL="0" marR="0" indent="0" algn="l" defTabSz="914400" rtl="0" eaLnBrk="1" fontAlgn="base" latinLnBrk="0" hangingPunct="1">
+                <a:lnSpc>
+                  <a:spcPct val="100000"/>
+                </a:lnSpc>
+                <a:spcBef>
+                  <a:spcPct val="0"/>
+                </a:spcBef>
+                <a:spcAft>
+                  <a:spcPct val="0"/>
+                </a:spcAft>
+                <a:buClrTx/>
+                <a:buSzTx/>
+                <a:buFontTx/>
+                <a:buNone/>
+                <a:tabLst/>
+              </a:pPr>
+              <a:endParaRPr kumimoji="0" lang="de-DE" sz="1600" b="0" i="0" u="none" strike="noStrike" cap="none" normalizeH="0" baseline="0" smtClean="0">
+                <a:ln>
+                  <a:noFill/>
+                </a:ln>
+                <a:solidFill>
+                  <a:schemeClr val="tx1"/>
+                </a:solidFill>
+                <a:effectLst/>
+                <a:latin typeface="Arial" charset="0"/>
+              </a:endParaRPr>
+            </a:p>
+          </p:txBody>
+        </p:sp>
+        <p:sp>
+          <p:nvSpPr>
+            <p:cNvPr id="9" name="Pfeil nach unten 8"/>
+            <p:cNvSpPr/>
+            <p:nvPr/>
+          </p:nvSpPr>
+          <p:spPr bwMode="auto">
+            <a:xfrm rot="16200000">
+              <a:off x="7819210" y="3475286"/>
+              <a:ext cx="461231" cy="720081"/>
+            </a:xfrm>
+            <a:prstGeom prst="downArrow">
+              <a:avLst>
+                <a:gd name="adj1" fmla="val 100000"/>
+                <a:gd name="adj2" fmla="val 64349"/>
+              </a:avLst>
+            </a:prstGeom>
+            <a:solidFill>
+              <a:schemeClr val="bg1">
+                <a:lumMod val="65000"/>
+              </a:schemeClr>
+            </a:solidFill>
+            <a:ln w="3175" cap="flat" cmpd="sng" algn="ctr">
+              <a:solidFill>
+                <a:schemeClr val="bg1">
+                  <a:lumMod val="65000"/>
+                </a:schemeClr>
+              </a:solidFill>
+              <a:prstDash val="solid"/>
+              <a:round/>
+              <a:headEnd type="none" w="med" len="med"/>
+              <a:tailEnd type="none" w="med" len="med"/>
+            </a:ln>
+            <a:effectLst/>
+          </p:spPr>
+          <p:txBody>
+            <a:bodyPr vert="horz" wrap="square" lIns="91440" tIns="45720" rIns="91440" bIns="45720" numCol="1" rtlCol="0" anchor="t" anchorCtr="0" compatLnSpc="1">
+              <a:prstTxWarp prst="textNoShape">
+                <a:avLst/>
+              </a:prstTxWarp>
+            </a:bodyPr>
+            <a:lstStyle/>
+            <a:p>
+              <a:pPr marL="0" marR="0" indent="0" algn="l" defTabSz="914400" rtl="0" eaLnBrk="1" fontAlgn="base" latinLnBrk="0" hangingPunct="1">
+                <a:lnSpc>
+                  <a:spcPct val="100000"/>
+                </a:lnSpc>
+                <a:spcBef>
+                  <a:spcPct val="0"/>
+                </a:spcBef>
+                <a:spcAft>
+                  <a:spcPct val="0"/>
+                </a:spcAft>
+                <a:buClrTx/>
+                <a:buSzTx/>
+                <a:buFontTx/>
+                <a:buNone/>
+                <a:tabLst/>
+              </a:pPr>
+              <a:endParaRPr kumimoji="0" lang="de-DE" sz="1600" b="0" i="0" u="none" strike="noStrike" cap="none" normalizeH="0" baseline="0" smtClean="0">
+                <a:ln>
+                  <a:noFill/>
+                </a:ln>
+                <a:solidFill>
+                  <a:schemeClr val="tx1"/>
+                </a:solidFill>
+                <a:effectLst/>
+                <a:latin typeface="Arial" charset="0"/>
+              </a:endParaRPr>
+            </a:p>
+          </p:txBody>
+        </p:sp>
+        <p:sp>
+          <p:nvSpPr>
+            <p:cNvPr id="11" name="Rechteck 10"/>
+            <p:cNvSpPr/>
+            <p:nvPr/>
+          </p:nvSpPr>
+          <p:spPr bwMode="auto">
+            <a:xfrm>
+              <a:off x="5436171" y="3546232"/>
+              <a:ext cx="1790471" cy="791840"/>
+            </a:xfrm>
+            <a:prstGeom prst="rect">
+              <a:avLst/>
+            </a:prstGeom>
+            <a:solidFill>
+              <a:srgbClr val="2B5681"/>
+            </a:solidFill>
+            <a:ln w="38100" cap="flat" cmpd="sng" algn="ctr">
+              <a:solidFill>
+                <a:srgbClr val="C00000"/>
+              </a:solidFill>
+              <a:prstDash val="solid"/>
+              <a:round/>
+              <a:headEnd type="none" w="med" len="med"/>
+              <a:tailEnd type="none" w="med" len="med"/>
+            </a:ln>
+            <a:effectLst/>
+          </p:spPr>
+          <p:txBody>
+            <a:bodyPr vert="horz" wrap="square" lIns="91440" tIns="45720" rIns="91440" bIns="45720" numCol="1" rtlCol="0" anchor="ctr" anchorCtr="0" compatLnSpc="1">
+              <a:prstTxWarp prst="textNoShape">
+                <a:avLst/>
+              </a:prstTxWarp>
+            </a:bodyPr>
+            <a:lstStyle/>
+            <a:p>
+              <a:pPr marL="0" marR="0" indent="0" algn="ctr" defTabSz="914400" rtl="0" eaLnBrk="1" fontAlgn="base" latinLnBrk="0" hangingPunct="1">
+                <a:lnSpc>
+                  <a:spcPct val="100000"/>
+                </a:lnSpc>
+                <a:spcBef>
+                  <a:spcPct val="0"/>
+                </a:spcBef>
+                <a:spcAft>
+                  <a:spcPct val="0"/>
+                </a:spcAft>
+                <a:buClrTx/>
+                <a:buSzTx/>
+                <a:buFontTx/>
+                <a:buNone/>
+                <a:tabLst/>
+              </a:pPr>
+              <a:r>
+                <a:rPr kumimoji="0" lang="de-DE" b="0" i="0" u="none" strike="noStrike" cap="none" normalizeH="0" baseline="0" dirty="0" smtClean="0">
+                  <a:ln>
+                    <a:noFill/>
+                  </a:ln>
+                  <a:solidFill>
+                    <a:schemeClr val="bg1"/>
+                  </a:solidFill>
+                  <a:effectLst/>
+                  <a:latin typeface="Calibri" pitchFamily="34" charset="0"/>
+                </a:rPr>
+                <a:t>Grundwasser-</a:t>
+              </a:r>
+              <a:br>
+                <a:rPr kumimoji="0" lang="de-DE" b="0" i="0" u="none" strike="noStrike" cap="none" normalizeH="0" baseline="0" dirty="0" smtClean="0">
+                  <a:ln>
+                    <a:noFill/>
+                  </a:ln>
+                  <a:solidFill>
+                    <a:schemeClr val="bg1"/>
+                  </a:solidFill>
+                  <a:effectLst/>
+                  <a:latin typeface="Calibri" pitchFamily="34" charset="0"/>
+                </a:rPr>
+              </a:br>
+              <a:r>
+                <a:rPr kumimoji="0" lang="de-DE" b="0" i="0" u="none" strike="noStrike" cap="none" normalizeH="0" baseline="0" dirty="0" smtClean="0">
+                  <a:ln>
+                    <a:noFill/>
+                  </a:ln>
+                  <a:solidFill>
+                    <a:schemeClr val="bg1"/>
+                  </a:solidFill>
+                  <a:effectLst/>
+                  <a:latin typeface="Calibri" pitchFamily="34" charset="0"/>
+                </a:rPr>
+                <a:t>speicher G</a:t>
+              </a:r>
+            </a:p>
+          </p:txBody>
+        </p:sp>
+        <p:sp>
+          <p:nvSpPr>
+            <p:cNvPr id="12" name="Textfeld 11"/>
+            <p:cNvSpPr txBox="1"/>
+            <p:nvPr/>
+          </p:nvSpPr>
+          <p:spPr>
+            <a:xfrm>
+              <a:off x="5364088" y="1403544"/>
+              <a:ext cx="2160786" cy="338554"/>
+            </a:xfrm>
+            <a:prstGeom prst="rect">
+              <a:avLst/>
+            </a:prstGeom>
+            <a:noFill/>
+          </p:spPr>
+          <p:txBody>
+            <a:bodyPr wrap="square" rtlCol="0">
+              <a:spAutoFit/>
+            </a:bodyPr>
+            <a:lstStyle/>
+            <a:p>
+              <a:r>
+                <a:rPr lang="de-DE" dirty="0" smtClean="0">
+                  <a:latin typeface="Calibri" pitchFamily="34" charset="0"/>
+                </a:rPr>
+                <a:t>Verdunstung ET</a:t>
+              </a:r>
+              <a:endParaRPr lang="de-DE" dirty="0">
+                <a:latin typeface="Calibri" pitchFamily="34" charset="0"/>
+              </a:endParaRPr>
+            </a:p>
+          </p:txBody>
+        </p:sp>
+        <p:sp>
+          <p:nvSpPr>
+            <p:cNvPr id="14" name="Textfeld 13"/>
+            <p:cNvSpPr txBox="1"/>
+            <p:nvPr/>
+          </p:nvSpPr>
+          <p:spPr>
+            <a:xfrm>
+              <a:off x="6463738" y="2990641"/>
+              <a:ext cx="2160786" cy="584775"/>
+            </a:xfrm>
+            <a:prstGeom prst="rect">
+              <a:avLst/>
+            </a:prstGeom>
+            <a:noFill/>
+          </p:spPr>
+          <p:txBody>
+            <a:bodyPr wrap="square" rtlCol="0">
+              <a:spAutoFit/>
+            </a:bodyPr>
+            <a:lstStyle/>
+            <a:p>
+              <a:r>
+                <a:rPr lang="de-DE" dirty="0" smtClean="0">
+                  <a:latin typeface="Calibri" pitchFamily="34" charset="0"/>
+                </a:rPr>
+                <a:t>Grundwasser-</a:t>
+              </a:r>
+              <a:br>
+                <a:rPr lang="de-DE" dirty="0" smtClean="0">
+                  <a:latin typeface="Calibri" pitchFamily="34" charset="0"/>
+                </a:rPr>
+              </a:br>
+              <a:r>
+                <a:rPr lang="de-DE" dirty="0" err="1" smtClean="0">
+                  <a:latin typeface="Calibri" pitchFamily="34" charset="0"/>
+                </a:rPr>
+                <a:t>neubildung</a:t>
+              </a:r>
+              <a:r>
+                <a:rPr lang="de-DE" dirty="0" smtClean="0">
+                  <a:latin typeface="Calibri" pitchFamily="34" charset="0"/>
+                </a:rPr>
+                <a:t> RG</a:t>
+              </a:r>
+              <a:endParaRPr lang="de-DE" dirty="0">
+                <a:latin typeface="Calibri" pitchFamily="34" charset="0"/>
+              </a:endParaRPr>
+            </a:p>
+          </p:txBody>
+        </p:sp>
+        <p:sp>
+          <p:nvSpPr>
+            <p:cNvPr id="15" name="Textfeld 14"/>
+            <p:cNvSpPr txBox="1"/>
+            <p:nvPr/>
+          </p:nvSpPr>
+          <p:spPr>
+            <a:xfrm>
+              <a:off x="7308304" y="2421384"/>
+              <a:ext cx="1584176" cy="338554"/>
+            </a:xfrm>
+            <a:prstGeom prst="rect">
+              <a:avLst/>
+            </a:prstGeom>
+            <a:noFill/>
+          </p:spPr>
+          <p:txBody>
+            <a:bodyPr wrap="square" rtlCol="0">
+              <a:spAutoFit/>
+            </a:bodyPr>
+            <a:lstStyle/>
+            <a:p>
+              <a:r>
+                <a:rPr lang="de-DE" dirty="0" smtClean="0">
+                  <a:latin typeface="Calibri" pitchFamily="34" charset="0"/>
+                </a:rPr>
+                <a:t>Direktabfluss QD </a:t>
+              </a:r>
+              <a:endParaRPr lang="de-DE" dirty="0">
+                <a:latin typeface="Calibri" pitchFamily="34" charset="0"/>
+              </a:endParaRPr>
+            </a:p>
+          </p:txBody>
+        </p:sp>
+        <p:sp>
+          <p:nvSpPr>
+            <p:cNvPr id="16" name="Textfeld 15"/>
+            <p:cNvSpPr txBox="1"/>
+            <p:nvPr/>
+          </p:nvSpPr>
+          <p:spPr>
+            <a:xfrm>
+              <a:off x="7919318" y="3678638"/>
+              <a:ext cx="1117178" cy="338554"/>
+            </a:xfrm>
+            <a:prstGeom prst="rect">
+              <a:avLst/>
+            </a:prstGeom>
+            <a:noFill/>
+          </p:spPr>
+          <p:txBody>
+            <a:bodyPr wrap="square" rtlCol="0">
+              <a:spAutoFit/>
+            </a:bodyPr>
+            <a:lstStyle/>
+            <a:p>
+              <a:r>
+                <a:rPr lang="de-DE" dirty="0" smtClean="0">
+                  <a:latin typeface="Calibri" pitchFamily="34" charset="0"/>
+                </a:rPr>
+                <a:t>Abfluss  Q</a:t>
+              </a:r>
+              <a:endParaRPr lang="de-DE" dirty="0">
+                <a:latin typeface="Calibri" pitchFamily="34" charset="0"/>
+              </a:endParaRPr>
+            </a:p>
+          </p:txBody>
+        </p:sp>
+        <p:sp>
+          <p:nvSpPr>
+            <p:cNvPr id="17" name="Rechteck 16"/>
+            <p:cNvSpPr/>
+            <p:nvPr/>
+          </p:nvSpPr>
+          <p:spPr bwMode="auto">
+            <a:xfrm>
+              <a:off x="5435724" y="2203330"/>
+              <a:ext cx="1790471" cy="791840"/>
+            </a:xfrm>
+            <a:prstGeom prst="rect">
+              <a:avLst/>
+            </a:prstGeom>
+            <a:solidFill>
+              <a:schemeClr val="accent5">
+                <a:lumMod val="50000"/>
+              </a:schemeClr>
+            </a:solidFill>
+            <a:ln w="38100" cap="flat" cmpd="sng" algn="ctr">
+              <a:solidFill>
+                <a:srgbClr val="C00000"/>
+              </a:solidFill>
+              <a:prstDash val="solid"/>
+              <a:round/>
+              <a:headEnd type="none" w="med" len="med"/>
+              <a:tailEnd type="none" w="med" len="med"/>
+            </a:ln>
+            <a:effectLst/>
+          </p:spPr>
+          <p:txBody>
+            <a:bodyPr vert="horz" wrap="square" lIns="91440" tIns="45720" rIns="91440" bIns="45720" numCol="1" rtlCol="0" anchor="ctr" anchorCtr="0" compatLnSpc="1">
+              <a:prstTxWarp prst="textNoShape">
+                <a:avLst/>
+              </a:prstTxWarp>
+            </a:bodyPr>
+            <a:lstStyle/>
+            <a:p>
+              <a:pPr marL="0" marR="0" indent="0" algn="ctr" defTabSz="914400" rtl="0" eaLnBrk="1" fontAlgn="base" latinLnBrk="0" hangingPunct="1">
+                <a:lnSpc>
+                  <a:spcPct val="100000"/>
+                </a:lnSpc>
+                <a:spcBef>
+                  <a:spcPct val="0"/>
+                </a:spcBef>
+                <a:spcAft>
+                  <a:spcPct val="0"/>
+                </a:spcAft>
+                <a:buClrTx/>
+                <a:buSzTx/>
+                <a:buFontTx/>
+                <a:buNone/>
+                <a:tabLst/>
+              </a:pPr>
+              <a:r>
+                <a:rPr kumimoji="0" lang="de-DE" b="0" i="0" u="none" strike="noStrike" cap="none" normalizeH="0" baseline="0" dirty="0" smtClean="0">
+                  <a:ln>
+                    <a:noFill/>
+                  </a:ln>
+                  <a:solidFill>
+                    <a:schemeClr val="bg1"/>
+                  </a:solidFill>
+                  <a:effectLst/>
+                  <a:latin typeface="Calibri" pitchFamily="34" charset="0"/>
+                </a:rPr>
+                <a:t>Bodenwasser-</a:t>
+              </a:r>
+              <a:br>
+                <a:rPr kumimoji="0" lang="de-DE" b="0" i="0" u="none" strike="noStrike" cap="none" normalizeH="0" baseline="0" dirty="0" smtClean="0">
+                  <a:ln>
+                    <a:noFill/>
+                  </a:ln>
+                  <a:solidFill>
+                    <a:schemeClr val="bg1"/>
+                  </a:solidFill>
+                  <a:effectLst/>
+                  <a:latin typeface="Calibri" pitchFamily="34" charset="0"/>
+                </a:rPr>
+              </a:br>
+              <a:r>
+                <a:rPr kumimoji="0" lang="de-DE" b="0" i="0" u="none" strike="noStrike" cap="none" normalizeH="0" baseline="0" dirty="0" smtClean="0">
+                  <a:ln>
+                    <a:noFill/>
+                  </a:ln>
+                  <a:solidFill>
+                    <a:schemeClr val="bg1"/>
+                  </a:solidFill>
+                  <a:effectLst/>
+                  <a:latin typeface="Calibri" pitchFamily="34" charset="0"/>
+                </a:rPr>
+                <a:t>speicher S</a:t>
+              </a:r>
+            </a:p>
+          </p:txBody>
+        </p:sp>
+        <p:sp>
+          <p:nvSpPr>
+            <p:cNvPr id="18" name="Pfeil nach unten 17"/>
+            <p:cNvSpPr/>
+            <p:nvPr/>
+          </p:nvSpPr>
+          <p:spPr bwMode="auto">
+            <a:xfrm>
+              <a:off x="6732239" y="1434292"/>
+              <a:ext cx="504056" cy="720080"/>
+            </a:xfrm>
+            <a:prstGeom prst="downArrow">
+              <a:avLst/>
+            </a:prstGeom>
+            <a:solidFill>
+              <a:schemeClr val="bg1">
+                <a:lumMod val="65000"/>
+              </a:schemeClr>
+            </a:solidFill>
+            <a:ln w="19050" cap="flat" cmpd="sng" algn="ctr">
+              <a:noFill/>
+              <a:prstDash val="solid"/>
+              <a:round/>
+              <a:headEnd type="none" w="med" len="med"/>
+              <a:tailEnd type="none" w="med" len="med"/>
+            </a:ln>
+            <a:effectLst/>
+          </p:spPr>
+          <p:txBody>
+            <a:bodyPr vert="horz" wrap="square" lIns="91440" tIns="45720" rIns="91440" bIns="45720" numCol="1" rtlCol="0" anchor="t" anchorCtr="0" compatLnSpc="1">
+              <a:prstTxWarp prst="textNoShape">
+                <a:avLst/>
+              </a:prstTxWarp>
+            </a:bodyPr>
+            <a:lstStyle/>
+            <a:p>
+              <a:pPr marL="0" marR="0" indent="0" algn="l" defTabSz="914400" rtl="0" eaLnBrk="1" fontAlgn="base" latinLnBrk="0" hangingPunct="1">
+                <a:lnSpc>
+                  <a:spcPct val="100000"/>
+                </a:lnSpc>
+                <a:spcBef>
+                  <a:spcPct val="0"/>
+                </a:spcBef>
+                <a:spcAft>
+                  <a:spcPct val="0"/>
+                </a:spcAft>
+                <a:buClrTx/>
+                <a:buSzTx/>
+                <a:buFontTx/>
+                <a:buNone/>
+                <a:tabLst/>
+              </a:pPr>
+              <a:endParaRPr kumimoji="0" lang="de-DE" sz="1600" b="0" i="0" u="none" strike="noStrike" cap="none" normalizeH="0" baseline="0" smtClean="0">
+                <a:ln>
+                  <a:noFill/>
+                </a:ln>
+                <a:solidFill>
+                  <a:schemeClr val="tx1"/>
+                </a:solidFill>
+                <a:effectLst/>
+                <a:latin typeface="Arial" charset="0"/>
+              </a:endParaRPr>
+            </a:p>
+          </p:txBody>
+        </p:sp>
+        <p:sp>
+          <p:nvSpPr>
+            <p:cNvPr id="19" name="Textfeld 18"/>
+            <p:cNvSpPr txBox="1"/>
+            <p:nvPr/>
+          </p:nvSpPr>
+          <p:spPr>
+            <a:xfrm>
+              <a:off x="6399480" y="1839370"/>
+              <a:ext cx="1872209" cy="338554"/>
+            </a:xfrm>
+            <a:prstGeom prst="rect">
+              <a:avLst/>
+            </a:prstGeom>
+            <a:noFill/>
+            <a:ln w="28575">
+              <a:noFill/>
+              <a:prstDash val="sysDash"/>
+            </a:ln>
+          </p:spPr>
+          <p:txBody>
+            <a:bodyPr wrap="square" rtlCol="0">
+              <a:spAutoFit/>
+            </a:bodyPr>
+            <a:lstStyle/>
+            <a:p>
+              <a:pPr algn="ctr"/>
+              <a:r>
+                <a:rPr lang="de-DE" dirty="0" smtClean="0">
+                  <a:latin typeface="Calibri" pitchFamily="34" charset="0"/>
+                </a:rPr>
+                <a:t>Niederschlag P</a:t>
+              </a:r>
+              <a:endParaRPr lang="de-DE" dirty="0">
+                <a:latin typeface="Calibri" pitchFamily="34" charset="0"/>
+              </a:endParaRPr>
+            </a:p>
+          </p:txBody>
+        </p:sp>
+        <p:sp>
+          <p:nvSpPr>
+            <p:cNvPr id="20" name="Textfeld 19"/>
+            <p:cNvSpPr txBox="1"/>
+            <p:nvPr/>
+          </p:nvSpPr>
+          <p:spPr>
+            <a:xfrm>
+              <a:off x="7236296" y="4026550"/>
+              <a:ext cx="1512094" cy="338554"/>
+            </a:xfrm>
+            <a:prstGeom prst="rect">
+              <a:avLst/>
+            </a:prstGeom>
+            <a:noFill/>
+          </p:spPr>
+          <p:txBody>
+            <a:bodyPr wrap="square" rtlCol="0">
+              <a:spAutoFit/>
+            </a:bodyPr>
+            <a:lstStyle/>
+            <a:p>
+              <a:r>
+                <a:rPr lang="de-DE" dirty="0" smtClean="0">
+                  <a:latin typeface="Calibri" pitchFamily="34" charset="0"/>
+                </a:rPr>
+                <a:t>Basisabfluss QB </a:t>
+              </a:r>
+              <a:endParaRPr lang="de-DE" dirty="0">
+                <a:latin typeface="Calibri" pitchFamily="34" charset="0"/>
+              </a:endParaRPr>
+            </a:p>
+          </p:txBody>
+        </p:sp>
+        <p:sp>
+          <p:nvSpPr>
+            <p:cNvPr id="21" name="Textfeld 20"/>
+            <p:cNvSpPr txBox="1"/>
+            <p:nvPr/>
+          </p:nvSpPr>
+          <p:spPr>
+            <a:xfrm>
+              <a:off x="7164288" y="1412776"/>
+              <a:ext cx="1584325" cy="461665"/>
+            </a:xfrm>
+            <a:prstGeom prst="rect">
+              <a:avLst/>
+            </a:prstGeom>
+            <a:noFill/>
+          </p:spPr>
+          <p:txBody>
+            <a:bodyPr wrap="square" rtlCol="0">
+              <a:spAutoFit/>
+            </a:bodyPr>
+            <a:lstStyle/>
+            <a:p>
+              <a:pPr algn="r"/>
+              <a:r>
+                <a:rPr lang="de-DE" sz="2400" b="1" dirty="0" smtClean="0">
+                  <a:solidFill>
+                    <a:srgbClr val="2B5681"/>
+                  </a:solidFill>
+                  <a:latin typeface="Calibri" pitchFamily="34" charset="0"/>
+                </a:rPr>
+                <a:t>abcd</a:t>
+              </a:r>
+              <a:endParaRPr lang="de-DE" sz="2400" b="1" dirty="0">
+                <a:solidFill>
+                  <a:srgbClr val="2B5681"/>
+                </a:solidFill>
+                <a:latin typeface="Calibri" pitchFamily="34" charset="0"/>
+              </a:endParaRPr>
+            </a:p>
+          </p:txBody>
+        </p:sp>
+      </p:grpSp>
+      <p:sp>
+        <p:nvSpPr>
+          <p:cNvPr id="23" name="Textfeld 22"/>
+          <p:cNvSpPr txBox="1"/>
+          <p:nvPr/>
+        </p:nvSpPr>
+        <p:spPr>
+          <a:xfrm>
+            <a:off x="250825" y="1484784"/>
+            <a:ext cx="5473303" cy="1785104"/>
+          </a:xfrm>
+          <a:prstGeom prst="rect">
+            <a:avLst/>
+          </a:prstGeom>
+          <a:noFill/>
+        </p:spPr>
+        <p:txBody>
+          <a:bodyPr wrap="square" rtlCol="0">
+            <a:spAutoFit/>
+          </a:bodyPr>
+          <a:lstStyle/>
+          <a:p>
+            <a:pPr marL="355600" indent="-355600">
+              <a:spcAft>
+                <a:spcPts val="600"/>
+              </a:spcAft>
+              <a:buFont typeface="Wingdings" pitchFamily="2" charset="2"/>
+              <a:buChar char=""/>
+            </a:pPr>
+            <a:r>
+              <a:rPr lang="de-DE" sz="2000" dirty="0" smtClean="0">
+                <a:latin typeface="Calibri" pitchFamily="34" charset="0"/>
+              </a:rPr>
+              <a:t>Massenerhaltung als Grundprinzip</a:t>
+            </a:r>
+          </a:p>
+          <a:p>
+            <a:pPr marL="355600" indent="-355600">
+              <a:spcAft>
+                <a:spcPts val="600"/>
+              </a:spcAft>
+              <a:buFont typeface="Wingdings" pitchFamily="2" charset="2"/>
+              <a:buChar char=""/>
+            </a:pPr>
+            <a:r>
+              <a:rPr lang="de-DE" sz="2000" dirty="0" smtClean="0">
+                <a:latin typeface="Calibri" pitchFamily="34" charset="0"/>
+              </a:rPr>
+              <a:t>Einfluss der Gebietsfeuchte</a:t>
+            </a:r>
+            <a:br>
+              <a:rPr lang="de-DE" sz="2000" dirty="0" smtClean="0">
+                <a:latin typeface="Calibri" pitchFamily="34" charset="0"/>
+              </a:rPr>
+            </a:br>
+            <a:r>
+              <a:rPr lang="de-DE" sz="2000" dirty="0" smtClean="0">
+                <a:latin typeface="Calibri" pitchFamily="34" charset="0"/>
+              </a:rPr>
+              <a:t>auf Abflussbildung</a:t>
+            </a:r>
+          </a:p>
+          <a:p>
+            <a:pPr marL="355600" indent="-355600">
+              <a:spcAft>
+                <a:spcPts val="600"/>
+              </a:spcAft>
+              <a:buFont typeface="Wingdings" pitchFamily="2" charset="2"/>
+              <a:buChar char=""/>
+            </a:pPr>
+            <a:r>
+              <a:rPr lang="de-DE" sz="2000" dirty="0" smtClean="0">
+                <a:latin typeface="Calibri" pitchFamily="34" charset="0"/>
+              </a:rPr>
+              <a:t>Abbildung physikalischer Prozesse </a:t>
+            </a:r>
+            <a:br>
+              <a:rPr lang="de-DE" sz="2000" dirty="0" smtClean="0">
+                <a:latin typeface="Calibri" pitchFamily="34" charset="0"/>
+              </a:rPr>
+            </a:br>
+            <a:r>
+              <a:rPr lang="de-DE" sz="2000" dirty="0" smtClean="0">
+                <a:latin typeface="Calibri" pitchFamily="34" charset="0"/>
+              </a:rPr>
+              <a:t>(hier: Verdunstung)</a:t>
+            </a:r>
+          </a:p>
+        </p:txBody>
+      </p:sp>
+      <p:sp>
+        <p:nvSpPr>
+          <p:cNvPr id="25" name="Textfeld 24"/>
+          <p:cNvSpPr txBox="1"/>
+          <p:nvPr/>
+        </p:nvSpPr>
+        <p:spPr>
+          <a:xfrm>
+            <a:off x="250825" y="3809940"/>
+            <a:ext cx="4896544" cy="400110"/>
+          </a:xfrm>
+          <a:prstGeom prst="rect">
+            <a:avLst/>
+          </a:prstGeom>
+          <a:noFill/>
+        </p:spPr>
+        <p:txBody>
+          <a:bodyPr wrap="square" rtlCol="0">
+            <a:spAutoFit/>
+          </a:bodyPr>
+          <a:lstStyle/>
+          <a:p>
+            <a:r>
+              <a:rPr lang="de-DE" sz="2000" b="1" dirty="0" smtClean="0">
+                <a:latin typeface="Calibri" pitchFamily="34" charset="0"/>
+              </a:rPr>
+              <a:t>Parameter des abcd-Modells </a:t>
+            </a:r>
+            <a:endParaRPr lang="de-DE" sz="2000" b="1" dirty="0">
+              <a:latin typeface="Calibri" pitchFamily="34" charset="0"/>
+            </a:endParaRPr>
+          </a:p>
+        </p:txBody>
+      </p:sp>
+      <p:sp>
+        <p:nvSpPr>
+          <p:cNvPr id="26" name="Textfeld 25"/>
+          <p:cNvSpPr txBox="1"/>
+          <p:nvPr/>
+        </p:nvSpPr>
+        <p:spPr>
+          <a:xfrm>
+            <a:off x="250825" y="4250992"/>
+            <a:ext cx="6625431" cy="1554272"/>
+          </a:xfrm>
+          <a:prstGeom prst="rect">
+            <a:avLst/>
+          </a:prstGeom>
+          <a:noFill/>
+        </p:spPr>
+        <p:txBody>
+          <a:bodyPr wrap="square" rtlCol="0">
+            <a:spAutoFit/>
+          </a:bodyPr>
+          <a:lstStyle/>
+          <a:p>
+            <a:pPr marL="355600" indent="-355600">
+              <a:spcAft>
+                <a:spcPts val="600"/>
+              </a:spcAft>
+              <a:buFont typeface="+mj-lt"/>
+              <a:buAutoNum type="alphaLcPeriod"/>
+            </a:pPr>
+            <a:r>
+              <a:rPr lang="de-DE" sz="2000" dirty="0" smtClean="0">
+                <a:latin typeface="Calibri" pitchFamily="34" charset="0"/>
+              </a:rPr>
+              <a:t>Neigung zur Direktabflussbildung</a:t>
+            </a:r>
+          </a:p>
+          <a:p>
+            <a:pPr marL="355600" indent="-355600">
+              <a:spcAft>
+                <a:spcPts val="600"/>
+              </a:spcAft>
+              <a:buFont typeface="+mj-lt"/>
+              <a:buAutoNum type="alphaLcPeriod"/>
+            </a:pPr>
+            <a:r>
+              <a:rPr lang="de-DE" sz="2000" dirty="0" smtClean="0">
+                <a:latin typeface="Calibri" pitchFamily="34" charset="0"/>
+              </a:rPr>
+              <a:t>Effektive Speicherkapazität des Bodens</a:t>
+            </a:r>
+          </a:p>
+          <a:p>
+            <a:pPr marL="355600" indent="-355600">
+              <a:spcAft>
+                <a:spcPts val="600"/>
+              </a:spcAft>
+              <a:buFont typeface="+mj-lt"/>
+              <a:buAutoNum type="alphaLcPeriod"/>
+            </a:pPr>
+            <a:r>
+              <a:rPr lang="de-DE" sz="2000" dirty="0" smtClean="0">
+                <a:latin typeface="Calibri" pitchFamily="34" charset="0"/>
+              </a:rPr>
+              <a:t>Aufteilung zwischen GW-Neubildung und Direktabfluss</a:t>
+            </a:r>
+          </a:p>
+          <a:p>
+            <a:pPr marL="355600" indent="-355600">
+              <a:spcAft>
+                <a:spcPts val="600"/>
+              </a:spcAft>
+              <a:buFont typeface="+mj-lt"/>
+              <a:buAutoNum type="alphaLcPeriod"/>
+            </a:pPr>
+            <a:r>
+              <a:rPr lang="de-DE" sz="2000" dirty="0" smtClean="0">
+                <a:latin typeface="Calibri" pitchFamily="34" charset="0"/>
+              </a:rPr>
+              <a:t>Rezessionskonstante für  Basisabfluss</a:t>
+            </a:r>
+          </a:p>
+        </p:txBody>
+      </p:sp>
+    </p:spTree>
+  </p:cSld>
+  <p:clrMapOvr>
+    <a:masterClrMapping/>
+  </p:clrMapOvr>
+  <p:transition>
+    <p:zoom/>
+  </p:transition>
+  <p:timing>
+    <p:tnLst>
+      <p:par>
+        <p:cTn id="1" dur="indefinite" restart="never" nodeType="tmRoot">
+          <p:childTnLst>
+            <p:seq concurrent="1" nextAc="seek">
+              <p:cTn id="2" dur="indefinite" nodeType="mainSeq">
+                <p:childTnLst>
+                  <p:par>
+                    <p:cTn id="3" fill="hold">
+                      <p:stCondLst>
+                        <p:cond delay="indefinite"/>
+                      </p:stCondLst>
+                      <p:childTnLst>
+                        <p:par>
+                          <p:cTn id="4" fill="hold">
+                            <p:stCondLst>
+                              <p:cond delay="0"/>
+                            </p:stCondLst>
+                            <p:childTnLst>
+                              <p:par>
+                                <p:cTn id="5" presetID="22" presetClass="entr" presetSubtype="1" fill="hold" grpId="0" nodeType="clickEffect">
+                                  <p:stCondLst>
+                                    <p:cond delay="0"/>
+                                  </p:stCondLst>
+                                  <p:childTnLst>
+                                    <p:set>
+                                      <p:cBhvr>
+                                        <p:cTn id="6" dur="1" fill="hold">
+                                          <p:stCondLst>
+                                            <p:cond delay="0"/>
+                                          </p:stCondLst>
+                                        </p:cTn>
+                                        <p:tgtEl>
+                                          <p:spTgt spid="23"/>
+                                        </p:tgtEl>
+                                        <p:attrNameLst>
+                                          <p:attrName>style.visibility</p:attrName>
+                                        </p:attrNameLst>
+                                      </p:cBhvr>
+                                      <p:to>
+                                        <p:strVal val="visible"/>
+                                      </p:to>
+                                    </p:set>
+                                    <p:animEffect transition="in" filter="wipe(up)">
+                                      <p:cBhvr>
+                                        <p:cTn id="7" dur="500"/>
+                                        <p:tgtEl>
+                                          <p:spTgt spid="23"/>
+                                        </p:tgtEl>
+                                      </p:cBhvr>
+                                    </p:animEffect>
+                                  </p:childTnLst>
+                                </p:cTn>
+                              </p:par>
+                            </p:childTnLst>
+                          </p:cTn>
+                        </p:par>
+                      </p:childTnLst>
+                    </p:cTn>
+                  </p:par>
+                  <p:par>
+                    <p:cTn id="8" fill="hold">
+                      <p:stCondLst>
+                        <p:cond delay="indefinite"/>
+                      </p:stCondLst>
+                      <p:childTnLst>
+                        <p:par>
+                          <p:cTn id="9" fill="hold">
+                            <p:stCondLst>
+                              <p:cond delay="0"/>
+                            </p:stCondLst>
+                            <p:childTnLst>
+                              <p:par>
+                                <p:cTn id="10" presetID="22" presetClass="entr" presetSubtype="8" fill="hold" grpId="0" nodeType="clickEffect">
+                                  <p:stCondLst>
+                                    <p:cond delay="0"/>
+                                  </p:stCondLst>
+                                  <p:childTnLst>
+                                    <p:set>
+                                      <p:cBhvr>
+                                        <p:cTn id="11" dur="1" fill="hold">
+                                          <p:stCondLst>
+                                            <p:cond delay="0"/>
+                                          </p:stCondLst>
+                                        </p:cTn>
+                                        <p:tgtEl>
+                                          <p:spTgt spid="25"/>
+                                        </p:tgtEl>
+                                        <p:attrNameLst>
+                                          <p:attrName>style.visibility</p:attrName>
+                                        </p:attrNameLst>
+                                      </p:cBhvr>
+                                      <p:to>
+                                        <p:strVal val="visible"/>
+                                      </p:to>
+                                    </p:set>
+                                    <p:animEffect transition="in" filter="wipe(left)">
+                                      <p:cBhvr>
+                                        <p:cTn id="12" dur="500"/>
+                                        <p:tgtEl>
+                                          <p:spTgt spid="25"/>
+                                        </p:tgtEl>
+                                      </p:cBhvr>
+                                    </p:animEffect>
+                                  </p:childTnLst>
+                                </p:cTn>
+                              </p:par>
+                            </p:childTnLst>
+                          </p:cTn>
+                        </p:par>
+                      </p:childTnLst>
+                    </p:cTn>
+                  </p:par>
+                  <p:par>
+                    <p:cTn id="13" fill="hold">
+                      <p:stCondLst>
+                        <p:cond delay="indefinite"/>
+                      </p:stCondLst>
+                      <p:childTnLst>
+                        <p:par>
+                          <p:cTn id="14" fill="hold">
+                            <p:stCondLst>
+                              <p:cond delay="0"/>
+                            </p:stCondLst>
+                            <p:childTnLst>
+                              <p:par>
+                                <p:cTn id="15" presetID="22" presetClass="entr" presetSubtype="1" fill="hold" grpId="0" nodeType="clickEffect">
+                                  <p:stCondLst>
+                                    <p:cond delay="0"/>
+                                  </p:stCondLst>
+                                  <p:childTnLst>
+                                    <p:set>
+                                      <p:cBhvr>
+                                        <p:cTn id="16" dur="1" fill="hold">
+                                          <p:stCondLst>
+                                            <p:cond delay="0"/>
+                                          </p:stCondLst>
+                                        </p:cTn>
+                                        <p:tgtEl>
+                                          <p:spTgt spid="26"/>
+                                        </p:tgtEl>
+                                        <p:attrNameLst>
+                                          <p:attrName>style.visibility</p:attrName>
+                                        </p:attrNameLst>
+                                      </p:cBhvr>
+                                      <p:to>
+                                        <p:strVal val="visible"/>
+                                      </p:to>
+                                    </p:set>
+                                    <p:animEffect transition="in" filter="wipe(up)">
+                                      <p:cBhvr>
+                                        <p:cTn id="17" dur="500"/>
+                                        <p:tgtEl>
+                                          <p:spTgt spid="26"/>
+                                        </p:tgtEl>
+                                      </p:cBhvr>
+                                    </p:animEffect>
+                                  </p:childTnLst>
+                                </p:cTn>
+                              </p:par>
+                            </p:childTnLst>
+                          </p:cTn>
+                        </p:par>
+                      </p:childTnLst>
+                    </p:cTn>
+                  </p:par>
+                </p:childTnLst>
+              </p:cTn>
+              <p:prevCondLst>
+                <p:cond evt="onPrev" delay="0">
+                  <p:tgtEl>
+                    <p:sldTgt/>
+                  </p:tgtEl>
+                </p:cond>
+              </p:prevCondLst>
+              <p:nextCondLst>
+                <p:cond evt="onNext" delay="0">
+                  <p:tgtEl>
+                    <p:sldTgt/>
+                  </p:tgtEl>
+                </p:cond>
+              </p:nextCondLst>
+            </p:seq>
+          </p:childTnLst>
+        </p:cTn>
+      </p:par>
+    </p:tnLst>
+    <p:bldLst>
+      <p:bldP spid="23" grpId="0"/>
+      <p:bldP spid="25" grpId="0"/>
+      <p:bldP spid="26" grpId="0"/>
+    </p:bldLst>
+  </p:timing>
+</p:sld>
+</file>
+
+<file path=ppt/slides/slide5.xml><?xml version="1.0" encoding="utf-8"?>
+<p:sld xmlns:a="http://schemas.openxmlformats.org/drawingml/2006/main" xmlns:r="http://schemas.openxmlformats.org/officeDocument/2006/relationships" xmlns:p="http://schemas.openxmlformats.org/presentationml/2006/main">
+  <p:cSld>
+    <p:spTree>
+      <p:nvGrpSpPr>
+        <p:cNvPr id="1" name=""/>
+        <p:cNvGrpSpPr/>
+        <p:nvPr/>
+      </p:nvGrpSpPr>
+      <p:grpSpPr>
+        <a:xfrm>
+          <a:off x="0" y="0"/>
+          <a:ext cx="0" cy="0"/>
+          <a:chOff x="0" y="0"/>
+          <a:chExt cx="0" cy="0"/>
+        </a:xfrm>
+      </p:grpSpPr>
+      <p:sp>
+        <p:nvSpPr>
+          <p:cNvPr id="13" name="Textfeld 12"/>
+          <p:cNvSpPr txBox="1"/>
+          <p:nvPr/>
+        </p:nvSpPr>
+        <p:spPr>
+          <a:xfrm>
+            <a:off x="1" y="-21515"/>
+            <a:ext cx="9108504" cy="476250"/>
+          </a:xfrm>
+          <a:prstGeom prst="rect">
+            <a:avLst/>
+          </a:prstGeom>
+          <a:noFill/>
+          <a:effectLst/>
+        </p:spPr>
+        <p:txBody>
+          <a:bodyPr wrap="square" lIns="0" rIns="0" rtlCol="0">
+            <a:noAutofit/>
+          </a:bodyPr>
+          <a:lstStyle/>
+          <a:p>
+            <a:pPr algn="ctr">
+              <a:spcAft>
+                <a:spcPts val="0"/>
+              </a:spcAft>
+              <a:defRPr/>
+            </a:pPr>
+            <a:r>
+              <a:rPr lang="de-DE" sz="2800" dirty="0" smtClean="0">
+                <a:solidFill>
+                  <a:schemeClr val="bg1">
+                    <a:lumMod val="85000"/>
+                  </a:schemeClr>
+                </a:solidFill>
+                <a:latin typeface="Calibri" pitchFamily="34" charset="0"/>
+              </a:rPr>
+              <a:t>Modelldiagnose</a:t>
+            </a:r>
+          </a:p>
+        </p:txBody>
+      </p:sp>
+      <p:sp>
+        <p:nvSpPr>
+          <p:cNvPr id="10" name="Textfeld 9"/>
+          <p:cNvSpPr txBox="1"/>
+          <p:nvPr/>
+        </p:nvSpPr>
+        <p:spPr>
+          <a:xfrm>
+            <a:off x="250825" y="765175"/>
+            <a:ext cx="4896544" cy="523220"/>
+          </a:xfrm>
+          <a:prstGeom prst="rect">
+            <a:avLst/>
+          </a:prstGeom>
+          <a:noFill/>
+        </p:spPr>
+        <p:txBody>
+          <a:bodyPr wrap="square" rtlCol="0">
+            <a:spAutoFit/>
+          </a:bodyPr>
+          <a:lstStyle/>
+          <a:p>
+            <a:r>
+              <a:rPr lang="de-DE" sz="2800" dirty="0" smtClean="0">
+                <a:latin typeface="Calibri" pitchFamily="34" charset="0"/>
+              </a:rPr>
+              <a:t>Was ist ein „gutes“ Modell? </a:t>
+            </a:r>
+            <a:endParaRPr lang="de-DE" sz="2800" dirty="0">
+              <a:latin typeface="Calibri" pitchFamily="34" charset="0"/>
+            </a:endParaRPr>
+          </a:p>
+        </p:txBody>
+      </p:sp>
+      <p:sp>
+        <p:nvSpPr>
+          <p:cNvPr id="23" name="Textfeld 22"/>
+          <p:cNvSpPr txBox="1"/>
+          <p:nvPr/>
+        </p:nvSpPr>
+        <p:spPr>
+          <a:xfrm>
+            <a:off x="250825" y="1484784"/>
+            <a:ext cx="6049367" cy="400110"/>
+          </a:xfrm>
+          <a:prstGeom prst="rect">
+            <a:avLst/>
+          </a:prstGeom>
+          <a:noFill/>
+        </p:spPr>
+        <p:txBody>
+          <a:bodyPr wrap="square" rtlCol="0">
+            <a:spAutoFit/>
+          </a:bodyPr>
+          <a:lstStyle/>
+          <a:p>
+            <a:pPr>
+              <a:spcAft>
+                <a:spcPts val="600"/>
+              </a:spcAft>
+            </a:pPr>
+            <a:r>
+              <a:rPr lang="de-DE" sz="2000" b="1" dirty="0" smtClean="0">
+                <a:latin typeface="Calibri" pitchFamily="34" charset="0"/>
+              </a:rPr>
+              <a:t>Das Modell erfüllt einen bestimmten Zweck.</a:t>
+            </a:r>
+          </a:p>
+        </p:txBody>
+      </p:sp>
+      <p:sp>
+        <p:nvSpPr>
+          <p:cNvPr id="29" name="Textfeld 28"/>
+          <p:cNvSpPr txBox="1"/>
+          <p:nvPr/>
+        </p:nvSpPr>
+        <p:spPr>
+          <a:xfrm>
+            <a:off x="250825" y="1866032"/>
+            <a:ext cx="6409407" cy="1092607"/>
+          </a:xfrm>
+          <a:prstGeom prst="rect">
+            <a:avLst/>
+          </a:prstGeom>
+          <a:noFill/>
+        </p:spPr>
+        <p:txBody>
+          <a:bodyPr wrap="square" rtlCol="0">
+            <a:spAutoFit/>
+          </a:bodyPr>
+          <a:lstStyle/>
+          <a:p>
+            <a:pPr marL="447675" indent="-447675">
+              <a:spcAft>
+                <a:spcPts val="600"/>
+              </a:spcAft>
+              <a:tabLst>
+                <a:tab pos="447675" algn="l"/>
+              </a:tabLst>
+            </a:pPr>
+            <a:r>
+              <a:rPr lang="de-DE" sz="2000" dirty="0" smtClean="0">
+                <a:latin typeface="Calibri" pitchFamily="34" charset="0"/>
+              </a:rPr>
+              <a:t>z.B. Simulation des Jahresgangs der Gebietswasserbilanz </a:t>
+            </a:r>
+            <a:br>
+              <a:rPr lang="de-DE" sz="2000" dirty="0" smtClean="0">
+                <a:latin typeface="Calibri" pitchFamily="34" charset="0"/>
+              </a:rPr>
+            </a:br>
+            <a:r>
+              <a:rPr lang="de-DE" sz="2000" dirty="0" smtClean="0">
+                <a:latin typeface="Calibri" pitchFamily="34" charset="0"/>
+              </a:rPr>
+              <a:t>(zur Ressourcenallokation, Klimafolgenabschätzung, …)</a:t>
+            </a:r>
+          </a:p>
+          <a:p>
+            <a:pPr marL="447675" indent="-447675">
+              <a:spcAft>
+                <a:spcPts val="600"/>
+              </a:spcAft>
+              <a:tabLst>
+                <a:tab pos="447675" algn="l"/>
+              </a:tabLst>
+            </a:pPr>
+            <a:r>
+              <a:rPr lang="de-DE" sz="2000" dirty="0" smtClean="0">
+                <a:latin typeface="Calibri" pitchFamily="34" charset="0"/>
+              </a:rPr>
+              <a:t>z.B.	Hochwasservorhersage</a:t>
+            </a:r>
+          </a:p>
+        </p:txBody>
+      </p:sp>
+      <p:sp>
+        <p:nvSpPr>
+          <p:cNvPr id="31" name="Textfeld 30"/>
+          <p:cNvSpPr txBox="1"/>
+          <p:nvPr/>
+        </p:nvSpPr>
+        <p:spPr>
+          <a:xfrm>
+            <a:off x="250825" y="3068960"/>
+            <a:ext cx="5185271" cy="400110"/>
+          </a:xfrm>
+          <a:prstGeom prst="rect">
+            <a:avLst/>
+          </a:prstGeom>
+          <a:noFill/>
+        </p:spPr>
+        <p:txBody>
+          <a:bodyPr wrap="square" rtlCol="0">
+            <a:spAutoFit/>
+          </a:bodyPr>
+          <a:lstStyle/>
+          <a:p>
+            <a:pPr>
+              <a:spcAft>
+                <a:spcPts val="600"/>
+              </a:spcAft>
+            </a:pPr>
+            <a:r>
+              <a:rPr lang="de-DE" sz="2000" b="1" dirty="0" smtClean="0">
+                <a:latin typeface="Calibri" pitchFamily="34" charset="0"/>
+              </a:rPr>
+              <a:t>Das Modell hat eine sinnvolle Struktur.</a:t>
+            </a:r>
+          </a:p>
+        </p:txBody>
+      </p:sp>
+      <p:grpSp>
+        <p:nvGrpSpPr>
+          <p:cNvPr id="2" name="Gruppieren 53"/>
+          <p:cNvGrpSpPr/>
+          <p:nvPr/>
+        </p:nvGrpSpPr>
+        <p:grpSpPr>
+          <a:xfrm>
+            <a:off x="6627137" y="745540"/>
+            <a:ext cx="2514463" cy="5491748"/>
+            <a:chOff x="6627137" y="745540"/>
+            <a:chExt cx="2514463" cy="5491748"/>
+          </a:xfrm>
+        </p:grpSpPr>
+        <p:sp>
+          <p:nvSpPr>
+            <p:cNvPr id="34" name="Rechteck 33"/>
+            <p:cNvSpPr/>
+            <p:nvPr/>
+          </p:nvSpPr>
+          <p:spPr bwMode="auto">
+            <a:xfrm>
+              <a:off x="7918209" y="764704"/>
+              <a:ext cx="1223391" cy="5472113"/>
+            </a:xfrm>
+            <a:prstGeom prst="rect">
+              <a:avLst/>
+            </a:prstGeom>
+            <a:solidFill>
+              <a:srgbClr val="2B5681"/>
+            </a:solidFill>
+            <a:ln w="19050" cap="flat" cmpd="sng" algn="ctr">
+              <a:noFill/>
+              <a:prstDash val="solid"/>
+              <a:round/>
+              <a:headEnd type="none" w="med" len="med"/>
+              <a:tailEnd type="none" w="med" len="med"/>
+            </a:ln>
+            <a:effectLst/>
+          </p:spPr>
+          <p:txBody>
+            <a:bodyPr vert="horz" wrap="square" lIns="91440" tIns="45720" rIns="91440" bIns="45720" numCol="1" rtlCol="0" anchor="t" anchorCtr="0" compatLnSpc="1">
+              <a:prstTxWarp prst="textNoShape">
+                <a:avLst/>
+              </a:prstTxWarp>
+            </a:bodyPr>
+            <a:lstStyle/>
+            <a:p>
+              <a:pPr marL="0" marR="0" indent="0" algn="l" defTabSz="914400" rtl="0" eaLnBrk="1" fontAlgn="base" latinLnBrk="0" hangingPunct="1">
+                <a:lnSpc>
+                  <a:spcPct val="100000"/>
+                </a:lnSpc>
+                <a:spcBef>
+                  <a:spcPct val="0"/>
+                </a:spcBef>
+                <a:spcAft>
+                  <a:spcPct val="0"/>
+                </a:spcAft>
+                <a:buClrTx/>
+                <a:buSzTx/>
+                <a:buFontTx/>
+                <a:buNone/>
+                <a:tabLst/>
+              </a:pPr>
+              <a:endParaRPr kumimoji="0" lang="de-DE" sz="1600" b="0" i="0" u="none" strike="noStrike" cap="none" normalizeH="0" baseline="0" smtClean="0">
+                <a:ln>
+                  <a:noFill/>
+                </a:ln>
+                <a:solidFill>
+                  <a:schemeClr val="tx1"/>
+                </a:solidFill>
+                <a:effectLst/>
+                <a:latin typeface="Arial" charset="0"/>
+              </a:endParaRPr>
+            </a:p>
+          </p:txBody>
+        </p:sp>
+        <p:sp>
+          <p:nvSpPr>
+            <p:cNvPr id="33" name="Rechteck 32"/>
+            <p:cNvSpPr/>
+            <p:nvPr/>
+          </p:nvSpPr>
+          <p:spPr bwMode="auto">
+            <a:xfrm>
+              <a:off x="6627137" y="765175"/>
+              <a:ext cx="1296144" cy="5472113"/>
+            </a:xfrm>
+            <a:prstGeom prst="rect">
+              <a:avLst/>
+            </a:prstGeom>
+            <a:solidFill>
+              <a:schemeClr val="accent1">
+                <a:lumMod val="75000"/>
+              </a:schemeClr>
+            </a:solidFill>
+            <a:ln w="19050" cap="flat" cmpd="sng" algn="ctr">
+              <a:noFill/>
+              <a:prstDash val="solid"/>
+              <a:round/>
+              <a:headEnd type="none" w="med" len="med"/>
+              <a:tailEnd type="none" w="med" len="med"/>
+            </a:ln>
+            <a:effectLst/>
+          </p:spPr>
+          <p:txBody>
+            <a:bodyPr vert="horz" wrap="square" lIns="91440" tIns="45720" rIns="91440" bIns="45720" numCol="1" rtlCol="0" anchor="t" anchorCtr="0" compatLnSpc="1">
+              <a:prstTxWarp prst="textNoShape">
+                <a:avLst/>
+              </a:prstTxWarp>
+            </a:bodyPr>
+            <a:lstStyle/>
+            <a:p>
+              <a:pPr marL="0" marR="0" indent="0" algn="l" defTabSz="914400" rtl="0" eaLnBrk="1" fontAlgn="base" latinLnBrk="0" hangingPunct="1">
+                <a:lnSpc>
+                  <a:spcPct val="100000"/>
+                </a:lnSpc>
+                <a:spcBef>
+                  <a:spcPct val="0"/>
+                </a:spcBef>
+                <a:spcAft>
+                  <a:spcPct val="0"/>
+                </a:spcAft>
+                <a:buClrTx/>
+                <a:buSzTx/>
+                <a:buFontTx/>
+                <a:buNone/>
+                <a:tabLst/>
+              </a:pPr>
+              <a:endParaRPr kumimoji="0" lang="de-DE" sz="1600" b="0" i="0" u="none" strike="noStrike" cap="none" normalizeH="0" baseline="0" smtClean="0">
+                <a:ln>
+                  <a:noFill/>
+                </a:ln>
+                <a:solidFill>
+                  <a:schemeClr val="tx1"/>
+                </a:solidFill>
+                <a:effectLst/>
+                <a:latin typeface="Arial" charset="0"/>
+              </a:endParaRPr>
+            </a:p>
+          </p:txBody>
+        </p:sp>
+        <p:sp>
+          <p:nvSpPr>
+            <p:cNvPr id="30" name="Textfeld 29"/>
+            <p:cNvSpPr txBox="1"/>
+            <p:nvPr/>
+          </p:nvSpPr>
+          <p:spPr>
+            <a:xfrm>
+              <a:off x="6644193" y="765175"/>
+              <a:ext cx="971600" cy="523220"/>
+            </a:xfrm>
+            <a:prstGeom prst="rect">
+              <a:avLst/>
+            </a:prstGeom>
+            <a:noFill/>
+          </p:spPr>
+          <p:txBody>
+            <a:bodyPr wrap="square" rtlCol="0">
+              <a:spAutoFit/>
+            </a:bodyPr>
+            <a:lstStyle/>
+            <a:p>
+              <a:pPr algn="r"/>
+              <a:r>
+                <a:rPr lang="de-DE" sz="2800" dirty="0" smtClean="0">
+                  <a:solidFill>
+                    <a:schemeClr val="bg1"/>
+                  </a:solidFill>
+                  <a:latin typeface="Calibri" pitchFamily="34" charset="0"/>
+                </a:rPr>
+                <a:t>abc</a:t>
+              </a:r>
+              <a:endParaRPr lang="de-DE" sz="2800" dirty="0">
+                <a:solidFill>
+                  <a:schemeClr val="bg1"/>
+                </a:solidFill>
+                <a:latin typeface="Calibri" pitchFamily="34" charset="0"/>
+              </a:endParaRPr>
+            </a:p>
+          </p:txBody>
+        </p:sp>
+        <p:sp>
+          <p:nvSpPr>
+            <p:cNvPr id="32" name="Textfeld 31"/>
+            <p:cNvSpPr txBox="1"/>
+            <p:nvPr/>
+          </p:nvSpPr>
+          <p:spPr>
+            <a:xfrm>
+              <a:off x="8016257" y="745540"/>
+              <a:ext cx="971600" cy="523220"/>
+            </a:xfrm>
+            <a:prstGeom prst="rect">
+              <a:avLst/>
+            </a:prstGeom>
+            <a:noFill/>
+          </p:spPr>
+          <p:txBody>
+            <a:bodyPr wrap="square" rtlCol="0">
+              <a:spAutoFit/>
+            </a:bodyPr>
+            <a:lstStyle/>
+            <a:p>
+              <a:pPr algn="r"/>
+              <a:r>
+                <a:rPr lang="de-DE" sz="2800" dirty="0" smtClean="0">
+                  <a:solidFill>
+                    <a:schemeClr val="bg1"/>
+                  </a:solidFill>
+                  <a:latin typeface="Calibri" pitchFamily="34" charset="0"/>
+                </a:rPr>
+                <a:t>abcd</a:t>
+              </a:r>
+              <a:endParaRPr lang="de-DE" sz="2800" dirty="0">
+                <a:solidFill>
+                  <a:schemeClr val="bg1"/>
+                </a:solidFill>
+                <a:latin typeface="Calibri" pitchFamily="34" charset="0"/>
+              </a:endParaRPr>
+            </a:p>
+          </p:txBody>
+        </p:sp>
+      </p:grpSp>
+      <p:sp>
+        <p:nvSpPr>
+          <p:cNvPr id="35" name="Textfeld 34"/>
+          <p:cNvSpPr txBox="1"/>
+          <p:nvPr/>
+        </p:nvSpPr>
+        <p:spPr>
+          <a:xfrm>
+            <a:off x="250825" y="3429000"/>
+            <a:ext cx="6409407" cy="1169551"/>
+          </a:xfrm>
+          <a:prstGeom prst="rect">
+            <a:avLst/>
+          </a:prstGeom>
+          <a:noFill/>
+        </p:spPr>
+        <p:txBody>
+          <a:bodyPr wrap="square" rtlCol="0">
+            <a:spAutoFit/>
+          </a:bodyPr>
+          <a:lstStyle/>
+          <a:p>
+            <a:pPr marL="174625" indent="-174625">
+              <a:spcAft>
+                <a:spcPts val="600"/>
+              </a:spcAft>
+              <a:buFont typeface="Wingdings" pitchFamily="2" charset="2"/>
+              <a:buChar char="§"/>
+            </a:pPr>
+            <a:r>
+              <a:rPr lang="de-DE" sz="2000" dirty="0" smtClean="0">
+                <a:latin typeface="Calibri" pitchFamily="34" charset="0"/>
+              </a:rPr>
+              <a:t>Massenerhaltung</a:t>
+            </a:r>
+          </a:p>
+          <a:p>
+            <a:pPr marL="174625" indent="-174625">
+              <a:spcAft>
+                <a:spcPts val="600"/>
+              </a:spcAft>
+              <a:buFont typeface="Wingdings" pitchFamily="2" charset="2"/>
+              <a:buChar char="§"/>
+            </a:pPr>
+            <a:r>
+              <a:rPr lang="de-DE" sz="2000" dirty="0" smtClean="0">
+                <a:latin typeface="Calibri" pitchFamily="34" charset="0"/>
+              </a:rPr>
+              <a:t>Einfluss der Gebietsfeuchte auf Abflussbildung</a:t>
+            </a:r>
+          </a:p>
+          <a:p>
+            <a:pPr marL="174625" indent="-174625">
+              <a:spcAft>
+                <a:spcPts val="600"/>
+              </a:spcAft>
+              <a:buFont typeface="Wingdings" pitchFamily="2" charset="2"/>
+              <a:buChar char="§"/>
+            </a:pPr>
+            <a:r>
+              <a:rPr lang="de-DE" sz="2000" dirty="0" smtClean="0">
+                <a:latin typeface="Calibri" pitchFamily="34" charset="0"/>
+              </a:rPr>
+              <a:t>Abbildung physikalischer Prozesse (Verdunstung)</a:t>
+            </a:r>
+          </a:p>
+        </p:txBody>
+      </p:sp>
+      <p:sp>
+        <p:nvSpPr>
+          <p:cNvPr id="36" name="Textfeld 35"/>
+          <p:cNvSpPr txBox="1"/>
+          <p:nvPr/>
+        </p:nvSpPr>
+        <p:spPr>
+          <a:xfrm>
+            <a:off x="251520" y="4725144"/>
+            <a:ext cx="5185271" cy="400110"/>
+          </a:xfrm>
+          <a:prstGeom prst="rect">
+            <a:avLst/>
+          </a:prstGeom>
+          <a:noFill/>
+        </p:spPr>
+        <p:txBody>
+          <a:bodyPr wrap="square" rtlCol="0">
+            <a:spAutoFit/>
+          </a:bodyPr>
+          <a:lstStyle/>
+          <a:p>
+            <a:pPr>
+              <a:spcAft>
+                <a:spcPts val="600"/>
+              </a:spcAft>
+            </a:pPr>
+            <a:r>
+              <a:rPr lang="de-DE" sz="2000" b="1" dirty="0" smtClean="0">
+                <a:latin typeface="Calibri" pitchFamily="34" charset="0"/>
+              </a:rPr>
+              <a:t>Das Modell ist im Zielgebiet einsetzbar.</a:t>
+            </a:r>
+          </a:p>
+        </p:txBody>
+      </p:sp>
+      <p:sp>
+        <p:nvSpPr>
+          <p:cNvPr id="37" name="Textfeld 36"/>
+          <p:cNvSpPr txBox="1"/>
+          <p:nvPr/>
+        </p:nvSpPr>
+        <p:spPr>
+          <a:xfrm>
+            <a:off x="251520" y="5088086"/>
+            <a:ext cx="6336704" cy="1092607"/>
+          </a:xfrm>
+          <a:prstGeom prst="rect">
+            <a:avLst/>
+          </a:prstGeom>
+          <a:noFill/>
+        </p:spPr>
+        <p:txBody>
+          <a:bodyPr wrap="square" rtlCol="0">
+            <a:spAutoFit/>
+          </a:bodyPr>
+          <a:lstStyle/>
+          <a:p>
+            <a:pPr marL="174625" indent="-174625">
+              <a:spcAft>
+                <a:spcPts val="600"/>
+              </a:spcAft>
+              <a:buFont typeface="Wingdings" pitchFamily="2" charset="2"/>
+              <a:buChar char="§"/>
+            </a:pPr>
+            <a:r>
+              <a:rPr lang="de-DE" sz="2000" dirty="0" smtClean="0">
+                <a:latin typeface="Calibri" pitchFamily="34" charset="0"/>
+              </a:rPr>
+              <a:t>Die Daten für den Antrieb des Modells sind vorhanden.</a:t>
+            </a:r>
+          </a:p>
+          <a:p>
+            <a:pPr marL="174625" indent="-174625">
+              <a:spcAft>
+                <a:spcPts val="600"/>
+              </a:spcAft>
+              <a:buFont typeface="Wingdings" pitchFamily="2" charset="2"/>
+              <a:buChar char="§"/>
+            </a:pPr>
+            <a:r>
+              <a:rPr lang="de-DE" sz="2000" dirty="0" smtClean="0">
+                <a:latin typeface="Calibri" pitchFamily="34" charset="0"/>
+              </a:rPr>
+              <a:t>Die dominanten Prozesse im Zielgebiet werden </a:t>
+            </a:r>
+            <a:br>
+              <a:rPr lang="de-DE" sz="2000" dirty="0" smtClean="0">
+                <a:latin typeface="Calibri" pitchFamily="34" charset="0"/>
+              </a:rPr>
+            </a:br>
+            <a:r>
+              <a:rPr lang="de-DE" sz="2000" dirty="0" smtClean="0">
+                <a:latin typeface="Calibri" pitchFamily="34" charset="0"/>
+              </a:rPr>
+              <a:t>durch das Modell abgebildet.</a:t>
+            </a:r>
+          </a:p>
+        </p:txBody>
+      </p:sp>
+      <p:sp>
+        <p:nvSpPr>
+          <p:cNvPr id="38" name="Textfeld 37"/>
+          <p:cNvSpPr txBox="1"/>
+          <p:nvPr/>
+        </p:nvSpPr>
+        <p:spPr>
+          <a:xfrm>
+            <a:off x="7082552" y="1857018"/>
+            <a:ext cx="504056" cy="707886"/>
+          </a:xfrm>
+          <a:prstGeom prst="rect">
+            <a:avLst/>
+          </a:prstGeom>
+          <a:noFill/>
+        </p:spPr>
+        <p:txBody>
+          <a:bodyPr wrap="square" rtlCol="0">
+            <a:spAutoFit/>
+          </a:bodyPr>
+          <a:lstStyle/>
+          <a:p>
+            <a:r>
+              <a:rPr lang="de-DE" sz="4000" dirty="0" smtClean="0">
+                <a:solidFill>
+                  <a:schemeClr val="accent5">
+                    <a:lumMod val="60000"/>
+                    <a:lumOff val="40000"/>
+                  </a:schemeClr>
+                </a:solidFill>
+                <a:sym typeface="Wingdings"/>
+              </a:rPr>
+              <a:t></a:t>
+            </a:r>
+            <a:endParaRPr lang="de-DE" sz="4000" dirty="0">
+              <a:solidFill>
+                <a:schemeClr val="accent5">
+                  <a:lumMod val="60000"/>
+                  <a:lumOff val="40000"/>
+                </a:schemeClr>
+              </a:solidFill>
+            </a:endParaRPr>
+          </a:p>
+        </p:txBody>
+      </p:sp>
+      <p:sp>
+        <p:nvSpPr>
+          <p:cNvPr id="40" name="Textfeld 39"/>
+          <p:cNvSpPr txBox="1"/>
+          <p:nvPr/>
+        </p:nvSpPr>
+        <p:spPr>
+          <a:xfrm>
+            <a:off x="7092280" y="5522798"/>
+            <a:ext cx="504056" cy="707886"/>
+          </a:xfrm>
+          <a:prstGeom prst="rect">
+            <a:avLst/>
+          </a:prstGeom>
+          <a:noFill/>
+        </p:spPr>
+        <p:txBody>
+          <a:bodyPr wrap="square" rtlCol="0">
+            <a:spAutoFit/>
+          </a:bodyPr>
+          <a:lstStyle/>
+          <a:p>
+            <a:r>
+              <a:rPr lang="de-DE" sz="4000" dirty="0" smtClean="0">
+                <a:solidFill>
+                  <a:schemeClr val="bg1"/>
+                </a:solidFill>
+                <a:sym typeface="Wingdings"/>
+              </a:rPr>
+              <a:t>?</a:t>
+            </a:r>
+            <a:endParaRPr lang="de-DE" sz="4000" dirty="0">
+              <a:solidFill>
+                <a:schemeClr val="bg1"/>
+              </a:solidFill>
+            </a:endParaRPr>
+          </a:p>
+        </p:txBody>
+      </p:sp>
+      <p:sp>
+        <p:nvSpPr>
+          <p:cNvPr id="41" name="Textfeld 40"/>
+          <p:cNvSpPr txBox="1"/>
+          <p:nvPr/>
+        </p:nvSpPr>
+        <p:spPr>
+          <a:xfrm>
+            <a:off x="7092280" y="2412380"/>
+            <a:ext cx="504056" cy="707886"/>
+          </a:xfrm>
+          <a:prstGeom prst="rect">
+            <a:avLst/>
+          </a:prstGeom>
+          <a:noFill/>
+        </p:spPr>
+        <p:txBody>
+          <a:bodyPr wrap="square" rtlCol="0">
+            <a:spAutoFit/>
+          </a:bodyPr>
+          <a:lstStyle/>
+          <a:p>
+            <a:r>
+              <a:rPr lang="de-DE" sz="4000" dirty="0" smtClean="0">
+                <a:solidFill>
+                  <a:srgbClr val="C00000"/>
+                </a:solidFill>
+                <a:sym typeface="Wingdings"/>
+              </a:rPr>
+              <a:t></a:t>
+            </a:r>
+            <a:endParaRPr lang="de-DE" sz="4000" dirty="0">
+              <a:solidFill>
+                <a:srgbClr val="C00000"/>
+              </a:solidFill>
+            </a:endParaRPr>
+          </a:p>
+        </p:txBody>
+      </p:sp>
+      <p:sp>
+        <p:nvSpPr>
+          <p:cNvPr id="42" name="Textfeld 41"/>
+          <p:cNvSpPr txBox="1"/>
+          <p:nvPr/>
+        </p:nvSpPr>
+        <p:spPr>
+          <a:xfrm>
+            <a:off x="8316416" y="1844824"/>
+            <a:ext cx="504056" cy="707886"/>
+          </a:xfrm>
+          <a:prstGeom prst="rect">
+            <a:avLst/>
+          </a:prstGeom>
+          <a:noFill/>
+        </p:spPr>
+        <p:txBody>
+          <a:bodyPr wrap="square" rtlCol="0">
+            <a:spAutoFit/>
+          </a:bodyPr>
+          <a:lstStyle/>
+          <a:p>
+            <a:r>
+              <a:rPr lang="de-DE" sz="4000" dirty="0" smtClean="0">
+                <a:solidFill>
+                  <a:schemeClr val="accent5">
+                    <a:lumMod val="60000"/>
+                    <a:lumOff val="40000"/>
+                  </a:schemeClr>
+                </a:solidFill>
+                <a:sym typeface="Wingdings"/>
+              </a:rPr>
+              <a:t></a:t>
+            </a:r>
+            <a:endParaRPr lang="de-DE" sz="4000" dirty="0">
+              <a:solidFill>
+                <a:schemeClr val="accent5">
+                  <a:lumMod val="60000"/>
+                  <a:lumOff val="40000"/>
+                </a:schemeClr>
+              </a:solidFill>
+            </a:endParaRPr>
+          </a:p>
+        </p:txBody>
+      </p:sp>
+      <p:sp>
+        <p:nvSpPr>
+          <p:cNvPr id="43" name="Textfeld 42"/>
+          <p:cNvSpPr txBox="1"/>
+          <p:nvPr/>
+        </p:nvSpPr>
+        <p:spPr>
+          <a:xfrm>
+            <a:off x="8316416" y="2412380"/>
+            <a:ext cx="504056" cy="707886"/>
+          </a:xfrm>
+          <a:prstGeom prst="rect">
+            <a:avLst/>
+          </a:prstGeom>
+          <a:noFill/>
+        </p:spPr>
+        <p:txBody>
+          <a:bodyPr wrap="square" rtlCol="0">
+            <a:spAutoFit/>
+          </a:bodyPr>
+          <a:lstStyle/>
+          <a:p>
+            <a:r>
+              <a:rPr lang="de-DE" sz="4000" dirty="0" smtClean="0">
+                <a:solidFill>
+                  <a:srgbClr val="C00000"/>
+                </a:solidFill>
+                <a:sym typeface="Wingdings"/>
+              </a:rPr>
+              <a:t></a:t>
+            </a:r>
+            <a:endParaRPr lang="de-DE" sz="4000" dirty="0">
+              <a:solidFill>
+                <a:srgbClr val="C00000"/>
+              </a:solidFill>
+            </a:endParaRPr>
+          </a:p>
+        </p:txBody>
+      </p:sp>
+      <p:sp>
+        <p:nvSpPr>
+          <p:cNvPr id="44" name="Textfeld 43"/>
+          <p:cNvSpPr txBox="1"/>
+          <p:nvPr/>
+        </p:nvSpPr>
+        <p:spPr>
+          <a:xfrm>
+            <a:off x="7092280" y="3254048"/>
+            <a:ext cx="504056" cy="707886"/>
+          </a:xfrm>
+          <a:prstGeom prst="rect">
+            <a:avLst/>
+          </a:prstGeom>
+          <a:noFill/>
+        </p:spPr>
+        <p:txBody>
+          <a:bodyPr wrap="square" rtlCol="0">
+            <a:spAutoFit/>
+          </a:bodyPr>
+          <a:lstStyle/>
+          <a:p>
+            <a:r>
+              <a:rPr lang="de-DE" sz="4000" dirty="0" smtClean="0">
+                <a:solidFill>
+                  <a:schemeClr val="accent5">
+                    <a:lumMod val="60000"/>
+                    <a:lumOff val="40000"/>
+                  </a:schemeClr>
+                </a:solidFill>
+                <a:sym typeface="Wingdings"/>
+              </a:rPr>
+              <a:t></a:t>
+            </a:r>
+            <a:endParaRPr lang="de-DE" sz="4000" dirty="0">
+              <a:solidFill>
+                <a:schemeClr val="accent5">
+                  <a:lumMod val="60000"/>
+                  <a:lumOff val="40000"/>
+                </a:schemeClr>
+              </a:solidFill>
+            </a:endParaRPr>
+          </a:p>
+        </p:txBody>
+      </p:sp>
+      <p:sp>
+        <p:nvSpPr>
+          <p:cNvPr id="45" name="Textfeld 44"/>
+          <p:cNvSpPr txBox="1"/>
+          <p:nvPr/>
+        </p:nvSpPr>
+        <p:spPr>
+          <a:xfrm>
+            <a:off x="8326144" y="3267688"/>
+            <a:ext cx="504056" cy="707886"/>
+          </a:xfrm>
+          <a:prstGeom prst="rect">
+            <a:avLst/>
+          </a:prstGeom>
+          <a:noFill/>
+        </p:spPr>
+        <p:txBody>
+          <a:bodyPr wrap="square" rtlCol="0">
+            <a:spAutoFit/>
+          </a:bodyPr>
+          <a:lstStyle/>
+          <a:p>
+            <a:r>
+              <a:rPr lang="de-DE" sz="4000" dirty="0" smtClean="0">
+                <a:solidFill>
+                  <a:schemeClr val="accent5">
+                    <a:lumMod val="60000"/>
+                    <a:lumOff val="40000"/>
+                  </a:schemeClr>
+                </a:solidFill>
+                <a:sym typeface="Wingdings"/>
+              </a:rPr>
+              <a:t></a:t>
+            </a:r>
+            <a:endParaRPr lang="de-DE" sz="4000" dirty="0">
+              <a:solidFill>
+                <a:schemeClr val="accent5">
+                  <a:lumMod val="60000"/>
+                  <a:lumOff val="40000"/>
+                </a:schemeClr>
+              </a:solidFill>
+            </a:endParaRPr>
+          </a:p>
+        </p:txBody>
+      </p:sp>
+      <p:sp>
+        <p:nvSpPr>
+          <p:cNvPr id="46" name="Textfeld 45"/>
+          <p:cNvSpPr txBox="1"/>
+          <p:nvPr/>
+        </p:nvSpPr>
+        <p:spPr>
+          <a:xfrm>
+            <a:off x="7092280" y="3661916"/>
+            <a:ext cx="504056" cy="707886"/>
+          </a:xfrm>
+          <a:prstGeom prst="rect">
+            <a:avLst/>
+          </a:prstGeom>
+          <a:noFill/>
+        </p:spPr>
+        <p:txBody>
+          <a:bodyPr wrap="square" rtlCol="0">
+            <a:spAutoFit/>
+          </a:bodyPr>
+          <a:lstStyle/>
+          <a:p>
+            <a:r>
+              <a:rPr lang="de-DE" sz="4000" dirty="0" smtClean="0">
+                <a:solidFill>
+                  <a:srgbClr val="C00000"/>
+                </a:solidFill>
+                <a:sym typeface="Wingdings"/>
+              </a:rPr>
+              <a:t></a:t>
+            </a:r>
+            <a:endParaRPr lang="de-DE" sz="4000" dirty="0">
+              <a:solidFill>
+                <a:srgbClr val="C00000"/>
+              </a:solidFill>
+            </a:endParaRPr>
+          </a:p>
+        </p:txBody>
+      </p:sp>
+      <p:sp>
+        <p:nvSpPr>
+          <p:cNvPr id="48" name="Textfeld 47"/>
+          <p:cNvSpPr txBox="1"/>
+          <p:nvPr/>
+        </p:nvSpPr>
+        <p:spPr>
+          <a:xfrm>
+            <a:off x="7092280" y="4077072"/>
+            <a:ext cx="504056" cy="707886"/>
+          </a:xfrm>
+          <a:prstGeom prst="rect">
+            <a:avLst/>
+          </a:prstGeom>
+          <a:noFill/>
+        </p:spPr>
+        <p:txBody>
+          <a:bodyPr wrap="square" rtlCol="0">
+            <a:spAutoFit/>
+          </a:bodyPr>
+          <a:lstStyle/>
+          <a:p>
+            <a:r>
+              <a:rPr lang="de-DE" sz="4000" dirty="0" smtClean="0">
+                <a:solidFill>
+                  <a:srgbClr val="C00000"/>
+                </a:solidFill>
+                <a:sym typeface="Wingdings"/>
+              </a:rPr>
+              <a:t></a:t>
+            </a:r>
+            <a:endParaRPr lang="de-DE" sz="4000" dirty="0">
+              <a:solidFill>
+                <a:srgbClr val="C00000"/>
+              </a:solidFill>
+            </a:endParaRPr>
+          </a:p>
+        </p:txBody>
+      </p:sp>
+      <p:sp>
+        <p:nvSpPr>
+          <p:cNvPr id="49" name="Textfeld 48"/>
+          <p:cNvSpPr txBox="1"/>
+          <p:nvPr/>
+        </p:nvSpPr>
+        <p:spPr>
+          <a:xfrm>
+            <a:off x="8326144" y="3633544"/>
+            <a:ext cx="504056" cy="707886"/>
+          </a:xfrm>
+          <a:prstGeom prst="rect">
+            <a:avLst/>
+          </a:prstGeom>
+          <a:noFill/>
+        </p:spPr>
+        <p:txBody>
+          <a:bodyPr wrap="square" rtlCol="0">
+            <a:spAutoFit/>
+          </a:bodyPr>
+          <a:lstStyle/>
+          <a:p>
+            <a:r>
+              <a:rPr lang="de-DE" sz="4000" dirty="0" smtClean="0">
+                <a:solidFill>
+                  <a:schemeClr val="accent5">
+                    <a:lumMod val="60000"/>
+                    <a:lumOff val="40000"/>
+                  </a:schemeClr>
+                </a:solidFill>
+                <a:sym typeface="Wingdings"/>
+              </a:rPr>
+              <a:t></a:t>
+            </a:r>
+            <a:endParaRPr lang="de-DE" sz="4000" dirty="0">
+              <a:solidFill>
+                <a:schemeClr val="accent5">
+                  <a:lumMod val="60000"/>
+                  <a:lumOff val="40000"/>
+                </a:schemeClr>
+              </a:solidFill>
+            </a:endParaRPr>
+          </a:p>
+        </p:txBody>
+      </p:sp>
+      <p:sp>
+        <p:nvSpPr>
+          <p:cNvPr id="50" name="Textfeld 49"/>
+          <p:cNvSpPr txBox="1"/>
+          <p:nvPr/>
+        </p:nvSpPr>
+        <p:spPr>
+          <a:xfrm>
+            <a:off x="8316416" y="4059550"/>
+            <a:ext cx="504056" cy="707886"/>
+          </a:xfrm>
+          <a:prstGeom prst="rect">
+            <a:avLst/>
+          </a:prstGeom>
+          <a:noFill/>
+        </p:spPr>
+        <p:txBody>
+          <a:bodyPr wrap="square" rtlCol="0">
+            <a:spAutoFit/>
+          </a:bodyPr>
+          <a:lstStyle/>
+          <a:p>
+            <a:r>
+              <a:rPr lang="de-DE" sz="4000" dirty="0" smtClean="0">
+                <a:solidFill>
+                  <a:schemeClr val="accent5">
+                    <a:lumMod val="60000"/>
+                    <a:lumOff val="40000"/>
+                  </a:schemeClr>
+                </a:solidFill>
+                <a:sym typeface="Wingdings"/>
+              </a:rPr>
+              <a:t></a:t>
+            </a:r>
+            <a:endParaRPr lang="de-DE" sz="4000" dirty="0">
+              <a:solidFill>
+                <a:schemeClr val="accent5">
+                  <a:lumMod val="60000"/>
+                  <a:lumOff val="40000"/>
+                </a:schemeClr>
+              </a:solidFill>
+            </a:endParaRPr>
+          </a:p>
+        </p:txBody>
+      </p:sp>
+      <p:sp>
+        <p:nvSpPr>
+          <p:cNvPr id="51" name="Textfeld 50"/>
+          <p:cNvSpPr txBox="1"/>
+          <p:nvPr/>
+        </p:nvSpPr>
+        <p:spPr>
+          <a:xfrm>
+            <a:off x="7082552" y="4951482"/>
+            <a:ext cx="504056" cy="707886"/>
+          </a:xfrm>
+          <a:prstGeom prst="rect">
+            <a:avLst/>
+          </a:prstGeom>
+          <a:noFill/>
+        </p:spPr>
+        <p:txBody>
+          <a:bodyPr wrap="square" rtlCol="0">
+            <a:spAutoFit/>
+          </a:bodyPr>
+          <a:lstStyle/>
+          <a:p>
+            <a:r>
+              <a:rPr lang="de-DE" sz="4000" dirty="0" smtClean="0">
+                <a:solidFill>
+                  <a:schemeClr val="accent5">
+                    <a:lumMod val="60000"/>
+                    <a:lumOff val="40000"/>
+                  </a:schemeClr>
+                </a:solidFill>
+                <a:sym typeface="Wingdings"/>
+              </a:rPr>
+              <a:t></a:t>
+            </a:r>
+            <a:endParaRPr lang="de-DE" sz="4000" dirty="0">
+              <a:solidFill>
+                <a:schemeClr val="accent5">
+                  <a:lumMod val="60000"/>
+                  <a:lumOff val="40000"/>
+                </a:schemeClr>
+              </a:solidFill>
+            </a:endParaRPr>
+          </a:p>
+        </p:txBody>
+      </p:sp>
+      <p:sp>
+        <p:nvSpPr>
+          <p:cNvPr id="52" name="Textfeld 51"/>
+          <p:cNvSpPr txBox="1"/>
+          <p:nvPr/>
+        </p:nvSpPr>
+        <p:spPr>
+          <a:xfrm>
+            <a:off x="8316416" y="4965122"/>
+            <a:ext cx="504056" cy="707886"/>
+          </a:xfrm>
+          <a:prstGeom prst="rect">
+            <a:avLst/>
+          </a:prstGeom>
+          <a:noFill/>
+        </p:spPr>
+        <p:txBody>
+          <a:bodyPr wrap="square" rtlCol="0">
+            <a:spAutoFit/>
+          </a:bodyPr>
+          <a:lstStyle/>
+          <a:p>
+            <a:r>
+              <a:rPr lang="de-DE" sz="4000" dirty="0" smtClean="0">
+                <a:solidFill>
+                  <a:schemeClr val="accent5">
+                    <a:lumMod val="60000"/>
+                    <a:lumOff val="40000"/>
+                  </a:schemeClr>
+                </a:solidFill>
+                <a:sym typeface="Wingdings"/>
+              </a:rPr>
+              <a:t></a:t>
+            </a:r>
+            <a:endParaRPr lang="de-DE" sz="4000" dirty="0">
+              <a:solidFill>
+                <a:schemeClr val="accent5">
+                  <a:lumMod val="60000"/>
+                  <a:lumOff val="40000"/>
+                </a:schemeClr>
+              </a:solidFill>
+            </a:endParaRPr>
+          </a:p>
+        </p:txBody>
+      </p:sp>
+      <p:sp>
+        <p:nvSpPr>
+          <p:cNvPr id="53" name="Textfeld 52"/>
+          <p:cNvSpPr txBox="1"/>
+          <p:nvPr/>
+        </p:nvSpPr>
+        <p:spPr>
+          <a:xfrm>
+            <a:off x="8339784" y="5531964"/>
+            <a:ext cx="504056" cy="707886"/>
+          </a:xfrm>
+          <a:prstGeom prst="rect">
+            <a:avLst/>
+          </a:prstGeom>
+          <a:noFill/>
+        </p:spPr>
+        <p:txBody>
+          <a:bodyPr wrap="square" rtlCol="0">
+            <a:spAutoFit/>
+          </a:bodyPr>
+          <a:lstStyle/>
+          <a:p>
+            <a:r>
+              <a:rPr lang="de-DE" sz="4000" dirty="0" smtClean="0">
+                <a:solidFill>
+                  <a:schemeClr val="bg1"/>
+                </a:solidFill>
+                <a:sym typeface="Wingdings"/>
+              </a:rPr>
+              <a:t>?</a:t>
+            </a:r>
+            <a:endParaRPr lang="de-DE" sz="4000" dirty="0">
+              <a:solidFill>
+                <a:schemeClr val="bg1"/>
+              </a:solidFill>
+            </a:endParaRPr>
+          </a:p>
+        </p:txBody>
+      </p:sp>
+    </p:spTree>
+  </p:cSld>
+  <p:clrMapOvr>
+    <a:masterClrMapping/>
+  </p:clrMapOvr>
+  <p:transition>
+    <p:zoom/>
+  </p:transition>
+  <p:timing>
+    <p:tnLst>
+      <p:par>
+        <p:cTn id="1" dur="indefinite" restart="never" nodeType="tmRoot">
+          <p:childTnLst>
+            <p:seq concurrent="1" nextAc="seek">
+              <p:cTn id="2" dur="indefinite" nodeType="mainSeq">
+                <p:childTnLst>
+                  <p:par>
+                    <p:cTn id="3" fill="hold">
+                      <p:stCondLst>
+                        <p:cond delay="indefinite"/>
+                      </p:stCondLst>
+                      <p:childTnLst>
+                        <p:par>
+                          <p:cTn id="4" fill="hold">
+                            <p:stCondLst>
+                              <p:cond delay="0"/>
+                            </p:stCondLst>
+                            <p:childTnLst>
+                              <p:par>
+                                <p:cTn id="5" presetID="22" presetClass="entr" presetSubtype="1" fill="hold" nodeType="clickEffect">
+                                  <p:stCondLst>
+                                    <p:cond delay="0"/>
+                                  </p:stCondLst>
+                                  <p:childTnLst>
+                                    <p:set>
+                                      <p:cBhvr>
+                                        <p:cTn id="6" dur="1" fill="hold">
+                                          <p:stCondLst>
+                                            <p:cond delay="0"/>
+                                          </p:stCondLst>
+                                        </p:cTn>
+                                        <p:tgtEl>
+                                          <p:spTgt spid="2"/>
+                                        </p:tgtEl>
+                                        <p:attrNameLst>
+                                          <p:attrName>style.visibility</p:attrName>
+                                        </p:attrNameLst>
+                                      </p:cBhvr>
+                                      <p:to>
+                                        <p:strVal val="visible"/>
+                                      </p:to>
+                                    </p:set>
+                                    <p:animEffect transition="in" filter="wipe(up)">
+                                      <p:cBhvr>
+                                        <p:cTn id="7" dur="500"/>
+                                        <p:tgtEl>
+                                          <p:spTgt spid="2"/>
+                                        </p:tgtEl>
+                                      </p:cBhvr>
+                                    </p:animEffect>
+                                  </p:childTnLst>
+                                </p:cTn>
+                              </p:par>
+                            </p:childTnLst>
+                          </p:cTn>
+                        </p:par>
+                      </p:childTnLst>
+                    </p:cTn>
+                  </p:par>
+                  <p:par>
+                    <p:cTn id="8" fill="hold">
+                      <p:stCondLst>
+                        <p:cond delay="indefinite"/>
+                      </p:stCondLst>
+                      <p:childTnLst>
+                        <p:par>
+                          <p:cTn id="9" fill="hold">
+                            <p:stCondLst>
+                              <p:cond delay="0"/>
+                            </p:stCondLst>
+                            <p:childTnLst>
+                              <p:par>
+                                <p:cTn id="10" presetID="1" presetClass="entr" presetSubtype="0" fill="hold" grpId="0" nodeType="clickEffect">
+                                  <p:stCondLst>
+                                    <p:cond delay="0"/>
+                                  </p:stCondLst>
+                                  <p:childTnLst>
+                                    <p:set>
+                                      <p:cBhvr>
+                                        <p:cTn id="11" dur="1" fill="hold">
+                                          <p:stCondLst>
+                                            <p:cond delay="0"/>
+                                          </p:stCondLst>
+                                        </p:cTn>
+                                        <p:tgtEl>
+                                          <p:spTgt spid="23"/>
+                                        </p:tgtEl>
+                                        <p:attrNameLst>
+                                          <p:attrName>style.visibility</p:attrName>
+                                        </p:attrNameLst>
+                                      </p:cBhvr>
+                                      <p:to>
+                                        <p:strVal val="visible"/>
+                                      </p:to>
+                                    </p:set>
+                                  </p:childTnLst>
+                                </p:cTn>
+                              </p:par>
+                            </p:childTnLst>
+                          </p:cTn>
+                        </p:par>
+                      </p:childTnLst>
+                    </p:cTn>
+                  </p:par>
+                  <p:par>
+                    <p:cTn id="12" fill="hold">
+                      <p:stCondLst>
+                        <p:cond delay="indefinite"/>
+                      </p:stCondLst>
+                      <p:childTnLst>
+                        <p:par>
+                          <p:cTn id="13" fill="hold">
+                            <p:stCondLst>
+                              <p:cond delay="0"/>
+                            </p:stCondLst>
+                            <p:childTnLst>
+                              <p:par>
+                                <p:cTn id="14" presetID="1" presetClass="entr" presetSubtype="0" fill="hold" grpId="0" nodeType="clickEffect">
+                                  <p:stCondLst>
+                                    <p:cond delay="0"/>
+                                  </p:stCondLst>
+                                  <p:childTnLst>
+                                    <p:set>
+                                      <p:cBhvr>
+                                        <p:cTn id="15" dur="1" fill="hold">
+                                          <p:stCondLst>
+                                            <p:cond delay="0"/>
+                                          </p:stCondLst>
+                                        </p:cTn>
+                                        <p:tgtEl>
+                                          <p:spTgt spid="29"/>
+                                        </p:tgtEl>
+                                        <p:attrNameLst>
+                                          <p:attrName>style.visibility</p:attrName>
+                                        </p:attrNameLst>
+                                      </p:cBhvr>
+                                      <p:to>
+                                        <p:strVal val="visible"/>
+                                      </p:to>
+                                    </p:set>
+                                  </p:childTnLst>
+                                </p:cTn>
+                              </p:par>
+                            </p:childTnLst>
+                          </p:cTn>
+                        </p:par>
+                      </p:childTnLst>
+                    </p:cTn>
+                  </p:par>
+                  <p:par>
+                    <p:cTn id="16" fill="hold">
+                      <p:stCondLst>
+                        <p:cond delay="indefinite"/>
+                      </p:stCondLst>
+                      <p:childTnLst>
+                        <p:par>
+                          <p:cTn id="17" fill="hold">
+                            <p:stCondLst>
+                              <p:cond delay="0"/>
+                            </p:stCondLst>
+                            <p:childTnLst>
+                              <p:par>
+                                <p:cTn id="18" presetID="23" presetClass="entr" presetSubtype="288" fill="hold" grpId="0" nodeType="clickEffect">
+                                  <p:stCondLst>
+                                    <p:cond delay="0"/>
+                                  </p:stCondLst>
+                                  <p:childTnLst>
+                                    <p:set>
+                                      <p:cBhvr>
+                                        <p:cTn id="19" dur="1" fill="hold">
+                                          <p:stCondLst>
+                                            <p:cond delay="0"/>
+                                          </p:stCondLst>
+                                        </p:cTn>
+                                        <p:tgtEl>
+                                          <p:spTgt spid="38"/>
+                                        </p:tgtEl>
+                                        <p:attrNameLst>
+                                          <p:attrName>style.visibility</p:attrName>
+                                        </p:attrNameLst>
+                                      </p:cBhvr>
+                                      <p:to>
+                                        <p:strVal val="visible"/>
+                                      </p:to>
+                                    </p:set>
+                                    <p:anim calcmode="lin" valueType="num">
+                                      <p:cBhvr>
+                                        <p:cTn id="20" dur="500" fill="hold"/>
+                                        <p:tgtEl>
+                                          <p:spTgt spid="38"/>
+                                        </p:tgtEl>
+                                        <p:attrNameLst>
+                                          <p:attrName>ppt_w</p:attrName>
+                                        </p:attrNameLst>
+                                      </p:cBhvr>
+                                      <p:tavLst>
+                                        <p:tav tm="0">
+                                          <p:val>
+                                            <p:strVal val="4/3*#ppt_w"/>
+                                          </p:val>
+                                        </p:tav>
+                                        <p:tav tm="100000">
+                                          <p:val>
+                                            <p:strVal val="#ppt_w"/>
+                                          </p:val>
+                                        </p:tav>
+                                      </p:tavLst>
+                                    </p:anim>
+                                    <p:anim calcmode="lin" valueType="num">
+                                      <p:cBhvr>
+                                        <p:cTn id="21" dur="500" fill="hold"/>
+                                        <p:tgtEl>
+                                          <p:spTgt spid="38"/>
+                                        </p:tgtEl>
+                                        <p:attrNameLst>
+                                          <p:attrName>ppt_h</p:attrName>
+                                        </p:attrNameLst>
+                                      </p:cBhvr>
+                                      <p:tavLst>
+                                        <p:tav tm="0">
+                                          <p:val>
+                                            <p:strVal val="4/3*#ppt_h"/>
+                                          </p:val>
+                                        </p:tav>
+                                        <p:tav tm="100000">
+                                          <p:val>
+                                            <p:strVal val="#ppt_h"/>
+                                          </p:val>
+                                        </p:tav>
+                                      </p:tavLst>
+                                    </p:anim>
+                                  </p:childTnLst>
+                                </p:cTn>
+                              </p:par>
+                            </p:childTnLst>
+                          </p:cTn>
+                        </p:par>
+                      </p:childTnLst>
+                    </p:cTn>
+                  </p:par>
+                  <p:par>
+                    <p:cTn id="22" fill="hold">
+                      <p:stCondLst>
+                        <p:cond delay="indefinite"/>
+                      </p:stCondLst>
+                      <p:childTnLst>
+                        <p:par>
+                          <p:cTn id="23" fill="hold">
+                            <p:stCondLst>
+                              <p:cond delay="0"/>
+                            </p:stCondLst>
+                            <p:childTnLst>
+                              <p:par>
+                                <p:cTn id="24" presetID="23" presetClass="entr" presetSubtype="288" fill="hold" grpId="0" nodeType="clickEffect">
+                                  <p:stCondLst>
+                                    <p:cond delay="0"/>
+                                  </p:stCondLst>
+                                  <p:childTnLst>
+                                    <p:set>
+                                      <p:cBhvr>
+                                        <p:cTn id="25" dur="1" fill="hold">
+                                          <p:stCondLst>
+                                            <p:cond delay="0"/>
+                                          </p:stCondLst>
+                                        </p:cTn>
+                                        <p:tgtEl>
+                                          <p:spTgt spid="41"/>
+                                        </p:tgtEl>
+                                        <p:attrNameLst>
+                                          <p:attrName>style.visibility</p:attrName>
+                                        </p:attrNameLst>
+                                      </p:cBhvr>
+                                      <p:to>
+                                        <p:strVal val="visible"/>
+                                      </p:to>
+                                    </p:set>
+                                    <p:anim calcmode="lin" valueType="num">
+                                      <p:cBhvr>
+                                        <p:cTn id="26" dur="500" fill="hold"/>
+                                        <p:tgtEl>
+                                          <p:spTgt spid="41"/>
+                                        </p:tgtEl>
+                                        <p:attrNameLst>
+                                          <p:attrName>ppt_w</p:attrName>
+                                        </p:attrNameLst>
+                                      </p:cBhvr>
+                                      <p:tavLst>
+                                        <p:tav tm="0">
+                                          <p:val>
+                                            <p:strVal val="4/3*#ppt_w"/>
+                                          </p:val>
+                                        </p:tav>
+                                        <p:tav tm="100000">
+                                          <p:val>
+                                            <p:strVal val="#ppt_w"/>
+                                          </p:val>
+                                        </p:tav>
+                                      </p:tavLst>
+                                    </p:anim>
+                                    <p:anim calcmode="lin" valueType="num">
+                                      <p:cBhvr>
+                                        <p:cTn id="27" dur="500" fill="hold"/>
+                                        <p:tgtEl>
+                                          <p:spTgt spid="41"/>
+                                        </p:tgtEl>
+                                        <p:attrNameLst>
+                                          <p:attrName>ppt_h</p:attrName>
+                                        </p:attrNameLst>
+                                      </p:cBhvr>
+                                      <p:tavLst>
+                                        <p:tav tm="0">
+                                          <p:val>
+                                            <p:strVal val="4/3*#ppt_h"/>
+                                          </p:val>
+                                        </p:tav>
+                                        <p:tav tm="100000">
+                                          <p:val>
+                                            <p:strVal val="#ppt_h"/>
+                                          </p:val>
+                                        </p:tav>
+                                      </p:tavLst>
+                                    </p:anim>
+                                  </p:childTnLst>
+                                </p:cTn>
+                              </p:par>
+                            </p:childTnLst>
+                          </p:cTn>
+                        </p:par>
+                      </p:childTnLst>
+                    </p:cTn>
+                  </p:par>
+                  <p:par>
+                    <p:cTn id="28" fill="hold">
+                      <p:stCondLst>
+                        <p:cond delay="indefinite"/>
+                      </p:stCondLst>
+                      <p:childTnLst>
+                        <p:par>
+                          <p:cTn id="29" fill="hold">
+                            <p:stCondLst>
+                              <p:cond delay="0"/>
+                            </p:stCondLst>
+                            <p:childTnLst>
+                              <p:par>
+                                <p:cTn id="30" presetID="23" presetClass="entr" presetSubtype="288" fill="hold" grpId="0" nodeType="clickEffect">
+                                  <p:stCondLst>
+                                    <p:cond delay="0"/>
+                                  </p:stCondLst>
+                                  <p:childTnLst>
+                                    <p:set>
+                                      <p:cBhvr>
+                                        <p:cTn id="31" dur="1" fill="hold">
+                                          <p:stCondLst>
+                                            <p:cond delay="0"/>
+                                          </p:stCondLst>
+                                        </p:cTn>
+                                        <p:tgtEl>
+                                          <p:spTgt spid="42"/>
+                                        </p:tgtEl>
+                                        <p:attrNameLst>
+                                          <p:attrName>style.visibility</p:attrName>
+                                        </p:attrNameLst>
+                                      </p:cBhvr>
+                                      <p:to>
+                                        <p:strVal val="visible"/>
+                                      </p:to>
+                                    </p:set>
+                                    <p:anim calcmode="lin" valueType="num">
+                                      <p:cBhvr>
+                                        <p:cTn id="32" dur="500" fill="hold"/>
+                                        <p:tgtEl>
+                                          <p:spTgt spid="42"/>
+                                        </p:tgtEl>
+                                        <p:attrNameLst>
+                                          <p:attrName>ppt_w</p:attrName>
+                                        </p:attrNameLst>
+                                      </p:cBhvr>
+                                      <p:tavLst>
+                                        <p:tav tm="0">
+                                          <p:val>
+                                            <p:strVal val="4/3*#ppt_w"/>
+                                          </p:val>
+                                        </p:tav>
+                                        <p:tav tm="100000">
+                                          <p:val>
+                                            <p:strVal val="#ppt_w"/>
+                                          </p:val>
+                                        </p:tav>
+                                      </p:tavLst>
+                                    </p:anim>
+                                    <p:anim calcmode="lin" valueType="num">
+                                      <p:cBhvr>
+                                        <p:cTn id="33" dur="500" fill="hold"/>
+                                        <p:tgtEl>
+                                          <p:spTgt spid="42"/>
+                                        </p:tgtEl>
+                                        <p:attrNameLst>
+                                          <p:attrName>ppt_h</p:attrName>
+                                        </p:attrNameLst>
+                                      </p:cBhvr>
+                                      <p:tavLst>
+                                        <p:tav tm="0">
+                                          <p:val>
+                                            <p:strVal val="4/3*#ppt_h"/>
+                                          </p:val>
+                                        </p:tav>
+                                        <p:tav tm="100000">
+                                          <p:val>
+                                            <p:strVal val="#ppt_h"/>
+                                          </p:val>
+                                        </p:tav>
+                                      </p:tavLst>
+                                    </p:anim>
+                                  </p:childTnLst>
+                                </p:cTn>
+                              </p:par>
+                            </p:childTnLst>
+                          </p:cTn>
+                        </p:par>
+                      </p:childTnLst>
+                    </p:cTn>
+                  </p:par>
+                  <p:par>
+                    <p:cTn id="34" fill="hold">
+                      <p:stCondLst>
+                        <p:cond delay="indefinite"/>
+                      </p:stCondLst>
+                      <p:childTnLst>
+                        <p:par>
+                          <p:cTn id="35" fill="hold">
+                            <p:stCondLst>
+                              <p:cond delay="0"/>
+                            </p:stCondLst>
+                            <p:childTnLst>
+                              <p:par>
+                                <p:cTn id="36" presetID="23" presetClass="entr" presetSubtype="288" fill="hold" grpId="0" nodeType="clickEffect">
+                                  <p:stCondLst>
+                                    <p:cond delay="0"/>
+                                  </p:stCondLst>
+                                  <p:childTnLst>
+                                    <p:set>
+                                      <p:cBhvr>
+                                        <p:cTn id="37" dur="1" fill="hold">
+                                          <p:stCondLst>
+                                            <p:cond delay="0"/>
+                                          </p:stCondLst>
+                                        </p:cTn>
+                                        <p:tgtEl>
+                                          <p:spTgt spid="43"/>
+                                        </p:tgtEl>
+                                        <p:attrNameLst>
+                                          <p:attrName>style.visibility</p:attrName>
+                                        </p:attrNameLst>
+                                      </p:cBhvr>
+                                      <p:to>
+                                        <p:strVal val="visible"/>
+                                      </p:to>
+                                    </p:set>
+                                    <p:anim calcmode="lin" valueType="num">
+                                      <p:cBhvr>
+                                        <p:cTn id="38" dur="500" fill="hold"/>
+                                        <p:tgtEl>
+                                          <p:spTgt spid="43"/>
+                                        </p:tgtEl>
+                                        <p:attrNameLst>
+                                          <p:attrName>ppt_w</p:attrName>
+                                        </p:attrNameLst>
+                                      </p:cBhvr>
+                                      <p:tavLst>
+                                        <p:tav tm="0">
+                                          <p:val>
+                                            <p:strVal val="4/3*#ppt_w"/>
+                                          </p:val>
+                                        </p:tav>
+                                        <p:tav tm="100000">
+                                          <p:val>
+                                            <p:strVal val="#ppt_w"/>
+                                          </p:val>
+                                        </p:tav>
+                                      </p:tavLst>
+                                    </p:anim>
+                                    <p:anim calcmode="lin" valueType="num">
+                                      <p:cBhvr>
+                                        <p:cTn id="39" dur="500" fill="hold"/>
+                                        <p:tgtEl>
+                                          <p:spTgt spid="43"/>
+                                        </p:tgtEl>
+                                        <p:attrNameLst>
+                                          <p:attrName>ppt_h</p:attrName>
+                                        </p:attrNameLst>
+                                      </p:cBhvr>
+                                      <p:tavLst>
+                                        <p:tav tm="0">
+                                          <p:val>
+                                            <p:strVal val="4/3*#ppt_h"/>
+                                          </p:val>
+                                        </p:tav>
+                                        <p:tav tm="100000">
+                                          <p:val>
+                                            <p:strVal val="#ppt_h"/>
+                                          </p:val>
+                                        </p:tav>
+                                      </p:tavLst>
+                                    </p:anim>
+                                  </p:childTnLst>
+                                </p:cTn>
+                              </p:par>
+                            </p:childTnLst>
+                          </p:cTn>
+                        </p:par>
+                      </p:childTnLst>
+                    </p:cTn>
+                  </p:par>
+                  <p:par>
+                    <p:cTn id="40" fill="hold">
+                      <p:stCondLst>
+                        <p:cond delay="indefinite"/>
+                      </p:stCondLst>
+                      <p:childTnLst>
+                        <p:par>
+                          <p:cTn id="41" fill="hold">
+                            <p:stCondLst>
+                              <p:cond delay="0"/>
+                            </p:stCondLst>
+                            <p:childTnLst>
+                              <p:par>
+                                <p:cTn id="42" presetID="1" presetClass="entr" presetSubtype="0" fill="hold" grpId="0" nodeType="clickEffect">
+                                  <p:stCondLst>
+                                    <p:cond delay="0"/>
+                                  </p:stCondLst>
+                                  <p:childTnLst>
+                                    <p:set>
+                                      <p:cBhvr>
+                                        <p:cTn id="43" dur="1" fill="hold">
+                                          <p:stCondLst>
+                                            <p:cond delay="0"/>
+                                          </p:stCondLst>
+                                        </p:cTn>
+                                        <p:tgtEl>
+                                          <p:spTgt spid="31"/>
+                                        </p:tgtEl>
+                                        <p:attrNameLst>
+                                          <p:attrName>style.visibility</p:attrName>
+                                        </p:attrNameLst>
+                                      </p:cBhvr>
+                                      <p:to>
+                                        <p:strVal val="visible"/>
+                                      </p:to>
+                                    </p:set>
+                                  </p:childTnLst>
+                                </p:cTn>
+                              </p:par>
+                            </p:childTnLst>
+                          </p:cTn>
+                        </p:par>
+                      </p:childTnLst>
+                    </p:cTn>
+                  </p:par>
+                  <p:par>
+                    <p:cTn id="44" fill="hold">
+                      <p:stCondLst>
+                        <p:cond delay="indefinite"/>
+                      </p:stCondLst>
+                      <p:childTnLst>
+                        <p:par>
+                          <p:cTn id="45" fill="hold">
+                            <p:stCondLst>
+                              <p:cond delay="0"/>
+                            </p:stCondLst>
+                            <p:childTnLst>
+                              <p:par>
+                                <p:cTn id="46" presetID="1" presetClass="entr" presetSubtype="0" fill="hold" grpId="0" nodeType="clickEffect">
+                                  <p:stCondLst>
+                                    <p:cond delay="0"/>
+                                  </p:stCondLst>
+                                  <p:childTnLst>
+                                    <p:set>
+                                      <p:cBhvr>
+                                        <p:cTn id="47" dur="1" fill="hold">
+                                          <p:stCondLst>
+                                            <p:cond delay="0"/>
+                                          </p:stCondLst>
+                                        </p:cTn>
+                                        <p:tgtEl>
+                                          <p:spTgt spid="35"/>
+                                        </p:tgtEl>
+                                        <p:attrNameLst>
+                                          <p:attrName>style.visibility</p:attrName>
+                                        </p:attrNameLst>
+                                      </p:cBhvr>
+                                      <p:to>
+                                        <p:strVal val="visible"/>
+                                      </p:to>
+                                    </p:set>
+                                  </p:childTnLst>
+                                </p:cTn>
+                              </p:par>
+                            </p:childTnLst>
+                          </p:cTn>
+                        </p:par>
+                      </p:childTnLst>
+                    </p:cTn>
+                  </p:par>
+                  <p:par>
+                    <p:cTn id="48" fill="hold">
+                      <p:stCondLst>
+                        <p:cond delay="indefinite"/>
+                      </p:stCondLst>
+                      <p:childTnLst>
+                        <p:par>
+                          <p:cTn id="49" fill="hold">
+                            <p:stCondLst>
+                              <p:cond delay="0"/>
+                            </p:stCondLst>
+                            <p:childTnLst>
+                              <p:par>
+                                <p:cTn id="50" presetID="23" presetClass="entr" presetSubtype="288" fill="hold" grpId="0" nodeType="clickEffect">
+                                  <p:stCondLst>
+                                    <p:cond delay="0"/>
+                                  </p:stCondLst>
+                                  <p:childTnLst>
+                                    <p:set>
+                                      <p:cBhvr>
+                                        <p:cTn id="51" dur="1" fill="hold">
+                                          <p:stCondLst>
+                                            <p:cond delay="0"/>
+                                          </p:stCondLst>
+                                        </p:cTn>
+                                        <p:tgtEl>
+                                          <p:spTgt spid="44"/>
+                                        </p:tgtEl>
+                                        <p:attrNameLst>
+                                          <p:attrName>style.visibility</p:attrName>
+                                        </p:attrNameLst>
+                                      </p:cBhvr>
+                                      <p:to>
+                                        <p:strVal val="visible"/>
+                                      </p:to>
+                                    </p:set>
+                                    <p:anim calcmode="lin" valueType="num">
+                                      <p:cBhvr>
+                                        <p:cTn id="52" dur="500" fill="hold"/>
+                                        <p:tgtEl>
+                                          <p:spTgt spid="44"/>
+                                        </p:tgtEl>
+                                        <p:attrNameLst>
+                                          <p:attrName>ppt_w</p:attrName>
+                                        </p:attrNameLst>
+                                      </p:cBhvr>
+                                      <p:tavLst>
+                                        <p:tav tm="0">
+                                          <p:val>
+                                            <p:strVal val="4/3*#ppt_w"/>
+                                          </p:val>
+                                        </p:tav>
+                                        <p:tav tm="100000">
+                                          <p:val>
+                                            <p:strVal val="#ppt_w"/>
+                                          </p:val>
+                                        </p:tav>
+                                      </p:tavLst>
+                                    </p:anim>
+                                    <p:anim calcmode="lin" valueType="num">
+                                      <p:cBhvr>
+                                        <p:cTn id="53" dur="500" fill="hold"/>
+                                        <p:tgtEl>
+                                          <p:spTgt spid="44"/>
+                                        </p:tgtEl>
+                                        <p:attrNameLst>
+                                          <p:attrName>ppt_h</p:attrName>
+                                        </p:attrNameLst>
+                                      </p:cBhvr>
+                                      <p:tavLst>
+                                        <p:tav tm="0">
+                                          <p:val>
+                                            <p:strVal val="4/3*#ppt_h"/>
+                                          </p:val>
+                                        </p:tav>
+                                        <p:tav tm="100000">
+                                          <p:val>
+                                            <p:strVal val="#ppt_h"/>
+                                          </p:val>
+                                        </p:tav>
+                                      </p:tavLst>
+                                    </p:anim>
+                                  </p:childTnLst>
+                                </p:cTn>
+                              </p:par>
+                            </p:childTnLst>
+                          </p:cTn>
+                        </p:par>
+                      </p:childTnLst>
+                    </p:cTn>
+                  </p:par>
+                  <p:par>
+                    <p:cTn id="54" fill="hold">
+                      <p:stCondLst>
+                        <p:cond delay="indefinite"/>
+                      </p:stCondLst>
+                      <p:childTnLst>
+                        <p:par>
+                          <p:cTn id="55" fill="hold">
+                            <p:stCondLst>
+                              <p:cond delay="0"/>
+                            </p:stCondLst>
+                            <p:childTnLst>
+                              <p:par>
+                                <p:cTn id="56" presetID="23" presetClass="entr" presetSubtype="288" fill="hold" grpId="0" nodeType="clickEffect">
+                                  <p:stCondLst>
+                                    <p:cond delay="0"/>
+                                  </p:stCondLst>
+                                  <p:childTnLst>
+                                    <p:set>
+                                      <p:cBhvr>
+                                        <p:cTn id="57" dur="1" fill="hold">
+                                          <p:stCondLst>
+                                            <p:cond delay="0"/>
+                                          </p:stCondLst>
+                                        </p:cTn>
+                                        <p:tgtEl>
+                                          <p:spTgt spid="46"/>
+                                        </p:tgtEl>
+                                        <p:attrNameLst>
+                                          <p:attrName>style.visibility</p:attrName>
+                                        </p:attrNameLst>
+                                      </p:cBhvr>
+                                      <p:to>
+                                        <p:strVal val="visible"/>
+                                      </p:to>
+                                    </p:set>
+                                    <p:anim calcmode="lin" valueType="num">
+                                      <p:cBhvr>
+                                        <p:cTn id="58" dur="500" fill="hold"/>
+                                        <p:tgtEl>
+                                          <p:spTgt spid="46"/>
+                                        </p:tgtEl>
+                                        <p:attrNameLst>
+                                          <p:attrName>ppt_w</p:attrName>
+                                        </p:attrNameLst>
+                                      </p:cBhvr>
+                                      <p:tavLst>
+                                        <p:tav tm="0">
+                                          <p:val>
+                                            <p:strVal val="4/3*#ppt_w"/>
+                                          </p:val>
+                                        </p:tav>
+                                        <p:tav tm="100000">
+                                          <p:val>
+                                            <p:strVal val="#ppt_w"/>
+                                          </p:val>
+                                        </p:tav>
+                                      </p:tavLst>
+                                    </p:anim>
+                                    <p:anim calcmode="lin" valueType="num">
+                                      <p:cBhvr>
+                                        <p:cTn id="59" dur="500" fill="hold"/>
+                                        <p:tgtEl>
+                                          <p:spTgt spid="46"/>
+                                        </p:tgtEl>
+                                        <p:attrNameLst>
+                                          <p:attrName>ppt_h</p:attrName>
+                                        </p:attrNameLst>
+                                      </p:cBhvr>
+                                      <p:tavLst>
+                                        <p:tav tm="0">
+                                          <p:val>
+                                            <p:strVal val="4/3*#ppt_h"/>
+                                          </p:val>
+                                        </p:tav>
+                                        <p:tav tm="100000">
+                                          <p:val>
+                                            <p:strVal val="#ppt_h"/>
+                                          </p:val>
+                                        </p:tav>
+                                      </p:tavLst>
+                                    </p:anim>
+                                  </p:childTnLst>
+                                </p:cTn>
+                              </p:par>
+                            </p:childTnLst>
+                          </p:cTn>
+                        </p:par>
+                      </p:childTnLst>
+                    </p:cTn>
+                  </p:par>
+                  <p:par>
+                    <p:cTn id="60" fill="hold">
+                      <p:stCondLst>
+                        <p:cond delay="indefinite"/>
+                      </p:stCondLst>
+                      <p:childTnLst>
+                        <p:par>
+                          <p:cTn id="61" fill="hold">
+                            <p:stCondLst>
+                              <p:cond delay="0"/>
+                            </p:stCondLst>
+                            <p:childTnLst>
+                              <p:par>
+                                <p:cTn id="62" presetID="23" presetClass="entr" presetSubtype="288" fill="hold" grpId="0" nodeType="clickEffect">
+                                  <p:stCondLst>
+                                    <p:cond delay="0"/>
+                                  </p:stCondLst>
+                                  <p:childTnLst>
+                                    <p:set>
+                                      <p:cBhvr>
+                                        <p:cTn id="63" dur="1" fill="hold">
+                                          <p:stCondLst>
+                                            <p:cond delay="0"/>
+                                          </p:stCondLst>
+                                        </p:cTn>
+                                        <p:tgtEl>
+                                          <p:spTgt spid="48"/>
+                                        </p:tgtEl>
+                                        <p:attrNameLst>
+                                          <p:attrName>style.visibility</p:attrName>
+                                        </p:attrNameLst>
+                                      </p:cBhvr>
+                                      <p:to>
+                                        <p:strVal val="visible"/>
+                                      </p:to>
+                                    </p:set>
+                                    <p:anim calcmode="lin" valueType="num">
+                                      <p:cBhvr>
+                                        <p:cTn id="64" dur="500" fill="hold"/>
+                                        <p:tgtEl>
+                                          <p:spTgt spid="48"/>
+                                        </p:tgtEl>
+                                        <p:attrNameLst>
+                                          <p:attrName>ppt_w</p:attrName>
+                                        </p:attrNameLst>
+                                      </p:cBhvr>
+                                      <p:tavLst>
+                                        <p:tav tm="0">
+                                          <p:val>
+                                            <p:strVal val="4/3*#ppt_w"/>
+                                          </p:val>
+                                        </p:tav>
+                                        <p:tav tm="100000">
+                                          <p:val>
+                                            <p:strVal val="#ppt_w"/>
+                                          </p:val>
+                                        </p:tav>
+                                      </p:tavLst>
+                                    </p:anim>
+                                    <p:anim calcmode="lin" valueType="num">
+                                      <p:cBhvr>
+                                        <p:cTn id="65" dur="500" fill="hold"/>
+                                        <p:tgtEl>
+                                          <p:spTgt spid="48"/>
+                                        </p:tgtEl>
+                                        <p:attrNameLst>
+                                          <p:attrName>ppt_h</p:attrName>
+                                        </p:attrNameLst>
+                                      </p:cBhvr>
+                                      <p:tavLst>
+                                        <p:tav tm="0">
+                                          <p:val>
+                                            <p:strVal val="4/3*#ppt_h"/>
+                                          </p:val>
+                                        </p:tav>
+                                        <p:tav tm="100000">
+                                          <p:val>
+                                            <p:strVal val="#ppt_h"/>
+                                          </p:val>
+                                        </p:tav>
+                                      </p:tavLst>
+                                    </p:anim>
+                                  </p:childTnLst>
+                                </p:cTn>
+                              </p:par>
+                            </p:childTnLst>
+                          </p:cTn>
+                        </p:par>
+                      </p:childTnLst>
+                    </p:cTn>
+                  </p:par>
+                  <p:par>
+                    <p:cTn id="66" fill="hold">
+                      <p:stCondLst>
+                        <p:cond delay="indefinite"/>
+                      </p:stCondLst>
+                      <p:childTnLst>
+                        <p:par>
+                          <p:cTn id="67" fill="hold">
+                            <p:stCondLst>
+                              <p:cond delay="0"/>
+                            </p:stCondLst>
+                            <p:childTnLst>
+                              <p:par>
+                                <p:cTn id="68" presetID="23" presetClass="entr" presetSubtype="288" fill="hold" grpId="0" nodeType="clickEffect">
+                                  <p:stCondLst>
+                                    <p:cond delay="0"/>
+                                  </p:stCondLst>
+                                  <p:childTnLst>
+                                    <p:set>
+                                      <p:cBhvr>
+                                        <p:cTn id="69" dur="1" fill="hold">
+                                          <p:stCondLst>
+                                            <p:cond delay="0"/>
+                                          </p:stCondLst>
+                                        </p:cTn>
+                                        <p:tgtEl>
+                                          <p:spTgt spid="45"/>
+                                        </p:tgtEl>
+                                        <p:attrNameLst>
+                                          <p:attrName>style.visibility</p:attrName>
+                                        </p:attrNameLst>
+                                      </p:cBhvr>
+                                      <p:to>
+                                        <p:strVal val="visible"/>
+                                      </p:to>
+                                    </p:set>
+                                    <p:anim calcmode="lin" valueType="num">
+                                      <p:cBhvr>
+                                        <p:cTn id="70" dur="500" fill="hold"/>
+                                        <p:tgtEl>
+                                          <p:spTgt spid="45"/>
+                                        </p:tgtEl>
+                                        <p:attrNameLst>
+                                          <p:attrName>ppt_w</p:attrName>
+                                        </p:attrNameLst>
+                                      </p:cBhvr>
+                                      <p:tavLst>
+                                        <p:tav tm="0">
+                                          <p:val>
+                                            <p:strVal val="4/3*#ppt_w"/>
+                                          </p:val>
+                                        </p:tav>
+                                        <p:tav tm="100000">
+                                          <p:val>
+                                            <p:strVal val="#ppt_w"/>
+                                          </p:val>
+                                        </p:tav>
+                                      </p:tavLst>
+                                    </p:anim>
+                                    <p:anim calcmode="lin" valueType="num">
+                                      <p:cBhvr>
+                                        <p:cTn id="71" dur="500" fill="hold"/>
+                                        <p:tgtEl>
+                                          <p:spTgt spid="45"/>
+                                        </p:tgtEl>
+                                        <p:attrNameLst>
+                                          <p:attrName>ppt_h</p:attrName>
+                                        </p:attrNameLst>
+                                      </p:cBhvr>
+                                      <p:tavLst>
+                                        <p:tav tm="0">
+                                          <p:val>
+                                            <p:strVal val="4/3*#ppt_h"/>
+                                          </p:val>
+                                        </p:tav>
+                                        <p:tav tm="100000">
+                                          <p:val>
+                                            <p:strVal val="#ppt_h"/>
+                                          </p:val>
+                                        </p:tav>
+                                      </p:tavLst>
+                                    </p:anim>
+                                  </p:childTnLst>
+                                </p:cTn>
+                              </p:par>
+                            </p:childTnLst>
+                          </p:cTn>
+                        </p:par>
+                      </p:childTnLst>
+                    </p:cTn>
+                  </p:par>
+                  <p:par>
+                    <p:cTn id="72" fill="hold">
+                      <p:stCondLst>
+                        <p:cond delay="indefinite"/>
+                      </p:stCondLst>
+                      <p:childTnLst>
+                        <p:par>
+                          <p:cTn id="73" fill="hold">
+                            <p:stCondLst>
+                              <p:cond delay="0"/>
+                            </p:stCondLst>
+                            <p:childTnLst>
+                              <p:par>
+                                <p:cTn id="74" presetID="23" presetClass="entr" presetSubtype="288" fill="hold" grpId="0" nodeType="clickEffect">
+                                  <p:stCondLst>
+                                    <p:cond delay="0"/>
+                                  </p:stCondLst>
+                                  <p:childTnLst>
+                                    <p:set>
+                                      <p:cBhvr>
+                                        <p:cTn id="75" dur="1" fill="hold">
+                                          <p:stCondLst>
+                                            <p:cond delay="0"/>
+                                          </p:stCondLst>
+                                        </p:cTn>
+                                        <p:tgtEl>
+                                          <p:spTgt spid="49"/>
+                                        </p:tgtEl>
+                                        <p:attrNameLst>
+                                          <p:attrName>style.visibility</p:attrName>
+                                        </p:attrNameLst>
+                                      </p:cBhvr>
+                                      <p:to>
+                                        <p:strVal val="visible"/>
+                                      </p:to>
+                                    </p:set>
+                                    <p:anim calcmode="lin" valueType="num">
+                                      <p:cBhvr>
+                                        <p:cTn id="76" dur="500" fill="hold"/>
+                                        <p:tgtEl>
+                                          <p:spTgt spid="49"/>
+                                        </p:tgtEl>
+                                        <p:attrNameLst>
+                                          <p:attrName>ppt_w</p:attrName>
+                                        </p:attrNameLst>
+                                      </p:cBhvr>
+                                      <p:tavLst>
+                                        <p:tav tm="0">
+                                          <p:val>
+                                            <p:strVal val="4/3*#ppt_w"/>
+                                          </p:val>
+                                        </p:tav>
+                                        <p:tav tm="100000">
+                                          <p:val>
+                                            <p:strVal val="#ppt_w"/>
+                                          </p:val>
+                                        </p:tav>
+                                      </p:tavLst>
+                                    </p:anim>
+                                    <p:anim calcmode="lin" valueType="num">
+                                      <p:cBhvr>
+                                        <p:cTn id="77" dur="500" fill="hold"/>
+                                        <p:tgtEl>
+                                          <p:spTgt spid="49"/>
+                                        </p:tgtEl>
+                                        <p:attrNameLst>
+                                          <p:attrName>ppt_h</p:attrName>
+                                        </p:attrNameLst>
+                                      </p:cBhvr>
+                                      <p:tavLst>
+                                        <p:tav tm="0">
+                                          <p:val>
+                                            <p:strVal val="4/3*#ppt_h"/>
+                                          </p:val>
+                                        </p:tav>
+                                        <p:tav tm="100000">
+                                          <p:val>
+                                            <p:strVal val="#ppt_h"/>
+                                          </p:val>
+                                        </p:tav>
+                                      </p:tavLst>
+                                    </p:anim>
+                                  </p:childTnLst>
+                                </p:cTn>
+                              </p:par>
+                            </p:childTnLst>
+                          </p:cTn>
+                        </p:par>
+                      </p:childTnLst>
+                    </p:cTn>
+                  </p:par>
+                  <p:par>
+                    <p:cTn id="78" fill="hold">
+                      <p:stCondLst>
+                        <p:cond delay="indefinite"/>
+                      </p:stCondLst>
+                      <p:childTnLst>
+                        <p:par>
+                          <p:cTn id="79" fill="hold">
+                            <p:stCondLst>
+                              <p:cond delay="0"/>
+                            </p:stCondLst>
+                            <p:childTnLst>
+                              <p:par>
+                                <p:cTn id="80" presetID="23" presetClass="entr" presetSubtype="288" fill="hold" grpId="0" nodeType="clickEffect">
+                                  <p:stCondLst>
+                                    <p:cond delay="0"/>
+                                  </p:stCondLst>
+                                  <p:childTnLst>
+                                    <p:set>
+                                      <p:cBhvr>
+                                        <p:cTn id="81" dur="1" fill="hold">
+                                          <p:stCondLst>
+                                            <p:cond delay="0"/>
+                                          </p:stCondLst>
+                                        </p:cTn>
+                                        <p:tgtEl>
+                                          <p:spTgt spid="50"/>
+                                        </p:tgtEl>
+                                        <p:attrNameLst>
+                                          <p:attrName>style.visibility</p:attrName>
+                                        </p:attrNameLst>
+                                      </p:cBhvr>
+                                      <p:to>
+                                        <p:strVal val="visible"/>
+                                      </p:to>
+                                    </p:set>
+                                    <p:anim calcmode="lin" valueType="num">
+                                      <p:cBhvr>
+                                        <p:cTn id="82" dur="500" fill="hold"/>
+                                        <p:tgtEl>
+                                          <p:spTgt spid="50"/>
+                                        </p:tgtEl>
+                                        <p:attrNameLst>
+                                          <p:attrName>ppt_w</p:attrName>
+                                        </p:attrNameLst>
+                                      </p:cBhvr>
+                                      <p:tavLst>
+                                        <p:tav tm="0">
+                                          <p:val>
+                                            <p:strVal val="4/3*#ppt_w"/>
+                                          </p:val>
+                                        </p:tav>
+                                        <p:tav tm="100000">
+                                          <p:val>
+                                            <p:strVal val="#ppt_w"/>
+                                          </p:val>
+                                        </p:tav>
+                                      </p:tavLst>
+                                    </p:anim>
+                                    <p:anim calcmode="lin" valueType="num">
+                                      <p:cBhvr>
+                                        <p:cTn id="83" dur="500" fill="hold"/>
+                                        <p:tgtEl>
+                                          <p:spTgt spid="50"/>
+                                        </p:tgtEl>
+                                        <p:attrNameLst>
+                                          <p:attrName>ppt_h</p:attrName>
+                                        </p:attrNameLst>
+                                      </p:cBhvr>
+                                      <p:tavLst>
+                                        <p:tav tm="0">
+                                          <p:val>
+                                            <p:strVal val="4/3*#ppt_h"/>
+                                          </p:val>
+                                        </p:tav>
+                                        <p:tav tm="100000">
+                                          <p:val>
+                                            <p:strVal val="#ppt_h"/>
+                                          </p:val>
+                                        </p:tav>
+                                      </p:tavLst>
+                                    </p:anim>
+                                  </p:childTnLst>
+                                </p:cTn>
+                              </p:par>
+                            </p:childTnLst>
+                          </p:cTn>
+                        </p:par>
+                      </p:childTnLst>
+                    </p:cTn>
+                  </p:par>
+                  <p:par>
+                    <p:cTn id="84" fill="hold">
+                      <p:stCondLst>
+                        <p:cond delay="indefinite"/>
+                      </p:stCondLst>
+                      <p:childTnLst>
+                        <p:par>
+                          <p:cTn id="85" fill="hold">
+                            <p:stCondLst>
+                              <p:cond delay="0"/>
+                            </p:stCondLst>
+                            <p:childTnLst>
+                              <p:par>
+                                <p:cTn id="86" presetID="1" presetClass="entr" presetSubtype="0" fill="hold" grpId="0" nodeType="clickEffect">
+                                  <p:stCondLst>
+                                    <p:cond delay="0"/>
+                                  </p:stCondLst>
+                                  <p:childTnLst>
+                                    <p:set>
+                                      <p:cBhvr>
+                                        <p:cTn id="87" dur="1" fill="hold">
+                                          <p:stCondLst>
+                                            <p:cond delay="0"/>
+                                          </p:stCondLst>
+                                        </p:cTn>
+                                        <p:tgtEl>
+                                          <p:spTgt spid="36"/>
+                                        </p:tgtEl>
+                                        <p:attrNameLst>
+                                          <p:attrName>style.visibility</p:attrName>
+                                        </p:attrNameLst>
+                                      </p:cBhvr>
+                                      <p:to>
+                                        <p:strVal val="visible"/>
+                                      </p:to>
+                                    </p:set>
+                                  </p:childTnLst>
+                                </p:cTn>
+                              </p:par>
+                            </p:childTnLst>
+                          </p:cTn>
+                        </p:par>
+                      </p:childTnLst>
+                    </p:cTn>
+                  </p:par>
+                  <p:par>
+                    <p:cTn id="88" fill="hold">
+                      <p:stCondLst>
+                        <p:cond delay="indefinite"/>
+                      </p:stCondLst>
+                      <p:childTnLst>
+                        <p:par>
+                          <p:cTn id="89" fill="hold">
+                            <p:stCondLst>
+                              <p:cond delay="0"/>
+                            </p:stCondLst>
+                            <p:childTnLst>
+                              <p:par>
+                                <p:cTn id="90" presetID="1" presetClass="entr" presetSubtype="0" fill="hold" grpId="0" nodeType="clickEffect">
+                                  <p:stCondLst>
+                                    <p:cond delay="0"/>
+                                  </p:stCondLst>
+                                  <p:childTnLst>
+                                    <p:set>
+                                      <p:cBhvr>
+                                        <p:cTn id="91" dur="1" fill="hold">
+                                          <p:stCondLst>
+                                            <p:cond delay="0"/>
+                                          </p:stCondLst>
+                                        </p:cTn>
+                                        <p:tgtEl>
+                                          <p:spTgt spid="37"/>
+                                        </p:tgtEl>
+                                        <p:attrNameLst>
+                                          <p:attrName>style.visibility</p:attrName>
+                                        </p:attrNameLst>
+                                      </p:cBhvr>
+                                      <p:to>
+                                        <p:strVal val="visible"/>
+                                      </p:to>
+                                    </p:set>
+                                  </p:childTnLst>
+                                </p:cTn>
+                              </p:par>
+                            </p:childTnLst>
+                          </p:cTn>
+                        </p:par>
+                      </p:childTnLst>
+                    </p:cTn>
+                  </p:par>
+                  <p:par>
+                    <p:cTn id="92" fill="hold">
+                      <p:stCondLst>
+                        <p:cond delay="indefinite"/>
+                      </p:stCondLst>
+                      <p:childTnLst>
+                        <p:par>
+                          <p:cTn id="93" fill="hold">
+                            <p:stCondLst>
+                              <p:cond delay="0"/>
+                            </p:stCondLst>
+                            <p:childTnLst>
+                              <p:par>
+                                <p:cTn id="94" presetID="23" presetClass="entr" presetSubtype="288" fill="hold" grpId="0" nodeType="clickEffect">
+                                  <p:stCondLst>
+                                    <p:cond delay="0"/>
+                                  </p:stCondLst>
+                                  <p:childTnLst>
+                                    <p:set>
+                                      <p:cBhvr>
+                                        <p:cTn id="95" dur="1" fill="hold">
+                                          <p:stCondLst>
+                                            <p:cond delay="0"/>
+                                          </p:stCondLst>
+                                        </p:cTn>
+                                        <p:tgtEl>
+                                          <p:spTgt spid="51"/>
+                                        </p:tgtEl>
+                                        <p:attrNameLst>
+                                          <p:attrName>style.visibility</p:attrName>
+                                        </p:attrNameLst>
+                                      </p:cBhvr>
+                                      <p:to>
+                                        <p:strVal val="visible"/>
+                                      </p:to>
+                                    </p:set>
+                                    <p:anim calcmode="lin" valueType="num">
+                                      <p:cBhvr>
+                                        <p:cTn id="96" dur="500" fill="hold"/>
+                                        <p:tgtEl>
+                                          <p:spTgt spid="51"/>
+                                        </p:tgtEl>
+                                        <p:attrNameLst>
+                                          <p:attrName>ppt_w</p:attrName>
+                                        </p:attrNameLst>
+                                      </p:cBhvr>
+                                      <p:tavLst>
+                                        <p:tav tm="0">
+                                          <p:val>
+                                            <p:strVal val="4/3*#ppt_w"/>
+                                          </p:val>
+                                        </p:tav>
+                                        <p:tav tm="100000">
+                                          <p:val>
+                                            <p:strVal val="#ppt_w"/>
+                                          </p:val>
+                                        </p:tav>
+                                      </p:tavLst>
+                                    </p:anim>
+                                    <p:anim calcmode="lin" valueType="num">
+                                      <p:cBhvr>
+                                        <p:cTn id="97" dur="500" fill="hold"/>
+                                        <p:tgtEl>
+                                          <p:spTgt spid="51"/>
+                                        </p:tgtEl>
+                                        <p:attrNameLst>
+                                          <p:attrName>ppt_h</p:attrName>
+                                        </p:attrNameLst>
+                                      </p:cBhvr>
+                                      <p:tavLst>
+                                        <p:tav tm="0">
+                                          <p:val>
+                                            <p:strVal val="4/3*#ppt_h"/>
+                                          </p:val>
+                                        </p:tav>
+                                        <p:tav tm="100000">
+                                          <p:val>
+                                            <p:strVal val="#ppt_h"/>
+                                          </p:val>
+                                        </p:tav>
+                                      </p:tavLst>
+                                    </p:anim>
+                                  </p:childTnLst>
+                                </p:cTn>
+                              </p:par>
+                            </p:childTnLst>
+                          </p:cTn>
+                        </p:par>
+                      </p:childTnLst>
+                    </p:cTn>
+                  </p:par>
+                  <p:par>
+                    <p:cTn id="98" fill="hold">
+                      <p:stCondLst>
+                        <p:cond delay="indefinite"/>
+                      </p:stCondLst>
+                      <p:childTnLst>
+                        <p:par>
+                          <p:cTn id="99" fill="hold">
+                            <p:stCondLst>
+                              <p:cond delay="0"/>
+                            </p:stCondLst>
+                            <p:childTnLst>
+                              <p:par>
+                                <p:cTn id="100" presetID="23" presetClass="entr" presetSubtype="288" fill="hold" grpId="0" nodeType="clickEffect">
+                                  <p:stCondLst>
+                                    <p:cond delay="0"/>
+                                  </p:stCondLst>
+                                  <p:childTnLst>
+                                    <p:set>
+                                      <p:cBhvr>
+                                        <p:cTn id="101" dur="1" fill="hold">
+                                          <p:stCondLst>
+                                            <p:cond delay="0"/>
+                                          </p:stCondLst>
+                                        </p:cTn>
+                                        <p:tgtEl>
+                                          <p:spTgt spid="40"/>
+                                        </p:tgtEl>
+                                        <p:attrNameLst>
+                                          <p:attrName>style.visibility</p:attrName>
+                                        </p:attrNameLst>
+                                      </p:cBhvr>
+                                      <p:to>
+                                        <p:strVal val="visible"/>
+                                      </p:to>
+                                    </p:set>
+                                    <p:anim calcmode="lin" valueType="num">
+                                      <p:cBhvr>
+                                        <p:cTn id="102" dur="500" fill="hold"/>
+                                        <p:tgtEl>
+                                          <p:spTgt spid="40"/>
+                                        </p:tgtEl>
+                                        <p:attrNameLst>
+                                          <p:attrName>ppt_w</p:attrName>
+                                        </p:attrNameLst>
+                                      </p:cBhvr>
+                                      <p:tavLst>
+                                        <p:tav tm="0">
+                                          <p:val>
+                                            <p:strVal val="4/3*#ppt_w"/>
+                                          </p:val>
+                                        </p:tav>
+                                        <p:tav tm="100000">
+                                          <p:val>
+                                            <p:strVal val="#ppt_w"/>
+                                          </p:val>
+                                        </p:tav>
+                                      </p:tavLst>
+                                    </p:anim>
+                                    <p:anim calcmode="lin" valueType="num">
+                                      <p:cBhvr>
+                                        <p:cTn id="103" dur="500" fill="hold"/>
+                                        <p:tgtEl>
+                                          <p:spTgt spid="40"/>
+                                        </p:tgtEl>
+                                        <p:attrNameLst>
+                                          <p:attrName>ppt_h</p:attrName>
+                                        </p:attrNameLst>
+                                      </p:cBhvr>
+                                      <p:tavLst>
+                                        <p:tav tm="0">
+                                          <p:val>
+                                            <p:strVal val="4/3*#ppt_h"/>
+                                          </p:val>
+                                        </p:tav>
+                                        <p:tav tm="100000">
+                                          <p:val>
+                                            <p:strVal val="#ppt_h"/>
+                                          </p:val>
+                                        </p:tav>
+                                      </p:tavLst>
+                                    </p:anim>
+                                  </p:childTnLst>
+                                </p:cTn>
+                              </p:par>
+                            </p:childTnLst>
+                          </p:cTn>
+                        </p:par>
+                      </p:childTnLst>
+                    </p:cTn>
+                  </p:par>
+                  <p:par>
+                    <p:cTn id="104" fill="hold">
+                      <p:stCondLst>
+                        <p:cond delay="indefinite"/>
+                      </p:stCondLst>
+                      <p:childTnLst>
+                        <p:par>
+                          <p:cTn id="105" fill="hold">
+                            <p:stCondLst>
+                              <p:cond delay="0"/>
+                            </p:stCondLst>
+                            <p:childTnLst>
+                              <p:par>
+                                <p:cTn id="106" presetID="23" presetClass="entr" presetSubtype="288" fill="hold" grpId="0" nodeType="clickEffect">
+                                  <p:stCondLst>
+                                    <p:cond delay="0"/>
+                                  </p:stCondLst>
+                                  <p:childTnLst>
+                                    <p:set>
+                                      <p:cBhvr>
+                                        <p:cTn id="107" dur="1" fill="hold">
+                                          <p:stCondLst>
+                                            <p:cond delay="0"/>
+                                          </p:stCondLst>
+                                        </p:cTn>
+                                        <p:tgtEl>
+                                          <p:spTgt spid="52"/>
+                                        </p:tgtEl>
+                                        <p:attrNameLst>
+                                          <p:attrName>style.visibility</p:attrName>
+                                        </p:attrNameLst>
+                                      </p:cBhvr>
+                                      <p:to>
+                                        <p:strVal val="visible"/>
+                                      </p:to>
+                                    </p:set>
+                                    <p:anim calcmode="lin" valueType="num">
+                                      <p:cBhvr>
+                                        <p:cTn id="108" dur="500" fill="hold"/>
+                                        <p:tgtEl>
+                                          <p:spTgt spid="52"/>
+                                        </p:tgtEl>
+                                        <p:attrNameLst>
+                                          <p:attrName>ppt_w</p:attrName>
+                                        </p:attrNameLst>
+                                      </p:cBhvr>
+                                      <p:tavLst>
+                                        <p:tav tm="0">
+                                          <p:val>
+                                            <p:strVal val="4/3*#ppt_w"/>
+                                          </p:val>
+                                        </p:tav>
+                                        <p:tav tm="100000">
+                                          <p:val>
+                                            <p:strVal val="#ppt_w"/>
+                                          </p:val>
+                                        </p:tav>
+                                      </p:tavLst>
+                                    </p:anim>
+                                    <p:anim calcmode="lin" valueType="num">
+                                      <p:cBhvr>
+                                        <p:cTn id="109" dur="500" fill="hold"/>
+                                        <p:tgtEl>
+                                          <p:spTgt spid="52"/>
+                                        </p:tgtEl>
+                                        <p:attrNameLst>
+                                          <p:attrName>ppt_h</p:attrName>
+                                        </p:attrNameLst>
+                                      </p:cBhvr>
+                                      <p:tavLst>
+                                        <p:tav tm="0">
+                                          <p:val>
+                                            <p:strVal val="4/3*#ppt_h"/>
+                                          </p:val>
+                                        </p:tav>
+                                        <p:tav tm="100000">
+                                          <p:val>
+                                            <p:strVal val="#ppt_h"/>
+                                          </p:val>
+                                        </p:tav>
+                                      </p:tavLst>
+                                    </p:anim>
+                                  </p:childTnLst>
+                                </p:cTn>
+                              </p:par>
+                            </p:childTnLst>
+                          </p:cTn>
+                        </p:par>
+                      </p:childTnLst>
+                    </p:cTn>
+                  </p:par>
+                  <p:par>
+                    <p:cTn id="110" fill="hold">
+                      <p:stCondLst>
+                        <p:cond delay="indefinite"/>
+                      </p:stCondLst>
+                      <p:childTnLst>
+                        <p:par>
+                          <p:cTn id="111" fill="hold">
+                            <p:stCondLst>
+                              <p:cond delay="0"/>
+                            </p:stCondLst>
+                            <p:childTnLst>
+                              <p:par>
+                                <p:cTn id="112" presetID="23" presetClass="entr" presetSubtype="288" fill="hold" grpId="0" nodeType="clickEffect">
+                                  <p:stCondLst>
+                                    <p:cond delay="0"/>
+                                  </p:stCondLst>
+                                  <p:childTnLst>
+                                    <p:set>
+                                      <p:cBhvr>
+                                        <p:cTn id="113" dur="1" fill="hold">
+                                          <p:stCondLst>
+                                            <p:cond delay="0"/>
+                                          </p:stCondLst>
+                                        </p:cTn>
+                                        <p:tgtEl>
+                                          <p:spTgt spid="53"/>
+                                        </p:tgtEl>
+                                        <p:attrNameLst>
+                                          <p:attrName>style.visibility</p:attrName>
+                                        </p:attrNameLst>
+                                      </p:cBhvr>
+                                      <p:to>
+                                        <p:strVal val="visible"/>
+                                      </p:to>
+                                    </p:set>
+                                    <p:anim calcmode="lin" valueType="num">
+                                      <p:cBhvr>
+                                        <p:cTn id="114" dur="500" fill="hold"/>
+                                        <p:tgtEl>
+                                          <p:spTgt spid="53"/>
+                                        </p:tgtEl>
+                                        <p:attrNameLst>
+                                          <p:attrName>ppt_w</p:attrName>
+                                        </p:attrNameLst>
+                                      </p:cBhvr>
+                                      <p:tavLst>
+                                        <p:tav tm="0">
+                                          <p:val>
+                                            <p:strVal val="4/3*#ppt_w"/>
+                                          </p:val>
+                                        </p:tav>
+                                        <p:tav tm="100000">
+                                          <p:val>
+                                            <p:strVal val="#ppt_w"/>
+                                          </p:val>
+                                        </p:tav>
+                                      </p:tavLst>
+                                    </p:anim>
+                                    <p:anim calcmode="lin" valueType="num">
+                                      <p:cBhvr>
+                                        <p:cTn id="115" dur="500" fill="hold"/>
+                                        <p:tgtEl>
+                                          <p:spTgt spid="53"/>
+                                        </p:tgtEl>
+                                        <p:attrNameLst>
+                                          <p:attrName>ppt_h</p:attrName>
+                                        </p:attrNameLst>
+                                      </p:cBhvr>
+                                      <p:tavLst>
+                                        <p:tav tm="0">
+                                          <p:val>
+                                            <p:strVal val="4/3*#ppt_h"/>
+                                          </p:val>
+                                        </p:tav>
+                                        <p:tav tm="100000">
+                                          <p:val>
+                                            <p:strVal val="#ppt_h"/>
+                                          </p:val>
+                                        </p:tav>
+                                      </p:tavLst>
+                                    </p:anim>
+                                  </p:childTnLst>
+                                </p:cTn>
+                              </p:par>
+                            </p:childTnLst>
+                          </p:cTn>
+                        </p:par>
+                      </p:childTnLst>
+                    </p:cTn>
+                  </p:par>
+                </p:childTnLst>
+              </p:cTn>
+              <p:prevCondLst>
+                <p:cond evt="onPrev" delay="0">
+                  <p:tgtEl>
+                    <p:sldTgt/>
+                  </p:tgtEl>
+                </p:cond>
+              </p:prevCondLst>
+              <p:nextCondLst>
+                <p:cond evt="onNext" delay="0">
+                  <p:tgtEl>
+                    <p:sldTgt/>
+                  </p:tgtEl>
+                </p:cond>
+              </p:nextCondLst>
+            </p:seq>
+          </p:childTnLst>
+        </p:cTn>
+      </p:par>
+    </p:tnLst>
+    <p:bldLst>
+      <p:bldP spid="23" grpId="0"/>
+      <p:bldP spid="29" grpId="0"/>
+      <p:bldP spid="31" grpId="0"/>
+      <p:bldP spid="35" grpId="0"/>
+      <p:bldP spid="36" grpId="0"/>
+      <p:bldP spid="37" grpId="0"/>
+      <p:bldP spid="38" grpId="0"/>
+      <p:bldP spid="40" grpId="0"/>
+      <p:bldP spid="41" grpId="0"/>
+      <p:bldP spid="42" grpId="0"/>
+      <p:bldP spid="43" grpId="0"/>
+      <p:bldP spid="44" grpId="0"/>
+      <p:bldP spid="45" grpId="0"/>
+      <p:bldP spid="46" grpId="0"/>
+      <p:bldP spid="48" grpId="0"/>
+      <p:bldP spid="49" grpId="0"/>
+      <p:bldP spid="50" grpId="0"/>
+      <p:bldP spid="51" grpId="0"/>
+      <p:bldP spid="52" grpId="0"/>
+      <p:bldP spid="53" grpId="0"/>
+    </p:bldLst>
+  </p:timing>
+</p:sld>
+</file>
+
+<file path=ppt/slides/slide6.xml><?xml version="1.0" encoding="utf-8"?>
 <p:sld xmlns:a="http://schemas.openxmlformats.org/drawingml/2006/main" xmlns:r="http://schemas.openxmlformats.org/officeDocument/2006/relationships" xmlns:p="http://schemas.openxmlformats.org/presentationml/2006/main">
   <p:cSld>
     <p:spTree>
@@ -10360,7 +17785,7 @@
 </p:sld>
 </file>
 
-<file path=ppt/slides/slide5.xml><?xml version="1.0" encoding="utf-8"?>
+<file path=ppt/slides/slide7.xml><?xml version="1.0" encoding="utf-8"?>
 <p:sld xmlns:a="http://schemas.openxmlformats.org/drawingml/2006/main" xmlns:r="http://schemas.openxmlformats.org/officeDocument/2006/relationships" xmlns:p="http://schemas.openxmlformats.org/presentationml/2006/main">
   <p:cSld>
     <p:spTree>
@@ -11476,7 +18901,7 @@
 </p:sld>
 </file>
 
-<file path=ppt/slides/slide6.xml><?xml version="1.0" encoding="utf-8"?>
+<file path=ppt/slides/slide8.xml><?xml version="1.0" encoding="utf-8"?>
 <p:sld xmlns:a="http://schemas.openxmlformats.org/drawingml/2006/main" xmlns:r="http://schemas.openxmlformats.org/officeDocument/2006/relationships" xmlns:p="http://schemas.openxmlformats.org/presentationml/2006/main">
   <p:cSld>
     <p:spTree>
@@ -12557,34 +19982,7 @@
                 </a:solidFill>
                 <a:latin typeface="Calibri" pitchFamily="34" charset="0"/>
               </a:rPr>
-              <a:t>Kann </a:t>
-            </a:r>
-            <a:r>
-              <a:rPr lang="de-DE" sz="2800" dirty="0" smtClean="0">
-                <a:solidFill>
-                  <a:srgbClr val="C00000"/>
-                </a:solidFill>
-                <a:latin typeface="Calibri" pitchFamily="34" charset="0"/>
-              </a:rPr>
-              <a:t>man </a:t>
-            </a:r>
-            <a:r>
-              <a:rPr lang="de-DE" sz="2800" dirty="0" smtClean="0">
-                <a:solidFill>
-                  <a:srgbClr val="C00000"/>
-                </a:solidFill>
-                <a:latin typeface="Calibri" pitchFamily="34" charset="0"/>
-              </a:rPr>
-              <a:t>die Parameter </a:t>
-            </a:r>
-            <a:r>
-              <a:rPr lang="de-DE" sz="2800" dirty="0" smtClean="0">
-                <a:solidFill>
-                  <a:srgbClr val="C00000"/>
-                </a:solidFill>
-                <a:latin typeface="Calibri" pitchFamily="34" charset="0"/>
-              </a:rPr>
-              <a:t>im Feld messen?</a:t>
+              <a:t>Kann man die Parameter im Feld messen?</a:t>
             </a:r>
             <a:endParaRPr lang="de-DE" sz="2800" dirty="0">
               <a:solidFill>
@@ -12692,7 +20090,7 @@
 </p:sld>
 </file>
 
-<file path=ppt/slides/slide7.xml><?xml version="1.0" encoding="utf-8"?>
+<file path=ppt/slides/slide9.xml><?xml version="1.0" encoding="utf-8"?>
 <p:sld xmlns:a="http://schemas.openxmlformats.org/drawingml/2006/main" xmlns:r="http://schemas.openxmlformats.org/officeDocument/2006/relationships" xmlns:p="http://schemas.openxmlformats.org/presentationml/2006/main">
   <p:cSld>
     <p:spTree>
@@ -12817,17 +20215,8 @@
               <a:rPr lang="de-DE" sz="2000" b="1" dirty="0" smtClean="0">
                 <a:latin typeface="Calibri" pitchFamily="34" charset="0"/>
               </a:rPr>
-              <a:t>Parameter des abcd-Modells sind alle „konzeptionell</a:t>
-            </a:r>
-            <a:r>
-              <a:rPr lang="de-DE" sz="2000" b="1" dirty="0" smtClean="0">
-                <a:latin typeface="Calibri" pitchFamily="34" charset="0"/>
-              </a:rPr>
-              <a:t>“</a:t>
-            </a:r>
-            <a:endParaRPr lang="de-DE" sz="2000" b="1" dirty="0" smtClean="0">
-              <a:latin typeface="Calibri" pitchFamily="34" charset="0"/>
-            </a:endParaRPr>
+              <a:t>Parameter des abcd-Modells sind alle „konzeptionell“</a:t>
+            </a:r>
           </a:p>
         </p:txBody>
       </p:sp>
@@ -12867,17 +20256,8 @@
               <a:rPr lang="de-DE" sz="2000" dirty="0" smtClean="0">
                 <a:latin typeface="Calibri" pitchFamily="34" charset="0"/>
               </a:rPr>
-              <a:t>Physikalisch interpretierbar, aber nicht </a:t>
-            </a:r>
-            <a:r>
-              <a:rPr lang="de-DE" sz="2000" dirty="0" smtClean="0">
-                <a:latin typeface="Calibri" pitchFamily="34" charset="0"/>
-              </a:rPr>
-              <a:t>direkt messbar</a:t>
-            </a:r>
-            <a:endParaRPr lang="de-DE" sz="2000" dirty="0" smtClean="0">
-              <a:latin typeface="Calibri" pitchFamily="34" charset="0"/>
-            </a:endParaRPr>
+              <a:t>Physikalisch interpretierbar, aber nicht direkt messbar</a:t>
+            </a:r>
           </a:p>
           <a:p>
             <a:pPr marL="273050" indent="-273050">
@@ -12956,15 +20336,6 @@
               </a:rPr>
               <a:t>), </a:t>
             </a:r>
-            <a:r>
-              <a:rPr lang="de-DE" sz="2000" dirty="0" smtClean="0">
-                <a:solidFill>
-                  <a:schemeClr val="bg1"/>
-                </a:solidFill>
-                <a:latin typeface="Calibri" pitchFamily="34" charset="0"/>
-              </a:rPr>
-              <a:t/>
-            </a:r>
             <a:br>
               <a:rPr lang="de-DE" sz="2000" dirty="0" smtClean="0">
                 <a:solidFill>
@@ -13058,13 +20429,7 @@
               <a:rPr lang="de-DE" sz="2000" dirty="0" smtClean="0">
                 <a:latin typeface="Calibri" pitchFamily="34" charset="0"/>
               </a:rPr>
-              <a:t> </a:t>
-            </a:r>
-            <a:r>
-              <a:rPr lang="de-DE" sz="2000" dirty="0" smtClean="0">
-                <a:latin typeface="Calibri" pitchFamily="34" charset="0"/>
-              </a:rPr>
-              <a:t>am Gebietsauslass</a:t>
+              <a:t> am Gebietsauslass</a:t>
             </a:r>
           </a:p>
         </p:txBody>
@@ -13146,13 +20511,7 @@
               <a:rPr lang="de-DE" sz="2000" dirty="0" smtClean="0">
                 <a:latin typeface="Calibri" pitchFamily="34" charset="0"/>
               </a:rPr>
-              <a:t> </a:t>
-            </a:r>
-            <a:r>
-              <a:rPr lang="de-DE" sz="2000" dirty="0" smtClean="0">
-                <a:latin typeface="Calibri" pitchFamily="34" charset="0"/>
-              </a:rPr>
-              <a:t>am Gebietsauslass</a:t>
+              <a:t> am Gebietsauslass</a:t>
             </a:r>
           </a:p>
         </p:txBody>
@@ -13255,9 +20614,6 @@
               </a:rPr>
               <a:t>  </a:t>
             </a:r>
-            <a:endParaRPr lang="de-DE" sz="2000" dirty="0" smtClean="0">
-              <a:latin typeface="Calibri" pitchFamily="34" charset="0"/>
-            </a:endParaRPr>
           </a:p>
         </p:txBody>
       </p:sp>
@@ -13401,15 +20757,6 @@
                 <a:latin typeface="Calibri" pitchFamily="34" charset="0"/>
               </a:rPr>
               <a:t>), </a:t>
-            </a:r>
-            <a:r>
-              <a:rPr lang="de-DE" sz="2000" dirty="0" smtClean="0">
-                <a:solidFill>
-                  <a:schemeClr val="bg1"/>
-                </a:solidFill>
-                <a:latin typeface="Calibri" pitchFamily="34" charset="0"/>
-              </a:rPr>
-              <a:t/>
             </a:r>
             <a:br>
               <a:rPr lang="de-DE" sz="2000" dirty="0" smtClean="0">
@@ -14235,1708 +21582,6 @@
       <p:bldP spid="56" grpId="0" animBg="1"/>
       <p:bldP spid="15" grpId="0" animBg="1"/>
     </p:bldLst>
-  </p:timing>
-</p:sld>
-</file>
-
-<file path=ppt/slides/slide8.xml><?xml version="1.0" encoding="utf-8"?>
-<p:sld xmlns:a="http://schemas.openxmlformats.org/drawingml/2006/main" xmlns:r="http://schemas.openxmlformats.org/officeDocument/2006/relationships" xmlns:p="http://schemas.openxmlformats.org/presentationml/2006/main">
-  <p:cSld>
-    <p:spTree>
-      <p:nvGrpSpPr>
-        <p:cNvPr id="1" name=""/>
-        <p:cNvGrpSpPr/>
-        <p:nvPr/>
-      </p:nvGrpSpPr>
-      <p:grpSpPr>
-        <a:xfrm>
-          <a:off x="0" y="0"/>
-          <a:ext cx="0" cy="0"/>
-          <a:chOff x="0" y="0"/>
-          <a:chExt cx="0" cy="0"/>
-        </a:xfrm>
-      </p:grpSpPr>
-      <p:sp>
-        <p:nvSpPr>
-          <p:cNvPr id="13" name="Textfeld 12"/>
-          <p:cNvSpPr txBox="1"/>
-          <p:nvPr/>
-        </p:nvSpPr>
-        <p:spPr>
-          <a:xfrm>
-            <a:off x="1" y="-21515"/>
-            <a:ext cx="9108504" cy="476250"/>
-          </a:xfrm>
-          <a:prstGeom prst="rect">
-            <a:avLst/>
-          </a:prstGeom>
-          <a:noFill/>
-          <a:effectLst/>
-        </p:spPr>
-        <p:txBody>
-          <a:bodyPr wrap="square" lIns="0" rIns="0" rtlCol="0">
-            <a:noAutofit/>
-          </a:bodyPr>
-          <a:lstStyle/>
-          <a:p>
-            <a:pPr algn="ctr">
-              <a:spcAft>
-                <a:spcPts val="0"/>
-              </a:spcAft>
-              <a:defRPr/>
-            </a:pPr>
-            <a:r>
-              <a:rPr lang="de-DE" sz="2800" dirty="0" smtClean="0">
-                <a:solidFill>
-                  <a:schemeClr val="bg1">
-                    <a:lumMod val="85000"/>
-                  </a:schemeClr>
-                </a:solidFill>
-                <a:latin typeface="Calibri" pitchFamily="34" charset="0"/>
-              </a:rPr>
-              <a:t>Kalibrierung und Validierung</a:t>
-            </a:r>
-          </a:p>
-        </p:txBody>
-      </p:sp>
-      <p:sp>
-        <p:nvSpPr>
-          <p:cNvPr id="10" name="Textfeld 9"/>
-          <p:cNvSpPr txBox="1"/>
-          <p:nvPr/>
-        </p:nvSpPr>
-        <p:spPr>
-          <a:xfrm>
-            <a:off x="250825" y="765175"/>
-            <a:ext cx="4896544" cy="523220"/>
-          </a:xfrm>
-          <a:prstGeom prst="rect">
-            <a:avLst/>
-          </a:prstGeom>
-          <a:noFill/>
-        </p:spPr>
-        <p:txBody>
-          <a:bodyPr wrap="square" rtlCol="0">
-            <a:spAutoFit/>
-          </a:bodyPr>
-          <a:lstStyle/>
-          <a:p>
-            <a:r>
-              <a:rPr lang="de-DE" sz="2800" dirty="0" smtClean="0">
-                <a:latin typeface="Calibri" pitchFamily="34" charset="0"/>
-              </a:rPr>
-              <a:t>Modellkalibrierung </a:t>
-            </a:r>
-            <a:endParaRPr lang="de-DE" sz="2800" dirty="0">
-              <a:latin typeface="Calibri" pitchFamily="34" charset="0"/>
-            </a:endParaRPr>
-          </a:p>
-        </p:txBody>
-      </p:sp>
-      <p:sp>
-        <p:nvSpPr>
-          <p:cNvPr id="23" name="Textfeld 22"/>
-          <p:cNvSpPr txBox="1"/>
-          <p:nvPr/>
-        </p:nvSpPr>
-        <p:spPr>
-          <a:xfrm>
-            <a:off x="250825" y="1484784"/>
-            <a:ext cx="6049367" cy="400110"/>
-          </a:xfrm>
-          <a:prstGeom prst="rect">
-            <a:avLst/>
-          </a:prstGeom>
-          <a:noFill/>
-        </p:spPr>
-        <p:txBody>
-          <a:bodyPr wrap="square" rtlCol="0">
-            <a:spAutoFit/>
-          </a:bodyPr>
-          <a:lstStyle/>
-          <a:p>
-            <a:pPr>
-              <a:spcAft>
-                <a:spcPts val="600"/>
-              </a:spcAft>
-            </a:pPr>
-            <a:r>
-              <a:rPr lang="de-DE" sz="2000" b="1" dirty="0" smtClean="0">
-                <a:latin typeface="Calibri" pitchFamily="34" charset="0"/>
-              </a:rPr>
-              <a:t>Maße für Übereinstimmung / Fehler / Güte</a:t>
-            </a:r>
-            <a:endParaRPr lang="de-DE" sz="2000" b="1" dirty="0" smtClean="0">
-              <a:latin typeface="Calibri" pitchFamily="34" charset="0"/>
-            </a:endParaRPr>
-          </a:p>
-        </p:txBody>
-      </p:sp>
-      <p:sp>
-        <p:nvSpPr>
-          <p:cNvPr id="29" name="Textfeld 28"/>
-          <p:cNvSpPr txBox="1"/>
-          <p:nvPr/>
-        </p:nvSpPr>
-        <p:spPr>
-          <a:xfrm>
-            <a:off x="250825" y="1916833"/>
-            <a:ext cx="7634288" cy="784830"/>
-          </a:xfrm>
-          <a:prstGeom prst="rect">
-            <a:avLst/>
-          </a:prstGeom>
-          <a:noFill/>
-        </p:spPr>
-        <p:txBody>
-          <a:bodyPr wrap="square" rtlCol="0">
-            <a:spAutoFit/>
-          </a:bodyPr>
-          <a:lstStyle/>
-          <a:p>
-            <a:pPr marL="273050" indent="-273050">
-              <a:spcAft>
-                <a:spcPts val="600"/>
-              </a:spcAft>
-              <a:buFont typeface="Wingdings" pitchFamily="2" charset="2"/>
-              <a:buChar char="§"/>
-              <a:tabLst>
-                <a:tab pos="273050" algn="l"/>
-              </a:tabLst>
-            </a:pPr>
-            <a:r>
-              <a:rPr lang="de-DE" sz="2000" dirty="0" smtClean="0">
-                <a:latin typeface="Calibri" pitchFamily="34" charset="0"/>
-              </a:rPr>
-              <a:t>unendliche Vielfalt</a:t>
-            </a:r>
-            <a:endParaRPr lang="de-DE" sz="2000" dirty="0" smtClean="0">
-              <a:latin typeface="Calibri" pitchFamily="34" charset="0"/>
-            </a:endParaRPr>
-          </a:p>
-          <a:p>
-            <a:pPr marL="273050" indent="-273050">
-              <a:spcAft>
-                <a:spcPts val="600"/>
-              </a:spcAft>
-              <a:buFont typeface="Wingdings" pitchFamily="2" charset="2"/>
-              <a:buChar char="§"/>
-              <a:tabLst>
-                <a:tab pos="273050" algn="l"/>
-              </a:tabLst>
-            </a:pPr>
-            <a:r>
-              <a:rPr lang="de-DE" sz="2000" dirty="0" smtClean="0">
-                <a:latin typeface="Calibri" pitchFamily="34" charset="0"/>
-              </a:rPr>
-              <a:t>objektives Maß für </a:t>
-            </a:r>
-            <a:r>
-              <a:rPr lang="de-DE" sz="2000" b="1" dirty="0" smtClean="0">
-                <a:latin typeface="Calibri" pitchFamily="34" charset="0"/>
-              </a:rPr>
-              <a:t>Deine</a:t>
-            </a:r>
-            <a:r>
-              <a:rPr lang="de-DE" sz="2000" dirty="0" smtClean="0">
-                <a:latin typeface="Calibri" pitchFamily="34" charset="0"/>
-              </a:rPr>
-              <a:t> Anforderung an das Modell</a:t>
-            </a:r>
-            <a:endParaRPr lang="de-DE" sz="2000" dirty="0" smtClean="0">
-              <a:latin typeface="Calibri" pitchFamily="34" charset="0"/>
-            </a:endParaRPr>
-          </a:p>
-        </p:txBody>
-      </p:sp>
-      <p:sp>
-        <p:nvSpPr>
-          <p:cNvPr id="15" name="Textfeld 14"/>
-          <p:cNvSpPr txBox="1"/>
-          <p:nvPr/>
-        </p:nvSpPr>
-        <p:spPr>
-          <a:xfrm>
-            <a:off x="251520" y="2924944"/>
-            <a:ext cx="6049367" cy="400110"/>
-          </a:xfrm>
-          <a:prstGeom prst="rect">
-            <a:avLst/>
-          </a:prstGeom>
-          <a:noFill/>
-        </p:spPr>
-        <p:txBody>
-          <a:bodyPr wrap="square" rtlCol="0">
-            <a:spAutoFit/>
-          </a:bodyPr>
-          <a:lstStyle/>
-          <a:p>
-            <a:pPr>
-              <a:spcAft>
-                <a:spcPts val="600"/>
-              </a:spcAft>
-            </a:pPr>
-            <a:r>
-              <a:rPr lang="de-DE" sz="2000" b="1" dirty="0" smtClean="0">
-                <a:latin typeface="Calibri" pitchFamily="34" charset="0"/>
-              </a:rPr>
-              <a:t>Beispiele (in R-Schreibweise) </a:t>
-            </a:r>
-            <a:endParaRPr lang="de-DE" sz="2000" b="1" dirty="0" smtClean="0">
-              <a:latin typeface="Calibri" pitchFamily="34" charset="0"/>
-            </a:endParaRPr>
-          </a:p>
-        </p:txBody>
-      </p:sp>
-      <p:sp>
-        <p:nvSpPr>
-          <p:cNvPr id="16" name="Textfeld 15"/>
-          <p:cNvSpPr txBox="1"/>
-          <p:nvPr/>
-        </p:nvSpPr>
-        <p:spPr>
-          <a:xfrm>
-            <a:off x="251520" y="3356993"/>
-            <a:ext cx="7634288" cy="784830"/>
-          </a:xfrm>
-          <a:prstGeom prst="rect">
-            <a:avLst/>
-          </a:prstGeom>
-          <a:noFill/>
-        </p:spPr>
-        <p:txBody>
-          <a:bodyPr wrap="square" rtlCol="0">
-            <a:spAutoFit/>
-          </a:bodyPr>
-          <a:lstStyle/>
-          <a:p>
-            <a:pPr marL="273050" indent="-273050">
-              <a:spcAft>
-                <a:spcPts val="600"/>
-              </a:spcAft>
-              <a:buFont typeface="Wingdings" pitchFamily="2" charset="2"/>
-              <a:buChar char="§"/>
-              <a:tabLst>
-                <a:tab pos="273050" algn="l"/>
-              </a:tabLst>
-            </a:pPr>
-            <a:r>
-              <a:rPr lang="de-DE" sz="2000" dirty="0" smtClean="0">
-                <a:latin typeface="Calibri" pitchFamily="34" charset="0"/>
-              </a:rPr>
-              <a:t> </a:t>
-            </a:r>
-            <a:r>
-              <a:rPr lang="de-DE" sz="1800" dirty="0" err="1" smtClean="0">
-                <a:latin typeface="Courier New" pitchFamily="49" charset="0"/>
-                <a:cs typeface="Courier New" pitchFamily="49" charset="0"/>
-              </a:rPr>
-              <a:t>obs</a:t>
-            </a:r>
-            <a:r>
-              <a:rPr lang="de-DE" sz="2000" dirty="0" smtClean="0">
-                <a:latin typeface="Calibri" pitchFamily="34" charset="0"/>
-              </a:rPr>
-              <a:t> sei ein Vektor mit Beobachtungen</a:t>
-            </a:r>
-            <a:endParaRPr lang="de-DE" sz="2000" dirty="0" smtClean="0">
-              <a:latin typeface="Calibri" pitchFamily="34" charset="0"/>
-            </a:endParaRPr>
-          </a:p>
-          <a:p>
-            <a:pPr marL="273050" indent="-273050">
-              <a:spcAft>
-                <a:spcPts val="600"/>
-              </a:spcAft>
-              <a:buFont typeface="Wingdings" pitchFamily="2" charset="2"/>
-              <a:buChar char="§"/>
-              <a:tabLst>
-                <a:tab pos="273050" algn="l"/>
-              </a:tabLst>
-            </a:pPr>
-            <a:r>
-              <a:rPr lang="de-DE" sz="2000" dirty="0" smtClean="0">
-                <a:latin typeface="Calibri" pitchFamily="34" charset="0"/>
-              </a:rPr>
-              <a:t> </a:t>
-            </a:r>
-            <a:r>
-              <a:rPr lang="de-DE" sz="1800" dirty="0" err="1" smtClean="0">
-                <a:latin typeface="Courier New" pitchFamily="49" charset="0"/>
-                <a:cs typeface="Courier New" pitchFamily="49" charset="0"/>
-              </a:rPr>
-              <a:t>sim</a:t>
-            </a:r>
-            <a:r>
-              <a:rPr lang="de-DE" sz="2000" dirty="0" smtClean="0">
-                <a:latin typeface="Calibri" pitchFamily="34" charset="0"/>
-              </a:rPr>
-              <a:t> sei ein Vektor mit Simulationsergebnissen</a:t>
-            </a:r>
-            <a:endParaRPr lang="de-DE" sz="2000" dirty="0" smtClean="0">
-              <a:latin typeface="Calibri" pitchFamily="34" charset="0"/>
-            </a:endParaRPr>
-          </a:p>
-        </p:txBody>
-      </p:sp>
-      <p:sp>
-        <p:nvSpPr>
-          <p:cNvPr id="26" name="Rechteck 25"/>
-          <p:cNvSpPr/>
-          <p:nvPr/>
-        </p:nvSpPr>
-        <p:spPr bwMode="auto">
-          <a:xfrm>
-            <a:off x="0" y="4292600"/>
-            <a:ext cx="9144000" cy="1944688"/>
-          </a:xfrm>
-          <a:prstGeom prst="rect">
-            <a:avLst/>
-          </a:prstGeom>
-          <a:solidFill>
-            <a:schemeClr val="accent6">
-              <a:lumMod val="20000"/>
-              <a:lumOff val="80000"/>
-            </a:schemeClr>
-          </a:solidFill>
-          <a:ln w="19050" cap="flat" cmpd="sng" algn="ctr">
-            <a:noFill/>
-            <a:prstDash val="solid"/>
-            <a:round/>
-            <a:headEnd type="none" w="med" len="med"/>
-            <a:tailEnd type="none" w="med" len="med"/>
-          </a:ln>
-          <a:effectLst/>
-        </p:spPr>
-        <p:txBody>
-          <a:bodyPr vert="horz" wrap="square" lIns="91440" tIns="45720" rIns="91440" bIns="45720" numCol="1" rtlCol="0" anchor="t" anchorCtr="0" compatLnSpc="1">
-            <a:prstTxWarp prst="textNoShape">
-              <a:avLst/>
-            </a:prstTxWarp>
-          </a:bodyPr>
-          <a:lstStyle/>
-          <a:p>
-            <a:pPr marL="0" marR="0" indent="0" algn="l" defTabSz="914400" rtl="0" eaLnBrk="1" fontAlgn="base" latinLnBrk="0" hangingPunct="1">
-              <a:lnSpc>
-                <a:spcPct val="100000"/>
-              </a:lnSpc>
-              <a:spcBef>
-                <a:spcPct val="0"/>
-              </a:spcBef>
-              <a:spcAft>
-                <a:spcPct val="0"/>
-              </a:spcAft>
-              <a:buClrTx/>
-              <a:buSzTx/>
-              <a:buFontTx/>
-              <a:buNone/>
-              <a:tabLst/>
-            </a:pPr>
-            <a:endParaRPr kumimoji="0" lang="de-DE" sz="1600" b="0" i="0" u="none" strike="noStrike" cap="none" normalizeH="0" baseline="0" smtClean="0">
-              <a:ln>
-                <a:noFill/>
-              </a:ln>
-              <a:solidFill>
-                <a:schemeClr val="tx1"/>
-              </a:solidFill>
-              <a:effectLst/>
-              <a:latin typeface="Arial" charset="0"/>
-            </a:endParaRPr>
-          </a:p>
-        </p:txBody>
-      </p:sp>
-      <p:sp>
-        <p:nvSpPr>
-          <p:cNvPr id="18" name="Textfeld 17"/>
-          <p:cNvSpPr txBox="1"/>
-          <p:nvPr/>
-        </p:nvSpPr>
-        <p:spPr>
-          <a:xfrm>
-            <a:off x="225425" y="4814044"/>
-            <a:ext cx="8893175" cy="400110"/>
-          </a:xfrm>
-          <a:prstGeom prst="rect">
-            <a:avLst/>
-          </a:prstGeom>
-          <a:noFill/>
-        </p:spPr>
-        <p:txBody>
-          <a:bodyPr wrap="square" rtlCol="0">
-            <a:spAutoFit/>
-          </a:bodyPr>
-          <a:lstStyle/>
-          <a:p>
-            <a:pPr>
-              <a:spcAft>
-                <a:spcPts val="600"/>
-              </a:spcAft>
-              <a:tabLst>
-                <a:tab pos="2781300" algn="l"/>
-              </a:tabLst>
-            </a:pPr>
-            <a:r>
-              <a:rPr lang="de-DE" sz="2000" dirty="0" smtClean="0">
-                <a:latin typeface="Calibri" pitchFamily="34" charset="0"/>
-              </a:rPr>
-              <a:t>Root </a:t>
-            </a:r>
-            <a:r>
-              <a:rPr lang="de-DE" sz="2000" dirty="0" err="1" smtClean="0">
-                <a:latin typeface="Calibri" pitchFamily="34" charset="0"/>
-              </a:rPr>
-              <a:t>Mean</a:t>
-            </a:r>
-            <a:r>
-              <a:rPr lang="de-DE" sz="2000" dirty="0" smtClean="0">
-                <a:latin typeface="Calibri" pitchFamily="34" charset="0"/>
-              </a:rPr>
-              <a:t> </a:t>
-            </a:r>
-            <a:r>
-              <a:rPr lang="de-DE" sz="2000" dirty="0" err="1" smtClean="0">
-                <a:latin typeface="Calibri" pitchFamily="34" charset="0"/>
-              </a:rPr>
-              <a:t>Squared</a:t>
-            </a:r>
-            <a:r>
-              <a:rPr lang="de-DE" sz="2000" dirty="0" smtClean="0">
-                <a:latin typeface="Calibri" pitchFamily="34" charset="0"/>
-              </a:rPr>
-              <a:t> Error 	</a:t>
-            </a:r>
-            <a:r>
-              <a:rPr lang="de-DE" sz="2000" dirty="0" smtClean="0">
-                <a:latin typeface="Courier New" pitchFamily="49" charset="0"/>
-                <a:cs typeface="Courier New" pitchFamily="49" charset="0"/>
-              </a:rPr>
-              <a:t>RMSE = </a:t>
-            </a:r>
-            <a:r>
-              <a:rPr lang="de-DE" sz="2000" dirty="0" err="1" smtClean="0">
-                <a:solidFill>
-                  <a:srgbClr val="3366FF"/>
-                </a:solidFill>
-                <a:latin typeface="Courier New" pitchFamily="49" charset="0"/>
-                <a:cs typeface="Courier New" pitchFamily="49" charset="0"/>
-              </a:rPr>
-              <a:t>sqrt</a:t>
-            </a:r>
-            <a:r>
-              <a:rPr lang="de-DE" sz="2000" dirty="0" smtClean="0">
-                <a:latin typeface="Courier New" pitchFamily="49" charset="0"/>
-                <a:cs typeface="Courier New" pitchFamily="49" charset="0"/>
-              </a:rPr>
-              <a:t>( </a:t>
-            </a:r>
-            <a:r>
-              <a:rPr lang="de-DE" sz="2000" dirty="0" err="1" smtClean="0">
-                <a:solidFill>
-                  <a:srgbClr val="3366FF"/>
-                </a:solidFill>
-                <a:latin typeface="Courier New" pitchFamily="49" charset="0"/>
-                <a:cs typeface="Courier New" pitchFamily="49" charset="0"/>
-              </a:rPr>
-              <a:t>mean</a:t>
-            </a:r>
-            <a:r>
-              <a:rPr lang="de-DE" sz="2000" dirty="0" smtClean="0">
-                <a:latin typeface="Courier New" pitchFamily="49" charset="0"/>
-                <a:cs typeface="Courier New" pitchFamily="49" charset="0"/>
-              </a:rPr>
-              <a:t>((</a:t>
-            </a:r>
-            <a:r>
-              <a:rPr lang="de-DE" sz="2000" dirty="0" err="1" smtClean="0">
-                <a:latin typeface="Courier New" pitchFamily="49" charset="0"/>
-                <a:cs typeface="Courier New" pitchFamily="49" charset="0"/>
-              </a:rPr>
-              <a:t>obs</a:t>
-            </a:r>
-            <a:r>
-              <a:rPr lang="de-DE" sz="2000" dirty="0" smtClean="0">
-                <a:latin typeface="Courier New" pitchFamily="49" charset="0"/>
-                <a:cs typeface="Courier New" pitchFamily="49" charset="0"/>
-              </a:rPr>
-              <a:t> – </a:t>
-            </a:r>
-            <a:r>
-              <a:rPr lang="de-DE" sz="2000" dirty="0" err="1" smtClean="0">
-                <a:latin typeface="Courier New" pitchFamily="49" charset="0"/>
-                <a:cs typeface="Courier New" pitchFamily="49" charset="0"/>
-              </a:rPr>
-              <a:t>sim</a:t>
-            </a:r>
-            <a:r>
-              <a:rPr lang="de-DE" sz="2000" dirty="0" smtClean="0">
-                <a:latin typeface="Courier New" pitchFamily="49" charset="0"/>
-                <a:cs typeface="Courier New" pitchFamily="49" charset="0"/>
-              </a:rPr>
-              <a:t>)^2)</a:t>
-            </a:r>
-            <a:r>
-              <a:rPr lang="de-DE" sz="2000" dirty="0" smtClean="0">
-                <a:latin typeface="Courier New" pitchFamily="49" charset="0"/>
-                <a:cs typeface="Courier New" pitchFamily="49" charset="0"/>
-              </a:rPr>
-              <a:t>  )</a:t>
-            </a:r>
-            <a:endParaRPr lang="de-DE" sz="2000" dirty="0" smtClean="0">
-              <a:latin typeface="Courier New" pitchFamily="49" charset="0"/>
-              <a:cs typeface="Courier New" pitchFamily="49" charset="0"/>
-            </a:endParaRPr>
-          </a:p>
-        </p:txBody>
-      </p:sp>
-      <p:sp>
-        <p:nvSpPr>
-          <p:cNvPr id="20" name="Textfeld 19"/>
-          <p:cNvSpPr txBox="1"/>
-          <p:nvPr/>
-        </p:nvSpPr>
-        <p:spPr>
-          <a:xfrm>
-            <a:off x="226120" y="4365104"/>
-            <a:ext cx="8892480" cy="400110"/>
-          </a:xfrm>
-          <a:prstGeom prst="rect">
-            <a:avLst/>
-          </a:prstGeom>
-          <a:noFill/>
-        </p:spPr>
-        <p:txBody>
-          <a:bodyPr wrap="square" rtlCol="0">
-            <a:spAutoFit/>
-          </a:bodyPr>
-          <a:lstStyle/>
-          <a:p>
-            <a:pPr>
-              <a:spcAft>
-                <a:spcPts val="600"/>
-              </a:spcAft>
-              <a:tabLst>
-                <a:tab pos="2781300" algn="l"/>
-              </a:tabLst>
-            </a:pPr>
-            <a:r>
-              <a:rPr lang="de-DE" sz="2000" dirty="0" err="1" smtClean="0">
-                <a:latin typeface="Calibri" pitchFamily="34" charset="0"/>
-              </a:rPr>
-              <a:t>Sum</a:t>
-            </a:r>
-            <a:r>
-              <a:rPr lang="de-DE" sz="2000" dirty="0" smtClean="0">
-                <a:latin typeface="Calibri" pitchFamily="34" charset="0"/>
-              </a:rPr>
-              <a:t> </a:t>
-            </a:r>
-            <a:r>
-              <a:rPr lang="de-DE" sz="2000" dirty="0" err="1" smtClean="0">
-                <a:latin typeface="Calibri" pitchFamily="34" charset="0"/>
-              </a:rPr>
-              <a:t>of</a:t>
-            </a:r>
-            <a:r>
-              <a:rPr lang="de-DE" sz="2000" dirty="0" smtClean="0">
-                <a:latin typeface="Calibri" pitchFamily="34" charset="0"/>
-              </a:rPr>
-              <a:t> </a:t>
-            </a:r>
-            <a:r>
-              <a:rPr lang="de-DE" sz="2000" dirty="0" err="1" smtClean="0">
-                <a:latin typeface="Calibri" pitchFamily="34" charset="0"/>
-              </a:rPr>
-              <a:t>Squared</a:t>
-            </a:r>
-            <a:r>
-              <a:rPr lang="de-DE" sz="2000" dirty="0" smtClean="0">
-                <a:latin typeface="Calibri" pitchFamily="34" charset="0"/>
-              </a:rPr>
-              <a:t> Errors	</a:t>
-            </a:r>
-            <a:r>
-              <a:rPr lang="de-DE" sz="2000" dirty="0" smtClean="0">
-                <a:latin typeface="Courier New" pitchFamily="49" charset="0"/>
-                <a:cs typeface="Courier New" pitchFamily="49" charset="0"/>
-              </a:rPr>
-              <a:t>SSE = </a:t>
-            </a:r>
-            <a:r>
-              <a:rPr lang="de-DE" sz="2000" dirty="0" err="1" smtClean="0">
-                <a:solidFill>
-                  <a:srgbClr val="3366FF"/>
-                </a:solidFill>
-                <a:latin typeface="Courier New" pitchFamily="49" charset="0"/>
-                <a:cs typeface="Courier New" pitchFamily="49" charset="0"/>
-              </a:rPr>
-              <a:t>sum</a:t>
-            </a:r>
-            <a:r>
-              <a:rPr lang="de-DE" sz="2000" dirty="0" smtClean="0">
-                <a:latin typeface="Courier New" pitchFamily="49" charset="0"/>
-                <a:cs typeface="Courier New" pitchFamily="49" charset="0"/>
-              </a:rPr>
-              <a:t>((</a:t>
-            </a:r>
-            <a:r>
-              <a:rPr lang="de-DE" sz="2000" dirty="0" err="1" smtClean="0">
-                <a:latin typeface="Courier New" pitchFamily="49" charset="0"/>
-                <a:cs typeface="Courier New" pitchFamily="49" charset="0"/>
-              </a:rPr>
-              <a:t>obs</a:t>
-            </a:r>
-            <a:r>
-              <a:rPr lang="de-DE" sz="2000" dirty="0" smtClean="0">
-                <a:latin typeface="Courier New" pitchFamily="49" charset="0"/>
-                <a:cs typeface="Courier New" pitchFamily="49" charset="0"/>
-              </a:rPr>
-              <a:t> – </a:t>
-            </a:r>
-            <a:r>
-              <a:rPr lang="de-DE" sz="2000" dirty="0" err="1" smtClean="0">
-                <a:latin typeface="Courier New" pitchFamily="49" charset="0"/>
-                <a:cs typeface="Courier New" pitchFamily="49" charset="0"/>
-              </a:rPr>
-              <a:t>sim</a:t>
-            </a:r>
-            <a:r>
-              <a:rPr lang="de-DE" sz="2000" dirty="0" smtClean="0">
-                <a:latin typeface="Courier New" pitchFamily="49" charset="0"/>
-                <a:cs typeface="Courier New" pitchFamily="49" charset="0"/>
-              </a:rPr>
-              <a:t>)^2) </a:t>
-            </a:r>
-            <a:endParaRPr lang="de-DE" sz="2000" dirty="0" smtClean="0">
-              <a:latin typeface="Courier New" pitchFamily="49" charset="0"/>
-              <a:cs typeface="Courier New" pitchFamily="49" charset="0"/>
-            </a:endParaRPr>
-          </a:p>
-        </p:txBody>
-      </p:sp>
-      <p:sp>
-        <p:nvSpPr>
-          <p:cNvPr id="22" name="Textfeld 21"/>
-          <p:cNvSpPr txBox="1"/>
-          <p:nvPr/>
-        </p:nvSpPr>
-        <p:spPr>
-          <a:xfrm>
-            <a:off x="225425" y="5258792"/>
-            <a:ext cx="9217719" cy="400110"/>
-          </a:xfrm>
-          <a:prstGeom prst="rect">
-            <a:avLst/>
-          </a:prstGeom>
-          <a:noFill/>
-        </p:spPr>
-        <p:txBody>
-          <a:bodyPr wrap="square" rtlCol="0">
-            <a:spAutoFit/>
-          </a:bodyPr>
-          <a:lstStyle/>
-          <a:p>
-            <a:pPr>
-              <a:spcAft>
-                <a:spcPts val="600"/>
-              </a:spcAft>
-              <a:tabLst>
-                <a:tab pos="2781300" algn="l"/>
-              </a:tabLst>
-            </a:pPr>
-            <a:r>
-              <a:rPr lang="de-DE" sz="2000" dirty="0" smtClean="0">
-                <a:latin typeface="Calibri" pitchFamily="34" charset="0"/>
-              </a:rPr>
-              <a:t>Nash-</a:t>
-            </a:r>
-            <a:r>
-              <a:rPr lang="de-DE" sz="2000" dirty="0" err="1" smtClean="0">
-                <a:latin typeface="Calibri" pitchFamily="34" charset="0"/>
-              </a:rPr>
-              <a:t>Sutcliffe</a:t>
-            </a:r>
-            <a:r>
-              <a:rPr lang="de-DE" sz="2000" dirty="0" smtClean="0">
-                <a:latin typeface="Calibri" pitchFamily="34" charset="0"/>
-              </a:rPr>
-              <a:t> Effizienz	</a:t>
-            </a:r>
-            <a:r>
-              <a:rPr lang="de-DE" sz="2000" dirty="0" smtClean="0">
-                <a:latin typeface="Courier New" pitchFamily="49" charset="0"/>
-                <a:cs typeface="Courier New" pitchFamily="49" charset="0"/>
-              </a:rPr>
-              <a:t>NSE = 1 - SSE / </a:t>
-            </a:r>
-            <a:r>
-              <a:rPr lang="de-DE" sz="2000" dirty="0" err="1" smtClean="0">
-                <a:solidFill>
-                  <a:srgbClr val="3366FF"/>
-                </a:solidFill>
-                <a:latin typeface="Courier New" pitchFamily="49" charset="0"/>
-                <a:cs typeface="Courier New" pitchFamily="49" charset="0"/>
-              </a:rPr>
-              <a:t>sum</a:t>
-            </a:r>
-            <a:r>
-              <a:rPr lang="de-DE" sz="2000" dirty="0" smtClean="0">
-                <a:latin typeface="Courier New" pitchFamily="49" charset="0"/>
-                <a:cs typeface="Courier New" pitchFamily="49" charset="0"/>
-              </a:rPr>
-              <a:t>((</a:t>
-            </a:r>
-            <a:r>
-              <a:rPr lang="de-DE" sz="2000" dirty="0" err="1" smtClean="0">
-                <a:latin typeface="Courier New" pitchFamily="49" charset="0"/>
-                <a:cs typeface="Courier New" pitchFamily="49" charset="0"/>
-              </a:rPr>
-              <a:t>obs</a:t>
-            </a:r>
-            <a:r>
-              <a:rPr lang="de-DE" sz="2000" dirty="0" smtClean="0">
-                <a:latin typeface="Courier New" pitchFamily="49" charset="0"/>
-                <a:cs typeface="Courier New" pitchFamily="49" charset="0"/>
-              </a:rPr>
-              <a:t> – </a:t>
-            </a:r>
-            <a:r>
-              <a:rPr lang="de-DE" sz="2000" dirty="0" err="1" smtClean="0">
-                <a:solidFill>
-                  <a:srgbClr val="3366FF"/>
-                </a:solidFill>
-                <a:latin typeface="Courier New" pitchFamily="49" charset="0"/>
-                <a:cs typeface="Courier New" pitchFamily="49" charset="0"/>
-              </a:rPr>
-              <a:t>mean</a:t>
-            </a:r>
-            <a:r>
-              <a:rPr lang="de-DE" sz="2000" dirty="0" smtClean="0">
-                <a:latin typeface="Courier New" pitchFamily="49" charset="0"/>
-                <a:cs typeface="Courier New" pitchFamily="49" charset="0"/>
-              </a:rPr>
-              <a:t>(</a:t>
-            </a:r>
-            <a:r>
-              <a:rPr lang="de-DE" sz="2000" dirty="0" err="1" smtClean="0">
-                <a:latin typeface="Courier New" pitchFamily="49" charset="0"/>
-                <a:cs typeface="Courier New" pitchFamily="49" charset="0"/>
-              </a:rPr>
-              <a:t>obs</a:t>
-            </a:r>
-            <a:r>
-              <a:rPr lang="de-DE" sz="2000" dirty="0" smtClean="0">
-                <a:latin typeface="Courier New" pitchFamily="49" charset="0"/>
-                <a:cs typeface="Courier New" pitchFamily="49" charset="0"/>
-              </a:rPr>
-              <a:t>))^</a:t>
-            </a:r>
-            <a:r>
-              <a:rPr lang="de-DE" sz="2000" dirty="0" smtClean="0">
-                <a:latin typeface="Courier New" pitchFamily="49" charset="0"/>
-                <a:cs typeface="Courier New" pitchFamily="49" charset="0"/>
-              </a:rPr>
-              <a:t>2)</a:t>
-            </a:r>
-            <a:r>
-              <a:rPr lang="de-DE" sz="2000" dirty="0" smtClean="0">
-                <a:latin typeface="Courier New" pitchFamily="49" charset="0"/>
-                <a:cs typeface="Courier New" pitchFamily="49" charset="0"/>
-              </a:rPr>
-              <a:t> </a:t>
-            </a:r>
-            <a:endParaRPr lang="de-DE" sz="2000" dirty="0" smtClean="0">
-              <a:latin typeface="Courier New" pitchFamily="49" charset="0"/>
-              <a:cs typeface="Courier New" pitchFamily="49" charset="0"/>
-            </a:endParaRPr>
-          </a:p>
-        </p:txBody>
-      </p:sp>
-      <p:sp>
-        <p:nvSpPr>
-          <p:cNvPr id="25" name="Textfeld 24"/>
-          <p:cNvSpPr txBox="1"/>
-          <p:nvPr/>
-        </p:nvSpPr>
-        <p:spPr>
-          <a:xfrm>
-            <a:off x="226120" y="5678140"/>
-            <a:ext cx="8892480" cy="400110"/>
-          </a:xfrm>
-          <a:prstGeom prst="rect">
-            <a:avLst/>
-          </a:prstGeom>
-          <a:noFill/>
-        </p:spPr>
-        <p:txBody>
-          <a:bodyPr wrap="square" rtlCol="0">
-            <a:spAutoFit/>
-          </a:bodyPr>
-          <a:lstStyle/>
-          <a:p>
-            <a:pPr>
-              <a:spcAft>
-                <a:spcPts val="600"/>
-              </a:spcAft>
-              <a:tabLst>
-                <a:tab pos="2781300" algn="l"/>
-              </a:tabLst>
-            </a:pPr>
-            <a:r>
-              <a:rPr lang="de-DE" sz="2000" dirty="0" err="1" smtClean="0">
-                <a:latin typeface="Calibri" pitchFamily="34" charset="0"/>
-              </a:rPr>
-              <a:t>Mean</a:t>
-            </a:r>
-            <a:r>
-              <a:rPr lang="de-DE" sz="2000" dirty="0" smtClean="0">
-                <a:latin typeface="Calibri" pitchFamily="34" charset="0"/>
-              </a:rPr>
-              <a:t> Error	</a:t>
-            </a:r>
-            <a:r>
-              <a:rPr lang="de-DE" sz="2000" dirty="0" smtClean="0">
-                <a:latin typeface="Courier New" pitchFamily="49" charset="0"/>
-                <a:cs typeface="Courier New" pitchFamily="49" charset="0"/>
-              </a:rPr>
-              <a:t>ME = </a:t>
-            </a:r>
-            <a:r>
-              <a:rPr lang="de-DE" sz="2000" dirty="0" err="1" smtClean="0">
-                <a:solidFill>
-                  <a:srgbClr val="3366FF"/>
-                </a:solidFill>
-                <a:latin typeface="Courier New" pitchFamily="49" charset="0"/>
-                <a:cs typeface="Courier New" pitchFamily="49" charset="0"/>
-              </a:rPr>
-              <a:t>mean</a:t>
-            </a:r>
-            <a:r>
-              <a:rPr lang="de-DE" sz="2000" dirty="0" smtClean="0">
-                <a:latin typeface="Courier New" pitchFamily="49" charset="0"/>
-                <a:cs typeface="Courier New" pitchFamily="49" charset="0"/>
-              </a:rPr>
-              <a:t>((</a:t>
-            </a:r>
-            <a:r>
-              <a:rPr lang="de-DE" sz="2000" dirty="0" err="1" smtClean="0">
-                <a:latin typeface="Courier New" pitchFamily="49" charset="0"/>
-                <a:cs typeface="Courier New" pitchFamily="49" charset="0"/>
-              </a:rPr>
-              <a:t>obs-sim</a:t>
-            </a:r>
-            <a:r>
-              <a:rPr lang="de-DE" sz="2000" dirty="0" smtClean="0">
-                <a:latin typeface="Courier New" pitchFamily="49" charset="0"/>
-                <a:cs typeface="Courier New" pitchFamily="49" charset="0"/>
-              </a:rPr>
-              <a:t>))</a:t>
-            </a:r>
-            <a:r>
-              <a:rPr lang="de-DE" sz="2000" dirty="0" smtClean="0">
-                <a:latin typeface="Calibri" pitchFamily="34" charset="0"/>
-              </a:rPr>
-              <a:t> </a:t>
-            </a:r>
-            <a:endParaRPr lang="de-DE" sz="2000" dirty="0" smtClean="0">
-              <a:latin typeface="Calibri" pitchFamily="34" charset="0"/>
-            </a:endParaRPr>
-          </a:p>
-        </p:txBody>
-      </p:sp>
-    </p:spTree>
-  </p:cSld>
-  <p:clrMapOvr>
-    <a:masterClrMapping/>
-  </p:clrMapOvr>
-  <p:transition>
-    <p:zoom/>
-  </p:transition>
-  <p:timing>
-    <p:tnLst>
-      <p:par>
-        <p:cTn id="1" dur="indefinite" restart="never" nodeType="tmRoot">
-          <p:childTnLst>
-            <p:seq concurrent="1" nextAc="seek">
-              <p:cTn id="2" dur="indefinite" nodeType="mainSeq">
-                <p:childTnLst>
-                  <p:par>
-                    <p:cTn id="3" fill="hold">
-                      <p:stCondLst>
-                        <p:cond delay="indefinite"/>
-                      </p:stCondLst>
-                      <p:childTnLst>
-                        <p:par>
-                          <p:cTn id="4" fill="hold">
-                            <p:stCondLst>
-                              <p:cond delay="0"/>
-                            </p:stCondLst>
-                            <p:childTnLst>
-                              <p:par>
-                                <p:cTn id="5" presetID="22" presetClass="entr" presetSubtype="8" fill="hold" grpId="0" nodeType="clickEffect">
-                                  <p:stCondLst>
-                                    <p:cond delay="0"/>
-                                  </p:stCondLst>
-                                  <p:childTnLst>
-                                    <p:set>
-                                      <p:cBhvr>
-                                        <p:cTn id="6" dur="1" fill="hold">
-                                          <p:stCondLst>
-                                            <p:cond delay="0"/>
-                                          </p:stCondLst>
-                                        </p:cTn>
-                                        <p:tgtEl>
-                                          <p:spTgt spid="15"/>
-                                        </p:tgtEl>
-                                        <p:attrNameLst>
-                                          <p:attrName>style.visibility</p:attrName>
-                                        </p:attrNameLst>
-                                      </p:cBhvr>
-                                      <p:to>
-                                        <p:strVal val="visible"/>
-                                      </p:to>
-                                    </p:set>
-                                    <p:animEffect transition="in" filter="wipe(left)">
-                                      <p:cBhvr>
-                                        <p:cTn id="7" dur="500"/>
-                                        <p:tgtEl>
-                                          <p:spTgt spid="15"/>
-                                        </p:tgtEl>
-                                      </p:cBhvr>
-                                    </p:animEffect>
-                                  </p:childTnLst>
-                                </p:cTn>
-                              </p:par>
-                            </p:childTnLst>
-                          </p:cTn>
-                        </p:par>
-                      </p:childTnLst>
-                    </p:cTn>
-                  </p:par>
-                  <p:par>
-                    <p:cTn id="8" fill="hold">
-                      <p:stCondLst>
-                        <p:cond delay="indefinite"/>
-                      </p:stCondLst>
-                      <p:childTnLst>
-                        <p:par>
-                          <p:cTn id="9" fill="hold">
-                            <p:stCondLst>
-                              <p:cond delay="0"/>
-                            </p:stCondLst>
-                            <p:childTnLst>
-                              <p:par>
-                                <p:cTn id="10" presetID="22" presetClass="entr" presetSubtype="1" fill="hold" grpId="0" nodeType="clickEffect">
-                                  <p:stCondLst>
-                                    <p:cond delay="0"/>
-                                  </p:stCondLst>
-                                  <p:childTnLst>
-                                    <p:set>
-                                      <p:cBhvr>
-                                        <p:cTn id="11" dur="1" fill="hold">
-                                          <p:stCondLst>
-                                            <p:cond delay="0"/>
-                                          </p:stCondLst>
-                                        </p:cTn>
-                                        <p:tgtEl>
-                                          <p:spTgt spid="16"/>
-                                        </p:tgtEl>
-                                        <p:attrNameLst>
-                                          <p:attrName>style.visibility</p:attrName>
-                                        </p:attrNameLst>
-                                      </p:cBhvr>
-                                      <p:to>
-                                        <p:strVal val="visible"/>
-                                      </p:to>
-                                    </p:set>
-                                    <p:animEffect transition="in" filter="wipe(up)">
-                                      <p:cBhvr>
-                                        <p:cTn id="12" dur="500"/>
-                                        <p:tgtEl>
-                                          <p:spTgt spid="16"/>
-                                        </p:tgtEl>
-                                      </p:cBhvr>
-                                    </p:animEffect>
-                                  </p:childTnLst>
-                                </p:cTn>
-                              </p:par>
-                            </p:childTnLst>
-                          </p:cTn>
-                        </p:par>
-                      </p:childTnLst>
-                    </p:cTn>
-                  </p:par>
-                  <p:par>
-                    <p:cTn id="13" fill="hold">
-                      <p:stCondLst>
-                        <p:cond delay="indefinite"/>
-                      </p:stCondLst>
-                      <p:childTnLst>
-                        <p:par>
-                          <p:cTn id="14" fill="hold">
-                            <p:stCondLst>
-                              <p:cond delay="0"/>
-                            </p:stCondLst>
-                            <p:childTnLst>
-                              <p:par>
-                                <p:cTn id="15" presetID="9" presetClass="entr" presetSubtype="0" fill="hold" grpId="0" nodeType="clickEffect">
-                                  <p:stCondLst>
-                                    <p:cond delay="0"/>
-                                  </p:stCondLst>
-                                  <p:childTnLst>
-                                    <p:set>
-                                      <p:cBhvr>
-                                        <p:cTn id="16" dur="1" fill="hold">
-                                          <p:stCondLst>
-                                            <p:cond delay="0"/>
-                                          </p:stCondLst>
-                                        </p:cTn>
-                                        <p:tgtEl>
-                                          <p:spTgt spid="26"/>
-                                        </p:tgtEl>
-                                        <p:attrNameLst>
-                                          <p:attrName>style.visibility</p:attrName>
-                                        </p:attrNameLst>
-                                      </p:cBhvr>
-                                      <p:to>
-                                        <p:strVal val="visible"/>
-                                      </p:to>
-                                    </p:set>
-                                    <p:animEffect transition="in" filter="dissolve">
-                                      <p:cBhvr>
-                                        <p:cTn id="17" dur="500"/>
-                                        <p:tgtEl>
-                                          <p:spTgt spid="26"/>
-                                        </p:tgtEl>
-                                      </p:cBhvr>
-                                    </p:animEffect>
-                                  </p:childTnLst>
-                                </p:cTn>
-                              </p:par>
-                              <p:par>
-                                <p:cTn id="18" presetID="9" presetClass="entr" presetSubtype="0" fill="hold" grpId="0" nodeType="withEffect">
-                                  <p:stCondLst>
-                                    <p:cond delay="0"/>
-                                  </p:stCondLst>
-                                  <p:childTnLst>
-                                    <p:set>
-                                      <p:cBhvr>
-                                        <p:cTn id="19" dur="1" fill="hold">
-                                          <p:stCondLst>
-                                            <p:cond delay="0"/>
-                                          </p:stCondLst>
-                                        </p:cTn>
-                                        <p:tgtEl>
-                                          <p:spTgt spid="20"/>
-                                        </p:tgtEl>
-                                        <p:attrNameLst>
-                                          <p:attrName>style.visibility</p:attrName>
-                                        </p:attrNameLst>
-                                      </p:cBhvr>
-                                      <p:to>
-                                        <p:strVal val="visible"/>
-                                      </p:to>
-                                    </p:set>
-                                    <p:animEffect transition="in" filter="dissolve">
-                                      <p:cBhvr>
-                                        <p:cTn id="20" dur="500"/>
-                                        <p:tgtEl>
-                                          <p:spTgt spid="20"/>
-                                        </p:tgtEl>
-                                      </p:cBhvr>
-                                    </p:animEffect>
-                                  </p:childTnLst>
-                                </p:cTn>
-                              </p:par>
-                              <p:par>
-                                <p:cTn id="21" presetID="9" presetClass="entr" presetSubtype="0" fill="hold" grpId="0" nodeType="withEffect">
-                                  <p:stCondLst>
-                                    <p:cond delay="0"/>
-                                  </p:stCondLst>
-                                  <p:childTnLst>
-                                    <p:set>
-                                      <p:cBhvr>
-                                        <p:cTn id="22" dur="1" fill="hold">
-                                          <p:stCondLst>
-                                            <p:cond delay="0"/>
-                                          </p:stCondLst>
-                                        </p:cTn>
-                                        <p:tgtEl>
-                                          <p:spTgt spid="18"/>
-                                        </p:tgtEl>
-                                        <p:attrNameLst>
-                                          <p:attrName>style.visibility</p:attrName>
-                                        </p:attrNameLst>
-                                      </p:cBhvr>
-                                      <p:to>
-                                        <p:strVal val="visible"/>
-                                      </p:to>
-                                    </p:set>
-                                    <p:animEffect transition="in" filter="dissolve">
-                                      <p:cBhvr>
-                                        <p:cTn id="23" dur="500"/>
-                                        <p:tgtEl>
-                                          <p:spTgt spid="18"/>
-                                        </p:tgtEl>
-                                      </p:cBhvr>
-                                    </p:animEffect>
-                                  </p:childTnLst>
-                                </p:cTn>
-                              </p:par>
-                              <p:par>
-                                <p:cTn id="24" presetID="9" presetClass="entr" presetSubtype="0" fill="hold" grpId="0" nodeType="withEffect">
-                                  <p:stCondLst>
-                                    <p:cond delay="0"/>
-                                  </p:stCondLst>
-                                  <p:childTnLst>
-                                    <p:set>
-                                      <p:cBhvr>
-                                        <p:cTn id="25" dur="1" fill="hold">
-                                          <p:stCondLst>
-                                            <p:cond delay="0"/>
-                                          </p:stCondLst>
-                                        </p:cTn>
-                                        <p:tgtEl>
-                                          <p:spTgt spid="22"/>
-                                        </p:tgtEl>
-                                        <p:attrNameLst>
-                                          <p:attrName>style.visibility</p:attrName>
-                                        </p:attrNameLst>
-                                      </p:cBhvr>
-                                      <p:to>
-                                        <p:strVal val="visible"/>
-                                      </p:to>
-                                    </p:set>
-                                    <p:animEffect transition="in" filter="dissolve">
-                                      <p:cBhvr>
-                                        <p:cTn id="26" dur="500"/>
-                                        <p:tgtEl>
-                                          <p:spTgt spid="22"/>
-                                        </p:tgtEl>
-                                      </p:cBhvr>
-                                    </p:animEffect>
-                                  </p:childTnLst>
-                                </p:cTn>
-                              </p:par>
-                              <p:par>
-                                <p:cTn id="27" presetID="9" presetClass="entr" presetSubtype="0" fill="hold" grpId="0" nodeType="withEffect">
-                                  <p:stCondLst>
-                                    <p:cond delay="0"/>
-                                  </p:stCondLst>
-                                  <p:childTnLst>
-                                    <p:set>
-                                      <p:cBhvr>
-                                        <p:cTn id="28" dur="1" fill="hold">
-                                          <p:stCondLst>
-                                            <p:cond delay="0"/>
-                                          </p:stCondLst>
-                                        </p:cTn>
-                                        <p:tgtEl>
-                                          <p:spTgt spid="25"/>
-                                        </p:tgtEl>
-                                        <p:attrNameLst>
-                                          <p:attrName>style.visibility</p:attrName>
-                                        </p:attrNameLst>
-                                      </p:cBhvr>
-                                      <p:to>
-                                        <p:strVal val="visible"/>
-                                      </p:to>
-                                    </p:set>
-                                    <p:animEffect transition="in" filter="dissolve">
-                                      <p:cBhvr>
-                                        <p:cTn id="29" dur="500"/>
-                                        <p:tgtEl>
-                                          <p:spTgt spid="25"/>
-                                        </p:tgtEl>
-                                      </p:cBhvr>
-                                    </p:animEffect>
-                                  </p:childTnLst>
-                                </p:cTn>
-                              </p:par>
-                            </p:childTnLst>
-                          </p:cTn>
-                        </p:par>
-                      </p:childTnLst>
-                    </p:cTn>
-                  </p:par>
-                </p:childTnLst>
-              </p:cTn>
-              <p:prevCondLst>
-                <p:cond evt="onPrev" delay="0">
-                  <p:tgtEl>
-                    <p:sldTgt/>
-                  </p:tgtEl>
-                </p:cond>
-              </p:prevCondLst>
-              <p:nextCondLst>
-                <p:cond evt="onNext" delay="0">
-                  <p:tgtEl>
-                    <p:sldTgt/>
-                  </p:tgtEl>
-                </p:cond>
-              </p:nextCondLst>
-            </p:seq>
-          </p:childTnLst>
-        </p:cTn>
-      </p:par>
-    </p:tnLst>
-    <p:bldLst>
-      <p:bldP spid="15" grpId="0"/>
-      <p:bldP spid="16" grpId="0"/>
-      <p:bldP spid="26" grpId="0" animBg="1"/>
-      <p:bldP spid="18" grpId="0"/>
-      <p:bldP spid="20" grpId="0"/>
-      <p:bldP spid="22" grpId="0"/>
-      <p:bldP spid="25" grpId="0"/>
-    </p:bldLst>
-  </p:timing>
-</p:sld>
-</file>
-
-<file path=ppt/slides/slide9.xml><?xml version="1.0" encoding="utf-8"?>
-<p:sld xmlns:a="http://schemas.openxmlformats.org/drawingml/2006/main" xmlns:r="http://schemas.openxmlformats.org/officeDocument/2006/relationships" xmlns:p="http://schemas.openxmlformats.org/presentationml/2006/main">
-  <p:cSld>
-    <p:spTree>
-      <p:nvGrpSpPr>
-        <p:cNvPr id="1" name=""/>
-        <p:cNvGrpSpPr/>
-        <p:nvPr/>
-      </p:nvGrpSpPr>
-      <p:grpSpPr>
-        <a:xfrm>
-          <a:off x="0" y="0"/>
-          <a:ext cx="0" cy="0"/>
-          <a:chOff x="0" y="0"/>
-          <a:chExt cx="0" cy="0"/>
-        </a:xfrm>
-      </p:grpSpPr>
-      <p:sp>
-        <p:nvSpPr>
-          <p:cNvPr id="13" name="Textfeld 12"/>
-          <p:cNvSpPr txBox="1"/>
-          <p:nvPr/>
-        </p:nvSpPr>
-        <p:spPr>
-          <a:xfrm>
-            <a:off x="1" y="-21515"/>
-            <a:ext cx="9108504" cy="476250"/>
-          </a:xfrm>
-          <a:prstGeom prst="rect">
-            <a:avLst/>
-          </a:prstGeom>
-          <a:noFill/>
-          <a:effectLst/>
-        </p:spPr>
-        <p:txBody>
-          <a:bodyPr wrap="square" lIns="0" rIns="0" rtlCol="0">
-            <a:noAutofit/>
-          </a:bodyPr>
-          <a:lstStyle/>
-          <a:p>
-            <a:pPr algn="ctr">
-              <a:spcAft>
-                <a:spcPts val="0"/>
-              </a:spcAft>
-              <a:defRPr/>
-            </a:pPr>
-            <a:r>
-              <a:rPr lang="de-DE" sz="2800" dirty="0" smtClean="0">
-                <a:solidFill>
-                  <a:schemeClr val="bg1">
-                    <a:lumMod val="85000"/>
-                  </a:schemeClr>
-                </a:solidFill>
-                <a:latin typeface="Calibri" pitchFamily="34" charset="0"/>
-              </a:rPr>
-              <a:t>Kalibrierung und Validierung</a:t>
-            </a:r>
-          </a:p>
-        </p:txBody>
-      </p:sp>
-      <p:sp>
-        <p:nvSpPr>
-          <p:cNvPr id="10" name="Textfeld 9"/>
-          <p:cNvSpPr txBox="1"/>
-          <p:nvPr/>
-        </p:nvSpPr>
-        <p:spPr>
-          <a:xfrm>
-            <a:off x="250825" y="765175"/>
-            <a:ext cx="4896544" cy="523220"/>
-          </a:xfrm>
-          <a:prstGeom prst="rect">
-            <a:avLst/>
-          </a:prstGeom>
-          <a:noFill/>
-        </p:spPr>
-        <p:txBody>
-          <a:bodyPr wrap="square" rtlCol="0">
-            <a:spAutoFit/>
-          </a:bodyPr>
-          <a:lstStyle/>
-          <a:p>
-            <a:r>
-              <a:rPr lang="de-DE" sz="2800" dirty="0" smtClean="0">
-                <a:latin typeface="Calibri" pitchFamily="34" charset="0"/>
-              </a:rPr>
-              <a:t>Modellkalibrierung </a:t>
-            </a:r>
-            <a:endParaRPr lang="de-DE" sz="2800" dirty="0">
-              <a:latin typeface="Calibri" pitchFamily="34" charset="0"/>
-            </a:endParaRPr>
-          </a:p>
-        </p:txBody>
-      </p:sp>
-      <p:sp>
-        <p:nvSpPr>
-          <p:cNvPr id="23" name="Textfeld 22"/>
-          <p:cNvSpPr txBox="1"/>
-          <p:nvPr/>
-        </p:nvSpPr>
-        <p:spPr>
-          <a:xfrm>
-            <a:off x="250825" y="1484784"/>
-            <a:ext cx="6049367" cy="400110"/>
-          </a:xfrm>
-          <a:prstGeom prst="rect">
-            <a:avLst/>
-          </a:prstGeom>
-          <a:noFill/>
-        </p:spPr>
-        <p:txBody>
-          <a:bodyPr wrap="square" rtlCol="0">
-            <a:spAutoFit/>
-          </a:bodyPr>
-          <a:lstStyle/>
-          <a:p>
-            <a:pPr>
-              <a:spcAft>
-                <a:spcPts val="600"/>
-              </a:spcAft>
-            </a:pPr>
-            <a:r>
-              <a:rPr lang="de-DE" sz="2000" b="1" dirty="0" smtClean="0">
-                <a:latin typeface="Calibri" pitchFamily="34" charset="0"/>
-              </a:rPr>
-              <a:t>Suchverfahren und -algorithmen</a:t>
-            </a:r>
-            <a:endParaRPr lang="de-DE" sz="2000" b="1" dirty="0" smtClean="0">
-              <a:latin typeface="Calibri" pitchFamily="34" charset="0"/>
-            </a:endParaRPr>
-          </a:p>
-        </p:txBody>
-      </p:sp>
-      <p:sp>
-        <p:nvSpPr>
-          <p:cNvPr id="29" name="Textfeld 28"/>
-          <p:cNvSpPr txBox="1"/>
-          <p:nvPr/>
-        </p:nvSpPr>
-        <p:spPr>
-          <a:xfrm>
-            <a:off x="250825" y="1916833"/>
-            <a:ext cx="7634288" cy="1169551"/>
-          </a:xfrm>
-          <a:prstGeom prst="rect">
-            <a:avLst/>
-          </a:prstGeom>
-          <a:noFill/>
-        </p:spPr>
-        <p:txBody>
-          <a:bodyPr wrap="square" rtlCol="0">
-            <a:spAutoFit/>
-          </a:bodyPr>
-          <a:lstStyle/>
-          <a:p>
-            <a:pPr marL="273050" indent="-273050">
-              <a:spcAft>
-                <a:spcPts val="600"/>
-              </a:spcAft>
-              <a:buFont typeface="Wingdings" pitchFamily="2" charset="2"/>
-              <a:buChar char="§"/>
-              <a:tabLst>
-                <a:tab pos="273050" algn="l"/>
-              </a:tabLst>
-            </a:pPr>
-            <a:r>
-              <a:rPr lang="de-DE" sz="2000" dirty="0" smtClean="0">
-                <a:latin typeface="Calibri" pitchFamily="34" charset="0"/>
-              </a:rPr>
-              <a:t>Ausprobieren</a:t>
-            </a:r>
-            <a:endParaRPr lang="de-DE" sz="2000" dirty="0" smtClean="0">
-              <a:latin typeface="Calibri" pitchFamily="34" charset="0"/>
-            </a:endParaRPr>
-          </a:p>
-          <a:p>
-            <a:pPr marL="273050" indent="-273050">
-              <a:spcAft>
-                <a:spcPts val="600"/>
-              </a:spcAft>
-              <a:buFont typeface="Wingdings" pitchFamily="2" charset="2"/>
-              <a:buChar char="§"/>
-              <a:tabLst>
-                <a:tab pos="273050" algn="l"/>
-              </a:tabLst>
-            </a:pPr>
-            <a:r>
-              <a:rPr lang="de-DE" sz="2000" dirty="0" smtClean="0">
-                <a:latin typeface="Calibri" pitchFamily="34" charset="0"/>
-              </a:rPr>
-              <a:t>Rohe Gewalt (</a:t>
-            </a:r>
-            <a:r>
-              <a:rPr lang="de-DE" sz="2000" dirty="0" err="1" smtClean="0">
-                <a:latin typeface="Calibri" pitchFamily="34" charset="0"/>
-              </a:rPr>
-              <a:t>Brute</a:t>
-            </a:r>
-            <a:r>
-              <a:rPr lang="de-DE" sz="2000" dirty="0" smtClean="0">
-                <a:latin typeface="Calibri" pitchFamily="34" charset="0"/>
-              </a:rPr>
-              <a:t> Force)</a:t>
-            </a:r>
-          </a:p>
-          <a:p>
-            <a:pPr marL="273050" indent="-273050">
-              <a:spcAft>
-                <a:spcPts val="600"/>
-              </a:spcAft>
-              <a:buFont typeface="Wingdings" pitchFamily="2" charset="2"/>
-              <a:buChar char="§"/>
-              <a:tabLst>
-                <a:tab pos="273050" algn="l"/>
-              </a:tabLst>
-            </a:pPr>
-            <a:r>
-              <a:rPr lang="de-DE" sz="2000" dirty="0" smtClean="0">
-                <a:latin typeface="Calibri" pitchFamily="34" charset="0"/>
-              </a:rPr>
-              <a:t>„Intelligente“ Suchalgorithmen</a:t>
-            </a:r>
-            <a:endParaRPr lang="de-DE" sz="2000" dirty="0" smtClean="0">
-              <a:latin typeface="Calibri" pitchFamily="34" charset="0"/>
-            </a:endParaRPr>
-          </a:p>
-        </p:txBody>
-      </p:sp>
-      <p:grpSp>
-        <p:nvGrpSpPr>
-          <p:cNvPr id="31" name="Gruppieren 30"/>
-          <p:cNvGrpSpPr/>
-          <p:nvPr/>
-        </p:nvGrpSpPr>
-        <p:grpSpPr>
-          <a:xfrm>
-            <a:off x="251271" y="2204864"/>
-            <a:ext cx="8849867" cy="3585145"/>
-            <a:chOff x="251271" y="2508151"/>
-            <a:chExt cx="8849867" cy="3585145"/>
-          </a:xfrm>
-        </p:grpSpPr>
-        <p:pic>
-          <p:nvPicPr>
-            <p:cNvPr id="38914" name="Picture 2" descr="http://perpetual-wonder.com/blog/wp-content/uploads/2015/03/optimize.bmp"/>
-            <p:cNvPicPr>
-              <a:picLocks noChangeAspect="1" noChangeArrowheads="1"/>
-            </p:cNvPicPr>
-            <p:nvPr/>
-          </p:nvPicPr>
-          <p:blipFill>
-            <a:blip r:embed="rId3" cstate="print"/>
-            <a:srcRect t="8930"/>
-            <a:stretch>
-              <a:fillRect/>
-            </a:stretch>
-          </p:blipFill>
-          <p:spPr bwMode="auto">
-            <a:xfrm>
-              <a:off x="3995738" y="2508151"/>
-              <a:ext cx="5105400" cy="3513137"/>
-            </a:xfrm>
-            <a:prstGeom prst="rect">
-              <a:avLst/>
-            </a:prstGeom>
-            <a:noFill/>
-          </p:spPr>
-        </p:pic>
-        <p:sp>
-          <p:nvSpPr>
-            <p:cNvPr id="19" name="Textfeld 18"/>
-            <p:cNvSpPr txBox="1"/>
-            <p:nvPr/>
-          </p:nvSpPr>
-          <p:spPr>
-            <a:xfrm rot="1514436">
-              <a:off x="4503081" y="5501848"/>
-              <a:ext cx="1584863" cy="369332"/>
-            </a:xfrm>
-            <a:prstGeom prst="rect">
-              <a:avLst/>
-            </a:prstGeom>
-            <a:solidFill>
-              <a:schemeClr val="bg1"/>
-            </a:solidFill>
-          </p:spPr>
-          <p:txBody>
-            <a:bodyPr wrap="square" rtlCol="0">
-              <a:spAutoFit/>
-            </a:bodyPr>
-            <a:lstStyle/>
-            <a:p>
-              <a:pPr algn="ctr"/>
-              <a:r>
-                <a:rPr lang="de-DE" sz="1800" b="1" dirty="0" smtClean="0">
-                  <a:latin typeface="Calibri" pitchFamily="34" charset="0"/>
-                  <a:cs typeface="Courier New" pitchFamily="49" charset="0"/>
-                </a:rPr>
-                <a:t>Parameter a</a:t>
-              </a:r>
-              <a:endParaRPr lang="de-DE" sz="1800" b="1" dirty="0">
-                <a:latin typeface="Calibri" pitchFamily="34" charset="0"/>
-                <a:cs typeface="Courier New" pitchFamily="49" charset="0"/>
-              </a:endParaRPr>
-            </a:p>
-          </p:txBody>
-        </p:sp>
-        <p:sp>
-          <p:nvSpPr>
-            <p:cNvPr id="21" name="Textfeld 20"/>
-            <p:cNvSpPr txBox="1"/>
-            <p:nvPr/>
-          </p:nvSpPr>
-          <p:spPr>
-            <a:xfrm rot="20640000">
-              <a:off x="7256412" y="5592153"/>
-              <a:ext cx="1548297" cy="369332"/>
-            </a:xfrm>
-            <a:prstGeom prst="rect">
-              <a:avLst/>
-            </a:prstGeom>
-            <a:solidFill>
-              <a:schemeClr val="bg1"/>
-            </a:solidFill>
-          </p:spPr>
-          <p:txBody>
-            <a:bodyPr wrap="square" rtlCol="0">
-              <a:spAutoFit/>
-            </a:bodyPr>
-            <a:lstStyle/>
-            <a:p>
-              <a:pPr algn="ctr"/>
-              <a:r>
-                <a:rPr lang="de-DE" sz="1800" b="1" dirty="0" smtClean="0">
-                  <a:latin typeface="Calibri" pitchFamily="34" charset="0"/>
-                  <a:cs typeface="Courier New" pitchFamily="49" charset="0"/>
-                </a:rPr>
-                <a:t>Parameter b</a:t>
-              </a:r>
-              <a:endParaRPr lang="de-DE" sz="1800" b="1" dirty="0">
-                <a:latin typeface="Calibri" pitchFamily="34" charset="0"/>
-                <a:cs typeface="Courier New" pitchFamily="49" charset="0"/>
-              </a:endParaRPr>
-            </a:p>
-          </p:txBody>
-        </p:sp>
-        <p:sp>
-          <p:nvSpPr>
-            <p:cNvPr id="28" name="Textfeld 27"/>
-            <p:cNvSpPr txBox="1"/>
-            <p:nvPr/>
-          </p:nvSpPr>
-          <p:spPr>
-            <a:xfrm>
-              <a:off x="4351338" y="2789238"/>
-              <a:ext cx="1657127" cy="369332"/>
-            </a:xfrm>
-            <a:prstGeom prst="rect">
-              <a:avLst/>
-            </a:prstGeom>
-            <a:noFill/>
-          </p:spPr>
-          <p:txBody>
-            <a:bodyPr wrap="square" rtlCol="0">
-              <a:spAutoFit/>
-            </a:bodyPr>
-            <a:lstStyle/>
-            <a:p>
-              <a:pPr algn="ctr"/>
-              <a:r>
-                <a:rPr lang="de-DE" sz="1800" b="1" dirty="0" smtClean="0">
-                  <a:latin typeface="Calibri" pitchFamily="34" charset="0"/>
-                  <a:cs typeface="Courier New" pitchFamily="49" charset="0"/>
-                </a:rPr>
-                <a:t>Fehlermaß</a:t>
-              </a:r>
-              <a:endParaRPr lang="de-DE" sz="1800" b="1" dirty="0">
-                <a:latin typeface="Calibri" pitchFamily="34" charset="0"/>
-                <a:cs typeface="Courier New" pitchFamily="49" charset="0"/>
-              </a:endParaRPr>
-            </a:p>
-          </p:txBody>
-        </p:sp>
-        <p:sp>
-          <p:nvSpPr>
-            <p:cNvPr id="30" name="Textfeld 29"/>
-            <p:cNvSpPr txBox="1"/>
-            <p:nvPr/>
-          </p:nvSpPr>
-          <p:spPr>
-            <a:xfrm>
-              <a:off x="251271" y="5446965"/>
-              <a:ext cx="4176713" cy="646331"/>
-            </a:xfrm>
-            <a:prstGeom prst="rect">
-              <a:avLst/>
-            </a:prstGeom>
-            <a:noFill/>
-          </p:spPr>
-          <p:txBody>
-            <a:bodyPr wrap="square" rtlCol="0">
-              <a:spAutoFit/>
-            </a:bodyPr>
-            <a:lstStyle/>
-            <a:p>
-              <a:pPr algn="r"/>
-              <a:r>
-                <a:rPr lang="de-DE" sz="1800" dirty="0" smtClean="0">
-                  <a:solidFill>
-                    <a:schemeClr val="tx1">
-                      <a:lumMod val="50000"/>
-                      <a:lumOff val="50000"/>
-                    </a:schemeClr>
-                  </a:solidFill>
-                  <a:latin typeface="Calibri" pitchFamily="34" charset="0"/>
-                </a:rPr>
-                <a:t>Beispielhafte Oberfläche einer Zielfunktion mit zwei Modellparametern a und b</a:t>
-              </a:r>
-              <a:endParaRPr lang="de-DE" sz="1800" dirty="0">
-                <a:solidFill>
-                  <a:schemeClr val="tx1">
-                    <a:lumMod val="50000"/>
-                    <a:lumOff val="50000"/>
-                  </a:schemeClr>
-                </a:solidFill>
-                <a:latin typeface="Calibri" pitchFamily="34" charset="0"/>
-              </a:endParaRPr>
-            </a:p>
-          </p:txBody>
-        </p:sp>
-      </p:grpSp>
-    </p:spTree>
-  </p:cSld>
-  <p:clrMapOvr>
-    <a:masterClrMapping/>
-  </p:clrMapOvr>
-  <p:transition>
-    <p:zoom/>
-  </p:transition>
-  <p:timing>
-    <p:tnLst>
-      <p:par>
-        <p:cTn id="1" dur="indefinite" restart="never" nodeType="tmRoot"/>
-      </p:par>
-    </p:tnLst>
   </p:timing>
 </p:sld>
 </file>
